--- a/Avant-projet/Itération 0.pptx
+++ b/Avant-projet/Itération 0.pptx
@@ -4,12 +4,25 @@
   <p:sldMasterIdLst>
     <p:sldMasterId id="2147483648" r:id="rId2"/>
     <p:sldMasterId id="2147483661" r:id="rId3"/>
+    <p:sldMasterId id="2147483674" r:id="rId4"/>
   </p:sldMasterIdLst>
   <p:sldIdLst>
-    <p:sldId id="256" r:id="rId4"/>
-    <p:sldId id="257" r:id="rId5"/>
-    <p:sldId id="258" r:id="rId6"/>
-    <p:sldId id="259" r:id="rId7"/>
+    <p:sldId id="256" r:id="rId5"/>
+    <p:sldId id="257" r:id="rId6"/>
+    <p:sldId id="258" r:id="rId7"/>
+    <p:sldId id="259" r:id="rId8"/>
+    <p:sldId id="260" r:id="rId9"/>
+    <p:sldId id="261" r:id="rId10"/>
+    <p:sldId id="262" r:id="rId11"/>
+    <p:sldId id="263" r:id="rId12"/>
+    <p:sldId id="264" r:id="rId13"/>
+    <p:sldId id="265" r:id="rId14"/>
+    <p:sldId id="266" r:id="rId15"/>
+    <p:sldId id="267" r:id="rId16"/>
+    <p:sldId id="268" r:id="rId17"/>
+    <p:sldId id="269" r:id="rId18"/>
+    <p:sldId id="270" r:id="rId19"/>
+    <p:sldId id="271" r:id="rId20"/>
   </p:sldIdLst>
   <p:sldSz cx="10080625" cy="7559675"/>
   <p:notesSz cx="7772400" cy="10058400"/>
@@ -68,7 +81,7 @@
         <p:spPr>
           <a:xfrm>
             <a:off x="504000" y="301320"/>
-            <a:ext cx="9071280" cy="1261800"/>
+            <a:ext cx="9070920" cy="1261440"/>
           </a:xfrm>
           <a:prstGeom prst="rect">
             <a:avLst/>
@@ -105,7 +118,7 @@
         <p:spPr>
           <a:xfrm>
             <a:off x="504000" y="1769040"/>
-            <a:ext cx="9071280" cy="2090880"/>
+            <a:ext cx="9070920" cy="2090880"/>
           </a:xfrm>
           <a:prstGeom prst="rect">
             <a:avLst/>
@@ -141,7 +154,7 @@
         <p:spPr>
           <a:xfrm>
             <a:off x="504000" y="4059000"/>
-            <a:ext cx="9071280" cy="2090880"/>
+            <a:ext cx="9070920" cy="2090880"/>
           </a:xfrm>
           <a:prstGeom prst="rect">
             <a:avLst/>
@@ -199,7 +212,7 @@
         <p:spPr>
           <a:xfrm>
             <a:off x="504000" y="301320"/>
-            <a:ext cx="9071280" cy="1261800"/>
+            <a:ext cx="9070920" cy="1261440"/>
           </a:xfrm>
           <a:prstGeom prst="rect">
             <a:avLst/>
@@ -402,7 +415,7 @@
         <p:spPr>
           <a:xfrm>
             <a:off x="504000" y="301320"/>
-            <a:ext cx="9071280" cy="1261800"/>
+            <a:ext cx="9070920" cy="1261440"/>
           </a:xfrm>
           <a:prstGeom prst="rect">
             <a:avLst/>
@@ -439,7 +452,7 @@
         <p:spPr>
           <a:xfrm>
             <a:off x="504000" y="1769040"/>
-            <a:ext cx="9071280" cy="4384080"/>
+            <a:ext cx="9070920" cy="4383720"/>
           </a:xfrm>
           <a:prstGeom prst="rect">
             <a:avLst/>
@@ -475,7 +488,7 @@
         <p:spPr>
           <a:xfrm>
             <a:off x="504000" y="1769040"/>
-            <a:ext cx="9071280" cy="4384080"/>
+            <a:ext cx="9070920" cy="4383720"/>
           </a:xfrm>
           <a:prstGeom prst="rect">
             <a:avLst/>
@@ -510,8 +523,8 @@
         </p:blipFill>
         <p:spPr>
           <a:xfrm>
-            <a:off x="2292120" y="1769040"/>
-            <a:ext cx="5494680" cy="4384080"/>
+            <a:off x="2292120" y="1768680"/>
+            <a:ext cx="5494320" cy="4383720"/>
           </a:xfrm>
           <a:prstGeom prst="rect">
             <a:avLst/>
@@ -533,8 +546,8 @@
         </p:blipFill>
         <p:spPr>
           <a:xfrm>
-            <a:off x="2292120" y="1769040"/>
-            <a:ext cx="5494680" cy="4384080"/>
+            <a:off x="2292120" y="1768680"/>
+            <a:ext cx="5494320" cy="4383720"/>
           </a:xfrm>
           <a:prstGeom prst="rect">
             <a:avLst/>
@@ -601,7 +614,7 @@
         <p:spPr>
           <a:xfrm>
             <a:off x="504000" y="301320"/>
-            <a:ext cx="9071280" cy="1261800"/>
+            <a:ext cx="9070920" cy="1261440"/>
           </a:xfrm>
           <a:prstGeom prst="rect">
             <a:avLst/>
@@ -638,7 +651,7 @@
         <p:spPr>
           <a:xfrm>
             <a:off x="504000" y="1769040"/>
-            <a:ext cx="9071280" cy="4384080"/>
+            <a:ext cx="9070920" cy="4383720"/>
           </a:xfrm>
           <a:prstGeom prst="rect">
             <a:avLst/>
@@ -697,7 +710,7 @@
         <p:spPr>
           <a:xfrm>
             <a:off x="504000" y="301320"/>
-            <a:ext cx="9071280" cy="1261800"/>
+            <a:ext cx="9070920" cy="1261440"/>
           </a:xfrm>
           <a:prstGeom prst="rect">
             <a:avLst/>
@@ -734,7 +747,7 @@
         <p:spPr>
           <a:xfrm>
             <a:off x="504000" y="1769040"/>
-            <a:ext cx="9071280" cy="4384080"/>
+            <a:ext cx="9070920" cy="4383720"/>
           </a:xfrm>
           <a:prstGeom prst="rect">
             <a:avLst/>
@@ -792,7 +805,7 @@
         <p:spPr>
           <a:xfrm>
             <a:off x="504000" y="301320"/>
-            <a:ext cx="9071280" cy="1261800"/>
+            <a:ext cx="9070920" cy="1261440"/>
           </a:xfrm>
           <a:prstGeom prst="rect">
             <a:avLst/>
@@ -829,7 +842,7 @@
         <p:spPr>
           <a:xfrm>
             <a:off x="504000" y="1769040"/>
-            <a:ext cx="4426560" cy="4384080"/>
+            <a:ext cx="4426560" cy="4383720"/>
           </a:xfrm>
           <a:prstGeom prst="rect">
             <a:avLst/>
@@ -865,7 +878,7 @@
         <p:spPr>
           <a:xfrm>
             <a:off x="5152320" y="1769040"/>
-            <a:ext cx="4426560" cy="4384080"/>
+            <a:ext cx="4426560" cy="4383720"/>
           </a:xfrm>
           <a:prstGeom prst="rect">
             <a:avLst/>
@@ -923,7 +936,7 @@
         <p:spPr>
           <a:xfrm>
             <a:off x="504000" y="301320"/>
-            <a:ext cx="9071280" cy="1261800"/>
+            <a:ext cx="9070920" cy="1261440"/>
           </a:xfrm>
           <a:prstGeom prst="rect">
             <a:avLst/>
@@ -982,7 +995,7 @@
         <p:spPr>
           <a:xfrm>
             <a:off x="504000" y="301320"/>
-            <a:ext cx="9071280" cy="5850360"/>
+            <a:ext cx="9070920" cy="5848560"/>
           </a:xfrm>
           <a:prstGeom prst="rect">
             <a:avLst/>
@@ -1041,7 +1054,7 @@
         <p:spPr>
           <a:xfrm>
             <a:off x="504000" y="301320"/>
-            <a:ext cx="9071280" cy="1261800"/>
+            <a:ext cx="9070920" cy="1261440"/>
           </a:xfrm>
           <a:prstGeom prst="rect">
             <a:avLst/>
@@ -1150,7 +1163,7 @@
         <p:spPr>
           <a:xfrm>
             <a:off x="5152320" y="1769040"/>
-            <a:ext cx="4426560" cy="4384080"/>
+            <a:ext cx="4426560" cy="4383720"/>
           </a:xfrm>
           <a:prstGeom prst="rect">
             <a:avLst/>
@@ -1208,7 +1221,7 @@
         <p:spPr>
           <a:xfrm>
             <a:off x="504000" y="301320"/>
-            <a:ext cx="9071280" cy="1261800"/>
+            <a:ext cx="9070920" cy="1261440"/>
           </a:xfrm>
           <a:prstGeom prst="rect">
             <a:avLst/>
@@ -1245,7 +1258,7 @@
         <p:spPr>
           <a:xfrm>
             <a:off x="504000" y="1769040"/>
-            <a:ext cx="9071280" cy="4384080"/>
+            <a:ext cx="9070920" cy="4383720"/>
           </a:xfrm>
           <a:prstGeom prst="rect">
             <a:avLst/>
@@ -1304,7 +1317,7 @@
         <p:spPr>
           <a:xfrm>
             <a:off x="504000" y="301320"/>
-            <a:ext cx="9071280" cy="1261800"/>
+            <a:ext cx="9070920" cy="1261440"/>
           </a:xfrm>
           <a:prstGeom prst="rect">
             <a:avLst/>
@@ -1341,7 +1354,7 @@
         <p:spPr>
           <a:xfrm>
             <a:off x="504000" y="1769040"/>
-            <a:ext cx="4426560" cy="4384080"/>
+            <a:ext cx="4426560" cy="4383720"/>
           </a:xfrm>
           <a:prstGeom prst="rect">
             <a:avLst/>
@@ -1471,7 +1484,7 @@
         <p:spPr>
           <a:xfrm>
             <a:off x="504000" y="301320"/>
-            <a:ext cx="9071280" cy="1261800"/>
+            <a:ext cx="9070920" cy="1261440"/>
           </a:xfrm>
           <a:prstGeom prst="rect">
             <a:avLst/>
@@ -1580,7 +1593,7 @@
         <p:spPr>
           <a:xfrm>
             <a:off x="504000" y="4059000"/>
-            <a:ext cx="9071280" cy="2090880"/>
+            <a:ext cx="9070920" cy="2090880"/>
           </a:xfrm>
           <a:prstGeom prst="rect">
             <a:avLst/>
@@ -1638,7 +1651,7 @@
         <p:spPr>
           <a:xfrm>
             <a:off x="504000" y="301320"/>
-            <a:ext cx="9071280" cy="1261800"/>
+            <a:ext cx="9070920" cy="1261440"/>
           </a:xfrm>
           <a:prstGeom prst="rect">
             <a:avLst/>
@@ -1675,7 +1688,7 @@
         <p:spPr>
           <a:xfrm>
             <a:off x="504000" y="1769040"/>
-            <a:ext cx="9071280" cy="2090880"/>
+            <a:ext cx="9070920" cy="2090880"/>
           </a:xfrm>
           <a:prstGeom prst="rect">
             <a:avLst/>
@@ -1711,7 +1724,7 @@
         <p:spPr>
           <a:xfrm>
             <a:off x="504000" y="4059000"/>
-            <a:ext cx="9071280" cy="2090880"/>
+            <a:ext cx="9070920" cy="2090880"/>
           </a:xfrm>
           <a:prstGeom prst="rect">
             <a:avLst/>
@@ -1769,7 +1782,7 @@
         <p:spPr>
           <a:xfrm>
             <a:off x="504000" y="301320"/>
-            <a:ext cx="9071280" cy="1261800"/>
+            <a:ext cx="9070920" cy="1261440"/>
           </a:xfrm>
           <a:prstGeom prst="rect">
             <a:avLst/>
@@ -1972,7 +1985,7 @@
         <p:spPr>
           <a:xfrm>
             <a:off x="504000" y="301320"/>
-            <a:ext cx="9071280" cy="1261800"/>
+            <a:ext cx="9070920" cy="1261440"/>
           </a:xfrm>
           <a:prstGeom prst="rect">
             <a:avLst/>
@@ -2009,7 +2022,7 @@
         <p:spPr>
           <a:xfrm>
             <a:off x="504000" y="1769040"/>
-            <a:ext cx="9071280" cy="4384080"/>
+            <a:ext cx="9070920" cy="4383720"/>
           </a:xfrm>
           <a:prstGeom prst="rect">
             <a:avLst/>
@@ -2045,7 +2058,7 @@
         <p:spPr>
           <a:xfrm>
             <a:off x="504000" y="1769040"/>
-            <a:ext cx="9071280" cy="4384080"/>
+            <a:ext cx="9070920" cy="4383720"/>
           </a:xfrm>
           <a:prstGeom prst="rect">
             <a:avLst/>
@@ -2080,8 +2093,8 @@
         </p:blipFill>
         <p:spPr>
           <a:xfrm>
-            <a:off x="2292120" y="1769040"/>
-            <a:ext cx="5494680" cy="4384080"/>
+            <a:off x="2292120" y="1768680"/>
+            <a:ext cx="5494320" cy="4383720"/>
           </a:xfrm>
           <a:prstGeom prst="rect">
             <a:avLst/>
@@ -2103,8 +2116,8 @@
         </p:blipFill>
         <p:spPr>
           <a:xfrm>
-            <a:off x="2292120" y="1769040"/>
-            <a:ext cx="5494680" cy="4384080"/>
+            <a:off x="2292120" y="1768680"/>
+            <a:ext cx="5494320" cy="4383720"/>
           </a:xfrm>
           <a:prstGeom prst="rect">
             <a:avLst/>
@@ -2114,6 +2127,409 @@
           </a:ln>
         </p:spPr>
       </p:pic>
+    </p:spTree>
+  </p:cSld>
+</p:sldLayout>
+</file>
+
+<file path=ppt/slideLayouts/slideLayout25.xml><?xml version="1.0" encoding="utf-8"?>
+<p:sldLayout xmlns:a="http://schemas.openxmlformats.org/drawingml/2006/main" xmlns:p="http://schemas.openxmlformats.org/presentationml/2006/main" xmlns:r="http://schemas.openxmlformats.org/officeDocument/2006/relationships" type="blank" preserve="1">
+  <p:cSld name="Blank Slide">
+    <p:spTree>
+      <p:nvGrpSpPr>
+        <p:cNvPr id="1" name=""/>
+        <p:cNvGrpSpPr/>
+        <p:nvPr/>
+      </p:nvGrpSpPr>
+      <p:grpSpPr>
+        <a:xfrm>
+          <a:off x="0" y="0"/>
+          <a:ext cx="0" cy="0"/>
+          <a:chOff x="0" y="0"/>
+          <a:chExt cx="0" cy="0"/>
+        </a:xfrm>
+      </p:grpSpPr>
+    </p:spTree>
+  </p:cSld>
+</p:sldLayout>
+</file>
+
+<file path=ppt/slideLayouts/slideLayout26.xml><?xml version="1.0" encoding="utf-8"?>
+<p:sldLayout xmlns:a="http://schemas.openxmlformats.org/drawingml/2006/main" xmlns:p="http://schemas.openxmlformats.org/presentationml/2006/main" xmlns:r="http://schemas.openxmlformats.org/officeDocument/2006/relationships" type="tx" preserve="1">
+  <p:cSld name="Title Slide">
+    <p:spTree>
+      <p:nvGrpSpPr>
+        <p:cNvPr id="1" name=""/>
+        <p:cNvGrpSpPr/>
+        <p:nvPr/>
+      </p:nvGrpSpPr>
+      <p:grpSpPr>
+        <a:xfrm>
+          <a:off x="0" y="0"/>
+          <a:ext cx="0" cy="0"/>
+          <a:chOff x="0" y="0"/>
+          <a:chExt cx="0" cy="0"/>
+        </a:xfrm>
+      </p:grpSpPr>
+      <p:sp>
+        <p:nvSpPr>
+          <p:cNvPr id="74" name="PlaceHolder 1"/>
+          <p:cNvSpPr>
+            <a:spLocks noGrp="1"/>
+          </p:cNvSpPr>
+          <p:nvPr>
+            <p:ph type="title"/>
+          </p:nvPr>
+        </p:nvSpPr>
+        <p:spPr>
+          <a:xfrm>
+            <a:off x="504000" y="301320"/>
+            <a:ext cx="9070920" cy="1261440"/>
+          </a:xfrm>
+          <a:prstGeom prst="rect">
+            <a:avLst/>
+          </a:prstGeom>
+        </p:spPr>
+        <p:txBody>
+          <a:bodyPr lIns="0" rIns="0" tIns="0" bIns="0" anchor="ctr"/>
+          <a:p>
+            <a:pPr algn="ctr"/>
+            <a:endParaRPr lang="en-US" sz="4400" spc="-1" strike="noStrike">
+              <a:solidFill>
+                <a:srgbClr val="000000"/>
+              </a:solidFill>
+              <a:uFill>
+                <a:solidFill>
+                  <a:srgbClr val="ffffff"/>
+                </a:solidFill>
+              </a:uFill>
+              <a:latin typeface="Arial"/>
+            </a:endParaRPr>
+          </a:p>
+        </p:txBody>
+      </p:sp>
+      <p:sp>
+        <p:nvSpPr>
+          <p:cNvPr id="75" name="PlaceHolder 2"/>
+          <p:cNvSpPr>
+            <a:spLocks noGrp="1"/>
+          </p:cNvSpPr>
+          <p:nvPr>
+            <p:ph type="subTitle"/>
+          </p:nvPr>
+        </p:nvSpPr>
+        <p:spPr>
+          <a:xfrm>
+            <a:off x="504000" y="1769040"/>
+            <a:ext cx="9070920" cy="4383720"/>
+          </a:xfrm>
+          <a:prstGeom prst="rect">
+            <a:avLst/>
+          </a:prstGeom>
+        </p:spPr>
+        <p:txBody>
+          <a:bodyPr lIns="0" rIns="0" tIns="0" bIns="0" anchor="ctr"/>
+          <a:p>
+            <a:pPr algn="ctr"/>
+            <a:endParaRPr lang="en-US" sz="3200" spc="-1" strike="noStrike">
+              <a:solidFill>
+                <a:srgbClr val="000000"/>
+              </a:solidFill>
+              <a:uFill>
+                <a:solidFill>
+                  <a:srgbClr val="ffffff"/>
+                </a:solidFill>
+              </a:uFill>
+              <a:latin typeface="Arial"/>
+            </a:endParaRPr>
+          </a:p>
+        </p:txBody>
+      </p:sp>
+    </p:spTree>
+  </p:cSld>
+</p:sldLayout>
+</file>
+
+<file path=ppt/slideLayouts/slideLayout27.xml><?xml version="1.0" encoding="utf-8"?>
+<p:sldLayout xmlns:a="http://schemas.openxmlformats.org/drawingml/2006/main" xmlns:p="http://schemas.openxmlformats.org/presentationml/2006/main" xmlns:r="http://schemas.openxmlformats.org/officeDocument/2006/relationships" type="obj" preserve="1">
+  <p:cSld name="Title, Content">
+    <p:spTree>
+      <p:nvGrpSpPr>
+        <p:cNvPr id="1" name=""/>
+        <p:cNvGrpSpPr/>
+        <p:nvPr/>
+      </p:nvGrpSpPr>
+      <p:grpSpPr>
+        <a:xfrm>
+          <a:off x="0" y="0"/>
+          <a:ext cx="0" cy="0"/>
+          <a:chOff x="0" y="0"/>
+          <a:chExt cx="0" cy="0"/>
+        </a:xfrm>
+      </p:grpSpPr>
+      <p:sp>
+        <p:nvSpPr>
+          <p:cNvPr id="76" name="PlaceHolder 1"/>
+          <p:cNvSpPr>
+            <a:spLocks noGrp="1"/>
+          </p:cNvSpPr>
+          <p:nvPr>
+            <p:ph type="title"/>
+          </p:nvPr>
+        </p:nvSpPr>
+        <p:spPr>
+          <a:xfrm>
+            <a:off x="504000" y="301320"/>
+            <a:ext cx="9070920" cy="1261440"/>
+          </a:xfrm>
+          <a:prstGeom prst="rect">
+            <a:avLst/>
+          </a:prstGeom>
+        </p:spPr>
+        <p:txBody>
+          <a:bodyPr lIns="0" rIns="0" tIns="0" bIns="0" anchor="ctr"/>
+          <a:p>
+            <a:pPr algn="ctr"/>
+            <a:endParaRPr lang="en-US" sz="4400" spc="-1" strike="noStrike">
+              <a:solidFill>
+                <a:srgbClr val="000000"/>
+              </a:solidFill>
+              <a:uFill>
+                <a:solidFill>
+                  <a:srgbClr val="ffffff"/>
+                </a:solidFill>
+              </a:uFill>
+              <a:latin typeface="Arial"/>
+            </a:endParaRPr>
+          </a:p>
+        </p:txBody>
+      </p:sp>
+      <p:sp>
+        <p:nvSpPr>
+          <p:cNvPr id="77" name="PlaceHolder 2"/>
+          <p:cNvSpPr>
+            <a:spLocks noGrp="1"/>
+          </p:cNvSpPr>
+          <p:nvPr>
+            <p:ph type="body"/>
+          </p:nvPr>
+        </p:nvSpPr>
+        <p:spPr>
+          <a:xfrm>
+            <a:off x="504000" y="1769040"/>
+            <a:ext cx="9070920" cy="4383720"/>
+          </a:xfrm>
+          <a:prstGeom prst="rect">
+            <a:avLst/>
+          </a:prstGeom>
+        </p:spPr>
+        <p:txBody>
+          <a:bodyPr lIns="0" rIns="0" tIns="0" bIns="0"/>
+          <a:p>
+            <a:endParaRPr lang="en-US" sz="3200" spc="-1" strike="noStrike">
+              <a:solidFill>
+                <a:srgbClr val="000000"/>
+              </a:solidFill>
+              <a:uFill>
+                <a:solidFill>
+                  <a:srgbClr val="ffffff"/>
+                </a:solidFill>
+              </a:uFill>
+              <a:latin typeface="Arial"/>
+            </a:endParaRPr>
+          </a:p>
+        </p:txBody>
+      </p:sp>
+    </p:spTree>
+  </p:cSld>
+</p:sldLayout>
+</file>
+
+<file path=ppt/slideLayouts/slideLayout28.xml><?xml version="1.0" encoding="utf-8"?>
+<p:sldLayout xmlns:a="http://schemas.openxmlformats.org/drawingml/2006/main" xmlns:p="http://schemas.openxmlformats.org/presentationml/2006/main" xmlns:r="http://schemas.openxmlformats.org/officeDocument/2006/relationships" type="twoObj" preserve="1">
+  <p:cSld name="Title, 2 Content">
+    <p:spTree>
+      <p:nvGrpSpPr>
+        <p:cNvPr id="1" name=""/>
+        <p:cNvGrpSpPr/>
+        <p:nvPr/>
+      </p:nvGrpSpPr>
+      <p:grpSpPr>
+        <a:xfrm>
+          <a:off x="0" y="0"/>
+          <a:ext cx="0" cy="0"/>
+          <a:chOff x="0" y="0"/>
+          <a:chExt cx="0" cy="0"/>
+        </a:xfrm>
+      </p:grpSpPr>
+      <p:sp>
+        <p:nvSpPr>
+          <p:cNvPr id="78" name="PlaceHolder 1"/>
+          <p:cNvSpPr>
+            <a:spLocks noGrp="1"/>
+          </p:cNvSpPr>
+          <p:nvPr>
+            <p:ph type="title"/>
+          </p:nvPr>
+        </p:nvSpPr>
+        <p:spPr>
+          <a:xfrm>
+            <a:off x="504000" y="301320"/>
+            <a:ext cx="9070920" cy="1261440"/>
+          </a:xfrm>
+          <a:prstGeom prst="rect">
+            <a:avLst/>
+          </a:prstGeom>
+        </p:spPr>
+        <p:txBody>
+          <a:bodyPr lIns="0" rIns="0" tIns="0" bIns="0" anchor="ctr"/>
+          <a:p>
+            <a:pPr algn="ctr"/>
+            <a:endParaRPr lang="en-US" sz="4400" spc="-1" strike="noStrike">
+              <a:solidFill>
+                <a:srgbClr val="000000"/>
+              </a:solidFill>
+              <a:uFill>
+                <a:solidFill>
+                  <a:srgbClr val="ffffff"/>
+                </a:solidFill>
+              </a:uFill>
+              <a:latin typeface="Arial"/>
+            </a:endParaRPr>
+          </a:p>
+        </p:txBody>
+      </p:sp>
+      <p:sp>
+        <p:nvSpPr>
+          <p:cNvPr id="79" name="PlaceHolder 2"/>
+          <p:cNvSpPr>
+            <a:spLocks noGrp="1"/>
+          </p:cNvSpPr>
+          <p:nvPr>
+            <p:ph type="body"/>
+          </p:nvPr>
+        </p:nvSpPr>
+        <p:spPr>
+          <a:xfrm>
+            <a:off x="504000" y="1769040"/>
+            <a:ext cx="4426560" cy="4383720"/>
+          </a:xfrm>
+          <a:prstGeom prst="rect">
+            <a:avLst/>
+          </a:prstGeom>
+        </p:spPr>
+        <p:txBody>
+          <a:bodyPr lIns="0" rIns="0" tIns="0" bIns="0"/>
+          <a:p>
+            <a:endParaRPr lang="en-US" sz="3200" spc="-1" strike="noStrike">
+              <a:solidFill>
+                <a:srgbClr val="000000"/>
+              </a:solidFill>
+              <a:uFill>
+                <a:solidFill>
+                  <a:srgbClr val="ffffff"/>
+                </a:solidFill>
+              </a:uFill>
+              <a:latin typeface="Arial"/>
+            </a:endParaRPr>
+          </a:p>
+        </p:txBody>
+      </p:sp>
+      <p:sp>
+        <p:nvSpPr>
+          <p:cNvPr id="80" name="PlaceHolder 3"/>
+          <p:cNvSpPr>
+            <a:spLocks noGrp="1"/>
+          </p:cNvSpPr>
+          <p:nvPr>
+            <p:ph type="body"/>
+          </p:nvPr>
+        </p:nvSpPr>
+        <p:spPr>
+          <a:xfrm>
+            <a:off x="5152320" y="1769040"/>
+            <a:ext cx="4426560" cy="4383720"/>
+          </a:xfrm>
+          <a:prstGeom prst="rect">
+            <a:avLst/>
+          </a:prstGeom>
+        </p:spPr>
+        <p:txBody>
+          <a:bodyPr lIns="0" rIns="0" tIns="0" bIns="0"/>
+          <a:p>
+            <a:endParaRPr lang="en-US" sz="3200" spc="-1" strike="noStrike">
+              <a:solidFill>
+                <a:srgbClr val="000000"/>
+              </a:solidFill>
+              <a:uFill>
+                <a:solidFill>
+                  <a:srgbClr val="ffffff"/>
+                </a:solidFill>
+              </a:uFill>
+              <a:latin typeface="Arial"/>
+            </a:endParaRPr>
+          </a:p>
+        </p:txBody>
+      </p:sp>
+    </p:spTree>
+  </p:cSld>
+</p:sldLayout>
+</file>
+
+<file path=ppt/slideLayouts/slideLayout29.xml><?xml version="1.0" encoding="utf-8"?>
+<p:sldLayout xmlns:a="http://schemas.openxmlformats.org/drawingml/2006/main" xmlns:p="http://schemas.openxmlformats.org/presentationml/2006/main" xmlns:r="http://schemas.openxmlformats.org/officeDocument/2006/relationships" type="titleOnly" preserve="1">
+  <p:cSld name="Title Only">
+    <p:spTree>
+      <p:nvGrpSpPr>
+        <p:cNvPr id="1" name=""/>
+        <p:cNvGrpSpPr/>
+        <p:nvPr/>
+      </p:nvGrpSpPr>
+      <p:grpSpPr>
+        <a:xfrm>
+          <a:off x="0" y="0"/>
+          <a:ext cx="0" cy="0"/>
+          <a:chOff x="0" y="0"/>
+          <a:chExt cx="0" cy="0"/>
+        </a:xfrm>
+      </p:grpSpPr>
+      <p:sp>
+        <p:nvSpPr>
+          <p:cNvPr id="81" name="PlaceHolder 1"/>
+          <p:cNvSpPr>
+            <a:spLocks noGrp="1"/>
+          </p:cNvSpPr>
+          <p:nvPr>
+            <p:ph type="title"/>
+          </p:nvPr>
+        </p:nvSpPr>
+        <p:spPr>
+          <a:xfrm>
+            <a:off x="504000" y="301320"/>
+            <a:ext cx="9070920" cy="1261440"/>
+          </a:xfrm>
+          <a:prstGeom prst="rect">
+            <a:avLst/>
+          </a:prstGeom>
+        </p:spPr>
+        <p:txBody>
+          <a:bodyPr lIns="0" rIns="0" tIns="0" bIns="0" anchor="ctr"/>
+          <a:p>
+            <a:pPr algn="ctr"/>
+            <a:endParaRPr lang="en-US" sz="4400" spc="-1" strike="noStrike">
+              <a:solidFill>
+                <a:srgbClr val="000000"/>
+              </a:solidFill>
+              <a:uFill>
+                <a:solidFill>
+                  <a:srgbClr val="ffffff"/>
+                </a:solidFill>
+              </a:uFill>
+              <a:latin typeface="Arial"/>
+            </a:endParaRPr>
+          </a:p>
+        </p:txBody>
+      </p:sp>
     </p:spTree>
   </p:cSld>
 </p:sldLayout>
@@ -2149,7 +2565,7 @@
         <p:spPr>
           <a:xfrm>
             <a:off x="504000" y="301320"/>
-            <a:ext cx="9071280" cy="1261800"/>
+            <a:ext cx="9070920" cy="1261440"/>
           </a:xfrm>
           <a:prstGeom prst="rect">
             <a:avLst/>
@@ -2186,7 +2602,7 @@
         <p:spPr>
           <a:xfrm>
             <a:off x="504000" y="1769040"/>
-            <a:ext cx="9071280" cy="4384080"/>
+            <a:ext cx="9070920" cy="4383720"/>
           </a:xfrm>
           <a:prstGeom prst="rect">
             <a:avLst/>
@@ -2209,6 +2625,1077 @@
           </a:p>
         </p:txBody>
       </p:sp>
+    </p:spTree>
+  </p:cSld>
+</p:sldLayout>
+</file>
+
+<file path=ppt/slideLayouts/slideLayout30.xml><?xml version="1.0" encoding="utf-8"?>
+<p:sldLayout xmlns:a="http://schemas.openxmlformats.org/drawingml/2006/main" xmlns:p="http://schemas.openxmlformats.org/presentationml/2006/main" xmlns:r="http://schemas.openxmlformats.org/officeDocument/2006/relationships" type="objOnly" preserve="1">
+  <p:cSld name="Centered Text">
+    <p:spTree>
+      <p:nvGrpSpPr>
+        <p:cNvPr id="1" name=""/>
+        <p:cNvGrpSpPr/>
+        <p:nvPr/>
+      </p:nvGrpSpPr>
+      <p:grpSpPr>
+        <a:xfrm>
+          <a:off x="0" y="0"/>
+          <a:ext cx="0" cy="0"/>
+          <a:chOff x="0" y="0"/>
+          <a:chExt cx="0" cy="0"/>
+        </a:xfrm>
+      </p:grpSpPr>
+      <p:sp>
+        <p:nvSpPr>
+          <p:cNvPr id="82" name="PlaceHolder 1"/>
+          <p:cNvSpPr>
+            <a:spLocks noGrp="1"/>
+          </p:cNvSpPr>
+          <p:nvPr>
+            <p:ph type="subTitle"/>
+          </p:nvPr>
+        </p:nvSpPr>
+        <p:spPr>
+          <a:xfrm>
+            <a:off x="504000" y="301320"/>
+            <a:ext cx="9070920" cy="5848560"/>
+          </a:xfrm>
+          <a:prstGeom prst="rect">
+            <a:avLst/>
+          </a:prstGeom>
+        </p:spPr>
+        <p:txBody>
+          <a:bodyPr lIns="0" rIns="0" tIns="0" bIns="0" anchor="ctr"/>
+          <a:p>
+            <a:pPr algn="ctr"/>
+            <a:endParaRPr lang="en-US" sz="3200" spc="-1" strike="noStrike">
+              <a:solidFill>
+                <a:srgbClr val="000000"/>
+              </a:solidFill>
+              <a:uFill>
+                <a:solidFill>
+                  <a:srgbClr val="ffffff"/>
+                </a:solidFill>
+              </a:uFill>
+              <a:latin typeface="Arial"/>
+            </a:endParaRPr>
+          </a:p>
+        </p:txBody>
+      </p:sp>
+    </p:spTree>
+  </p:cSld>
+</p:sldLayout>
+</file>
+
+<file path=ppt/slideLayouts/slideLayout31.xml><?xml version="1.0" encoding="utf-8"?>
+<p:sldLayout xmlns:a="http://schemas.openxmlformats.org/drawingml/2006/main" xmlns:p="http://schemas.openxmlformats.org/presentationml/2006/main" xmlns:r="http://schemas.openxmlformats.org/officeDocument/2006/relationships" type="twoObjAndObj" preserve="1">
+  <p:cSld name="Title, 2 Content and Content">
+    <p:spTree>
+      <p:nvGrpSpPr>
+        <p:cNvPr id="1" name=""/>
+        <p:cNvGrpSpPr/>
+        <p:nvPr/>
+      </p:nvGrpSpPr>
+      <p:grpSpPr>
+        <a:xfrm>
+          <a:off x="0" y="0"/>
+          <a:ext cx="0" cy="0"/>
+          <a:chOff x="0" y="0"/>
+          <a:chExt cx="0" cy="0"/>
+        </a:xfrm>
+      </p:grpSpPr>
+      <p:sp>
+        <p:nvSpPr>
+          <p:cNvPr id="83" name="PlaceHolder 1"/>
+          <p:cNvSpPr>
+            <a:spLocks noGrp="1"/>
+          </p:cNvSpPr>
+          <p:nvPr>
+            <p:ph type="title"/>
+          </p:nvPr>
+        </p:nvSpPr>
+        <p:spPr>
+          <a:xfrm>
+            <a:off x="504000" y="301320"/>
+            <a:ext cx="9070920" cy="1261440"/>
+          </a:xfrm>
+          <a:prstGeom prst="rect">
+            <a:avLst/>
+          </a:prstGeom>
+        </p:spPr>
+        <p:txBody>
+          <a:bodyPr lIns="0" rIns="0" tIns="0" bIns="0" anchor="ctr"/>
+          <a:p>
+            <a:pPr algn="ctr"/>
+            <a:endParaRPr lang="en-US" sz="4400" spc="-1" strike="noStrike">
+              <a:solidFill>
+                <a:srgbClr val="000000"/>
+              </a:solidFill>
+              <a:uFill>
+                <a:solidFill>
+                  <a:srgbClr val="ffffff"/>
+                </a:solidFill>
+              </a:uFill>
+              <a:latin typeface="Arial"/>
+            </a:endParaRPr>
+          </a:p>
+        </p:txBody>
+      </p:sp>
+      <p:sp>
+        <p:nvSpPr>
+          <p:cNvPr id="84" name="PlaceHolder 2"/>
+          <p:cNvSpPr>
+            <a:spLocks noGrp="1"/>
+          </p:cNvSpPr>
+          <p:nvPr>
+            <p:ph type="body"/>
+          </p:nvPr>
+        </p:nvSpPr>
+        <p:spPr>
+          <a:xfrm>
+            <a:off x="504000" y="1769040"/>
+            <a:ext cx="4426560" cy="2090880"/>
+          </a:xfrm>
+          <a:prstGeom prst="rect">
+            <a:avLst/>
+          </a:prstGeom>
+        </p:spPr>
+        <p:txBody>
+          <a:bodyPr lIns="0" rIns="0" tIns="0" bIns="0"/>
+          <a:p>
+            <a:endParaRPr lang="en-US" sz="3200" spc="-1" strike="noStrike">
+              <a:solidFill>
+                <a:srgbClr val="000000"/>
+              </a:solidFill>
+              <a:uFill>
+                <a:solidFill>
+                  <a:srgbClr val="ffffff"/>
+                </a:solidFill>
+              </a:uFill>
+              <a:latin typeface="Arial"/>
+            </a:endParaRPr>
+          </a:p>
+        </p:txBody>
+      </p:sp>
+      <p:sp>
+        <p:nvSpPr>
+          <p:cNvPr id="85" name="PlaceHolder 3"/>
+          <p:cNvSpPr>
+            <a:spLocks noGrp="1"/>
+          </p:cNvSpPr>
+          <p:nvPr>
+            <p:ph type="body"/>
+          </p:nvPr>
+        </p:nvSpPr>
+        <p:spPr>
+          <a:xfrm>
+            <a:off x="504000" y="4059000"/>
+            <a:ext cx="4426560" cy="2090880"/>
+          </a:xfrm>
+          <a:prstGeom prst="rect">
+            <a:avLst/>
+          </a:prstGeom>
+        </p:spPr>
+        <p:txBody>
+          <a:bodyPr lIns="0" rIns="0" tIns="0" bIns="0"/>
+          <a:p>
+            <a:endParaRPr lang="en-US" sz="3200" spc="-1" strike="noStrike">
+              <a:solidFill>
+                <a:srgbClr val="000000"/>
+              </a:solidFill>
+              <a:uFill>
+                <a:solidFill>
+                  <a:srgbClr val="ffffff"/>
+                </a:solidFill>
+              </a:uFill>
+              <a:latin typeface="Arial"/>
+            </a:endParaRPr>
+          </a:p>
+        </p:txBody>
+      </p:sp>
+      <p:sp>
+        <p:nvSpPr>
+          <p:cNvPr id="86" name="PlaceHolder 4"/>
+          <p:cNvSpPr>
+            <a:spLocks noGrp="1"/>
+          </p:cNvSpPr>
+          <p:nvPr>
+            <p:ph type="body"/>
+          </p:nvPr>
+        </p:nvSpPr>
+        <p:spPr>
+          <a:xfrm>
+            <a:off x="5152320" y="1769040"/>
+            <a:ext cx="4426560" cy="4383720"/>
+          </a:xfrm>
+          <a:prstGeom prst="rect">
+            <a:avLst/>
+          </a:prstGeom>
+        </p:spPr>
+        <p:txBody>
+          <a:bodyPr lIns="0" rIns="0" tIns="0" bIns="0"/>
+          <a:p>
+            <a:endParaRPr lang="en-US" sz="3200" spc="-1" strike="noStrike">
+              <a:solidFill>
+                <a:srgbClr val="000000"/>
+              </a:solidFill>
+              <a:uFill>
+                <a:solidFill>
+                  <a:srgbClr val="ffffff"/>
+                </a:solidFill>
+              </a:uFill>
+              <a:latin typeface="Arial"/>
+            </a:endParaRPr>
+          </a:p>
+        </p:txBody>
+      </p:sp>
+    </p:spTree>
+  </p:cSld>
+</p:sldLayout>
+</file>
+
+<file path=ppt/slideLayouts/slideLayout32.xml><?xml version="1.0" encoding="utf-8"?>
+<p:sldLayout xmlns:a="http://schemas.openxmlformats.org/drawingml/2006/main" xmlns:p="http://schemas.openxmlformats.org/presentationml/2006/main" xmlns:r="http://schemas.openxmlformats.org/officeDocument/2006/relationships" type="objAndTwoObj" preserve="1">
+  <p:cSld name="Title Content and 2 Content">
+    <p:spTree>
+      <p:nvGrpSpPr>
+        <p:cNvPr id="1" name=""/>
+        <p:cNvGrpSpPr/>
+        <p:nvPr/>
+      </p:nvGrpSpPr>
+      <p:grpSpPr>
+        <a:xfrm>
+          <a:off x="0" y="0"/>
+          <a:ext cx="0" cy="0"/>
+          <a:chOff x="0" y="0"/>
+          <a:chExt cx="0" cy="0"/>
+        </a:xfrm>
+      </p:grpSpPr>
+      <p:sp>
+        <p:nvSpPr>
+          <p:cNvPr id="87" name="PlaceHolder 1"/>
+          <p:cNvSpPr>
+            <a:spLocks noGrp="1"/>
+          </p:cNvSpPr>
+          <p:nvPr>
+            <p:ph type="title"/>
+          </p:nvPr>
+        </p:nvSpPr>
+        <p:spPr>
+          <a:xfrm>
+            <a:off x="504000" y="301320"/>
+            <a:ext cx="9070920" cy="1261440"/>
+          </a:xfrm>
+          <a:prstGeom prst="rect">
+            <a:avLst/>
+          </a:prstGeom>
+        </p:spPr>
+        <p:txBody>
+          <a:bodyPr lIns="0" rIns="0" tIns="0" bIns="0" anchor="ctr"/>
+          <a:p>
+            <a:pPr algn="ctr"/>
+            <a:endParaRPr lang="en-US" sz="4400" spc="-1" strike="noStrike">
+              <a:solidFill>
+                <a:srgbClr val="000000"/>
+              </a:solidFill>
+              <a:uFill>
+                <a:solidFill>
+                  <a:srgbClr val="ffffff"/>
+                </a:solidFill>
+              </a:uFill>
+              <a:latin typeface="Arial"/>
+            </a:endParaRPr>
+          </a:p>
+        </p:txBody>
+      </p:sp>
+      <p:sp>
+        <p:nvSpPr>
+          <p:cNvPr id="88" name="PlaceHolder 2"/>
+          <p:cNvSpPr>
+            <a:spLocks noGrp="1"/>
+          </p:cNvSpPr>
+          <p:nvPr>
+            <p:ph type="body"/>
+          </p:nvPr>
+        </p:nvSpPr>
+        <p:spPr>
+          <a:xfrm>
+            <a:off x="504000" y="1769040"/>
+            <a:ext cx="4426560" cy="4383720"/>
+          </a:xfrm>
+          <a:prstGeom prst="rect">
+            <a:avLst/>
+          </a:prstGeom>
+        </p:spPr>
+        <p:txBody>
+          <a:bodyPr lIns="0" rIns="0" tIns="0" bIns="0"/>
+          <a:p>
+            <a:endParaRPr lang="en-US" sz="3200" spc="-1" strike="noStrike">
+              <a:solidFill>
+                <a:srgbClr val="000000"/>
+              </a:solidFill>
+              <a:uFill>
+                <a:solidFill>
+                  <a:srgbClr val="ffffff"/>
+                </a:solidFill>
+              </a:uFill>
+              <a:latin typeface="Arial"/>
+            </a:endParaRPr>
+          </a:p>
+        </p:txBody>
+      </p:sp>
+      <p:sp>
+        <p:nvSpPr>
+          <p:cNvPr id="89" name="PlaceHolder 3"/>
+          <p:cNvSpPr>
+            <a:spLocks noGrp="1"/>
+          </p:cNvSpPr>
+          <p:nvPr>
+            <p:ph type="body"/>
+          </p:nvPr>
+        </p:nvSpPr>
+        <p:spPr>
+          <a:xfrm>
+            <a:off x="5152320" y="1769040"/>
+            <a:ext cx="4426560" cy="2090880"/>
+          </a:xfrm>
+          <a:prstGeom prst="rect">
+            <a:avLst/>
+          </a:prstGeom>
+        </p:spPr>
+        <p:txBody>
+          <a:bodyPr lIns="0" rIns="0" tIns="0" bIns="0"/>
+          <a:p>
+            <a:endParaRPr lang="en-US" sz="3200" spc="-1" strike="noStrike">
+              <a:solidFill>
+                <a:srgbClr val="000000"/>
+              </a:solidFill>
+              <a:uFill>
+                <a:solidFill>
+                  <a:srgbClr val="ffffff"/>
+                </a:solidFill>
+              </a:uFill>
+              <a:latin typeface="Arial"/>
+            </a:endParaRPr>
+          </a:p>
+        </p:txBody>
+      </p:sp>
+      <p:sp>
+        <p:nvSpPr>
+          <p:cNvPr id="90" name="PlaceHolder 4"/>
+          <p:cNvSpPr>
+            <a:spLocks noGrp="1"/>
+          </p:cNvSpPr>
+          <p:nvPr>
+            <p:ph type="body"/>
+          </p:nvPr>
+        </p:nvSpPr>
+        <p:spPr>
+          <a:xfrm>
+            <a:off x="5152320" y="4059000"/>
+            <a:ext cx="4426560" cy="2090880"/>
+          </a:xfrm>
+          <a:prstGeom prst="rect">
+            <a:avLst/>
+          </a:prstGeom>
+        </p:spPr>
+        <p:txBody>
+          <a:bodyPr lIns="0" rIns="0" tIns="0" bIns="0"/>
+          <a:p>
+            <a:endParaRPr lang="en-US" sz="3200" spc="-1" strike="noStrike">
+              <a:solidFill>
+                <a:srgbClr val="000000"/>
+              </a:solidFill>
+              <a:uFill>
+                <a:solidFill>
+                  <a:srgbClr val="ffffff"/>
+                </a:solidFill>
+              </a:uFill>
+              <a:latin typeface="Arial"/>
+            </a:endParaRPr>
+          </a:p>
+        </p:txBody>
+      </p:sp>
+    </p:spTree>
+  </p:cSld>
+</p:sldLayout>
+</file>
+
+<file path=ppt/slideLayouts/slideLayout33.xml><?xml version="1.0" encoding="utf-8"?>
+<p:sldLayout xmlns:a="http://schemas.openxmlformats.org/drawingml/2006/main" xmlns:p="http://schemas.openxmlformats.org/presentationml/2006/main" xmlns:r="http://schemas.openxmlformats.org/officeDocument/2006/relationships" type="twoObjOverTx" preserve="1">
+  <p:cSld name="Title, 2 Content over Content">
+    <p:spTree>
+      <p:nvGrpSpPr>
+        <p:cNvPr id="1" name=""/>
+        <p:cNvGrpSpPr/>
+        <p:nvPr/>
+      </p:nvGrpSpPr>
+      <p:grpSpPr>
+        <a:xfrm>
+          <a:off x="0" y="0"/>
+          <a:ext cx="0" cy="0"/>
+          <a:chOff x="0" y="0"/>
+          <a:chExt cx="0" cy="0"/>
+        </a:xfrm>
+      </p:grpSpPr>
+      <p:sp>
+        <p:nvSpPr>
+          <p:cNvPr id="91" name="PlaceHolder 1"/>
+          <p:cNvSpPr>
+            <a:spLocks noGrp="1"/>
+          </p:cNvSpPr>
+          <p:nvPr>
+            <p:ph type="title"/>
+          </p:nvPr>
+        </p:nvSpPr>
+        <p:spPr>
+          <a:xfrm>
+            <a:off x="504000" y="301320"/>
+            <a:ext cx="9070920" cy="1261440"/>
+          </a:xfrm>
+          <a:prstGeom prst="rect">
+            <a:avLst/>
+          </a:prstGeom>
+        </p:spPr>
+        <p:txBody>
+          <a:bodyPr lIns="0" rIns="0" tIns="0" bIns="0" anchor="ctr"/>
+          <a:p>
+            <a:pPr algn="ctr"/>
+            <a:endParaRPr lang="en-US" sz="4400" spc="-1" strike="noStrike">
+              <a:solidFill>
+                <a:srgbClr val="000000"/>
+              </a:solidFill>
+              <a:uFill>
+                <a:solidFill>
+                  <a:srgbClr val="ffffff"/>
+                </a:solidFill>
+              </a:uFill>
+              <a:latin typeface="Arial"/>
+            </a:endParaRPr>
+          </a:p>
+        </p:txBody>
+      </p:sp>
+      <p:sp>
+        <p:nvSpPr>
+          <p:cNvPr id="92" name="PlaceHolder 2"/>
+          <p:cNvSpPr>
+            <a:spLocks noGrp="1"/>
+          </p:cNvSpPr>
+          <p:nvPr>
+            <p:ph type="body"/>
+          </p:nvPr>
+        </p:nvSpPr>
+        <p:spPr>
+          <a:xfrm>
+            <a:off x="504000" y="1769040"/>
+            <a:ext cx="4426560" cy="2090880"/>
+          </a:xfrm>
+          <a:prstGeom prst="rect">
+            <a:avLst/>
+          </a:prstGeom>
+        </p:spPr>
+        <p:txBody>
+          <a:bodyPr lIns="0" rIns="0" tIns="0" bIns="0"/>
+          <a:p>
+            <a:endParaRPr lang="en-US" sz="3200" spc="-1" strike="noStrike">
+              <a:solidFill>
+                <a:srgbClr val="000000"/>
+              </a:solidFill>
+              <a:uFill>
+                <a:solidFill>
+                  <a:srgbClr val="ffffff"/>
+                </a:solidFill>
+              </a:uFill>
+              <a:latin typeface="Arial"/>
+            </a:endParaRPr>
+          </a:p>
+        </p:txBody>
+      </p:sp>
+      <p:sp>
+        <p:nvSpPr>
+          <p:cNvPr id="93" name="PlaceHolder 3"/>
+          <p:cNvSpPr>
+            <a:spLocks noGrp="1"/>
+          </p:cNvSpPr>
+          <p:nvPr>
+            <p:ph type="body"/>
+          </p:nvPr>
+        </p:nvSpPr>
+        <p:spPr>
+          <a:xfrm>
+            <a:off x="5152320" y="1769040"/>
+            <a:ext cx="4426560" cy="2090880"/>
+          </a:xfrm>
+          <a:prstGeom prst="rect">
+            <a:avLst/>
+          </a:prstGeom>
+        </p:spPr>
+        <p:txBody>
+          <a:bodyPr lIns="0" rIns="0" tIns="0" bIns="0"/>
+          <a:p>
+            <a:endParaRPr lang="en-US" sz="3200" spc="-1" strike="noStrike">
+              <a:solidFill>
+                <a:srgbClr val="000000"/>
+              </a:solidFill>
+              <a:uFill>
+                <a:solidFill>
+                  <a:srgbClr val="ffffff"/>
+                </a:solidFill>
+              </a:uFill>
+              <a:latin typeface="Arial"/>
+            </a:endParaRPr>
+          </a:p>
+        </p:txBody>
+      </p:sp>
+      <p:sp>
+        <p:nvSpPr>
+          <p:cNvPr id="94" name="PlaceHolder 4"/>
+          <p:cNvSpPr>
+            <a:spLocks noGrp="1"/>
+          </p:cNvSpPr>
+          <p:nvPr>
+            <p:ph type="body"/>
+          </p:nvPr>
+        </p:nvSpPr>
+        <p:spPr>
+          <a:xfrm>
+            <a:off x="504000" y="4059000"/>
+            <a:ext cx="9070920" cy="2090880"/>
+          </a:xfrm>
+          <a:prstGeom prst="rect">
+            <a:avLst/>
+          </a:prstGeom>
+        </p:spPr>
+        <p:txBody>
+          <a:bodyPr lIns="0" rIns="0" tIns="0" bIns="0"/>
+          <a:p>
+            <a:endParaRPr lang="en-US" sz="3200" spc="-1" strike="noStrike">
+              <a:solidFill>
+                <a:srgbClr val="000000"/>
+              </a:solidFill>
+              <a:uFill>
+                <a:solidFill>
+                  <a:srgbClr val="ffffff"/>
+                </a:solidFill>
+              </a:uFill>
+              <a:latin typeface="Arial"/>
+            </a:endParaRPr>
+          </a:p>
+        </p:txBody>
+      </p:sp>
+    </p:spTree>
+  </p:cSld>
+</p:sldLayout>
+</file>
+
+<file path=ppt/slideLayouts/slideLayout34.xml><?xml version="1.0" encoding="utf-8"?>
+<p:sldLayout xmlns:a="http://schemas.openxmlformats.org/drawingml/2006/main" xmlns:p="http://schemas.openxmlformats.org/presentationml/2006/main" xmlns:r="http://schemas.openxmlformats.org/officeDocument/2006/relationships" type="objOverTx" preserve="1">
+  <p:cSld name="Title, Content over Content">
+    <p:spTree>
+      <p:nvGrpSpPr>
+        <p:cNvPr id="1" name=""/>
+        <p:cNvGrpSpPr/>
+        <p:nvPr/>
+      </p:nvGrpSpPr>
+      <p:grpSpPr>
+        <a:xfrm>
+          <a:off x="0" y="0"/>
+          <a:ext cx="0" cy="0"/>
+          <a:chOff x="0" y="0"/>
+          <a:chExt cx="0" cy="0"/>
+        </a:xfrm>
+      </p:grpSpPr>
+      <p:sp>
+        <p:nvSpPr>
+          <p:cNvPr id="95" name="PlaceHolder 1"/>
+          <p:cNvSpPr>
+            <a:spLocks noGrp="1"/>
+          </p:cNvSpPr>
+          <p:nvPr>
+            <p:ph type="title"/>
+          </p:nvPr>
+        </p:nvSpPr>
+        <p:spPr>
+          <a:xfrm>
+            <a:off x="504000" y="301320"/>
+            <a:ext cx="9070920" cy="1261440"/>
+          </a:xfrm>
+          <a:prstGeom prst="rect">
+            <a:avLst/>
+          </a:prstGeom>
+        </p:spPr>
+        <p:txBody>
+          <a:bodyPr lIns="0" rIns="0" tIns="0" bIns="0" anchor="ctr"/>
+          <a:p>
+            <a:pPr algn="ctr"/>
+            <a:endParaRPr lang="en-US" sz="4400" spc="-1" strike="noStrike">
+              <a:solidFill>
+                <a:srgbClr val="000000"/>
+              </a:solidFill>
+              <a:uFill>
+                <a:solidFill>
+                  <a:srgbClr val="ffffff"/>
+                </a:solidFill>
+              </a:uFill>
+              <a:latin typeface="Arial"/>
+            </a:endParaRPr>
+          </a:p>
+        </p:txBody>
+      </p:sp>
+      <p:sp>
+        <p:nvSpPr>
+          <p:cNvPr id="96" name="PlaceHolder 2"/>
+          <p:cNvSpPr>
+            <a:spLocks noGrp="1"/>
+          </p:cNvSpPr>
+          <p:nvPr>
+            <p:ph type="body"/>
+          </p:nvPr>
+        </p:nvSpPr>
+        <p:spPr>
+          <a:xfrm>
+            <a:off x="504000" y="1769040"/>
+            <a:ext cx="9070920" cy="2090880"/>
+          </a:xfrm>
+          <a:prstGeom prst="rect">
+            <a:avLst/>
+          </a:prstGeom>
+        </p:spPr>
+        <p:txBody>
+          <a:bodyPr lIns="0" rIns="0" tIns="0" bIns="0"/>
+          <a:p>
+            <a:endParaRPr lang="en-US" sz="3200" spc="-1" strike="noStrike">
+              <a:solidFill>
+                <a:srgbClr val="000000"/>
+              </a:solidFill>
+              <a:uFill>
+                <a:solidFill>
+                  <a:srgbClr val="ffffff"/>
+                </a:solidFill>
+              </a:uFill>
+              <a:latin typeface="Arial"/>
+            </a:endParaRPr>
+          </a:p>
+        </p:txBody>
+      </p:sp>
+      <p:sp>
+        <p:nvSpPr>
+          <p:cNvPr id="97" name="PlaceHolder 3"/>
+          <p:cNvSpPr>
+            <a:spLocks noGrp="1"/>
+          </p:cNvSpPr>
+          <p:nvPr>
+            <p:ph type="body"/>
+          </p:nvPr>
+        </p:nvSpPr>
+        <p:spPr>
+          <a:xfrm>
+            <a:off x="504000" y="4059000"/>
+            <a:ext cx="9070920" cy="2090880"/>
+          </a:xfrm>
+          <a:prstGeom prst="rect">
+            <a:avLst/>
+          </a:prstGeom>
+        </p:spPr>
+        <p:txBody>
+          <a:bodyPr lIns="0" rIns="0" tIns="0" bIns="0"/>
+          <a:p>
+            <a:endParaRPr lang="en-US" sz="3200" spc="-1" strike="noStrike">
+              <a:solidFill>
+                <a:srgbClr val="000000"/>
+              </a:solidFill>
+              <a:uFill>
+                <a:solidFill>
+                  <a:srgbClr val="ffffff"/>
+                </a:solidFill>
+              </a:uFill>
+              <a:latin typeface="Arial"/>
+            </a:endParaRPr>
+          </a:p>
+        </p:txBody>
+      </p:sp>
+    </p:spTree>
+  </p:cSld>
+</p:sldLayout>
+</file>
+
+<file path=ppt/slideLayouts/slideLayout35.xml><?xml version="1.0" encoding="utf-8"?>
+<p:sldLayout xmlns:a="http://schemas.openxmlformats.org/drawingml/2006/main" xmlns:p="http://schemas.openxmlformats.org/presentationml/2006/main" xmlns:r="http://schemas.openxmlformats.org/officeDocument/2006/relationships" type="fourObj" preserve="1">
+  <p:cSld name="Title, 4 Content">
+    <p:spTree>
+      <p:nvGrpSpPr>
+        <p:cNvPr id="1" name=""/>
+        <p:cNvGrpSpPr/>
+        <p:nvPr/>
+      </p:nvGrpSpPr>
+      <p:grpSpPr>
+        <a:xfrm>
+          <a:off x="0" y="0"/>
+          <a:ext cx="0" cy="0"/>
+          <a:chOff x="0" y="0"/>
+          <a:chExt cx="0" cy="0"/>
+        </a:xfrm>
+      </p:grpSpPr>
+      <p:sp>
+        <p:nvSpPr>
+          <p:cNvPr id="98" name="PlaceHolder 1"/>
+          <p:cNvSpPr>
+            <a:spLocks noGrp="1"/>
+          </p:cNvSpPr>
+          <p:nvPr>
+            <p:ph type="title"/>
+          </p:nvPr>
+        </p:nvSpPr>
+        <p:spPr>
+          <a:xfrm>
+            <a:off x="504000" y="301320"/>
+            <a:ext cx="9070920" cy="1261440"/>
+          </a:xfrm>
+          <a:prstGeom prst="rect">
+            <a:avLst/>
+          </a:prstGeom>
+        </p:spPr>
+        <p:txBody>
+          <a:bodyPr lIns="0" rIns="0" tIns="0" bIns="0" anchor="ctr"/>
+          <a:p>
+            <a:pPr algn="ctr"/>
+            <a:endParaRPr lang="en-US" sz="4400" spc="-1" strike="noStrike">
+              <a:solidFill>
+                <a:srgbClr val="000000"/>
+              </a:solidFill>
+              <a:uFill>
+                <a:solidFill>
+                  <a:srgbClr val="ffffff"/>
+                </a:solidFill>
+              </a:uFill>
+              <a:latin typeface="Arial"/>
+            </a:endParaRPr>
+          </a:p>
+        </p:txBody>
+      </p:sp>
+      <p:sp>
+        <p:nvSpPr>
+          <p:cNvPr id="99" name="PlaceHolder 2"/>
+          <p:cNvSpPr>
+            <a:spLocks noGrp="1"/>
+          </p:cNvSpPr>
+          <p:nvPr>
+            <p:ph type="body"/>
+          </p:nvPr>
+        </p:nvSpPr>
+        <p:spPr>
+          <a:xfrm>
+            <a:off x="504000" y="1769040"/>
+            <a:ext cx="4426560" cy="2090880"/>
+          </a:xfrm>
+          <a:prstGeom prst="rect">
+            <a:avLst/>
+          </a:prstGeom>
+        </p:spPr>
+        <p:txBody>
+          <a:bodyPr lIns="0" rIns="0" tIns="0" bIns="0"/>
+          <a:p>
+            <a:endParaRPr lang="en-US" sz="3200" spc="-1" strike="noStrike">
+              <a:solidFill>
+                <a:srgbClr val="000000"/>
+              </a:solidFill>
+              <a:uFill>
+                <a:solidFill>
+                  <a:srgbClr val="ffffff"/>
+                </a:solidFill>
+              </a:uFill>
+              <a:latin typeface="Arial"/>
+            </a:endParaRPr>
+          </a:p>
+        </p:txBody>
+      </p:sp>
+      <p:sp>
+        <p:nvSpPr>
+          <p:cNvPr id="100" name="PlaceHolder 3"/>
+          <p:cNvSpPr>
+            <a:spLocks noGrp="1"/>
+          </p:cNvSpPr>
+          <p:nvPr>
+            <p:ph type="body"/>
+          </p:nvPr>
+        </p:nvSpPr>
+        <p:spPr>
+          <a:xfrm>
+            <a:off x="5152320" y="1769040"/>
+            <a:ext cx="4426560" cy="2090880"/>
+          </a:xfrm>
+          <a:prstGeom prst="rect">
+            <a:avLst/>
+          </a:prstGeom>
+        </p:spPr>
+        <p:txBody>
+          <a:bodyPr lIns="0" rIns="0" tIns="0" bIns="0"/>
+          <a:p>
+            <a:endParaRPr lang="en-US" sz="3200" spc="-1" strike="noStrike">
+              <a:solidFill>
+                <a:srgbClr val="000000"/>
+              </a:solidFill>
+              <a:uFill>
+                <a:solidFill>
+                  <a:srgbClr val="ffffff"/>
+                </a:solidFill>
+              </a:uFill>
+              <a:latin typeface="Arial"/>
+            </a:endParaRPr>
+          </a:p>
+        </p:txBody>
+      </p:sp>
+      <p:sp>
+        <p:nvSpPr>
+          <p:cNvPr id="101" name="PlaceHolder 4"/>
+          <p:cNvSpPr>
+            <a:spLocks noGrp="1"/>
+          </p:cNvSpPr>
+          <p:nvPr>
+            <p:ph type="body"/>
+          </p:nvPr>
+        </p:nvSpPr>
+        <p:spPr>
+          <a:xfrm>
+            <a:off x="5152320" y="4059000"/>
+            <a:ext cx="4426560" cy="2090880"/>
+          </a:xfrm>
+          <a:prstGeom prst="rect">
+            <a:avLst/>
+          </a:prstGeom>
+        </p:spPr>
+        <p:txBody>
+          <a:bodyPr lIns="0" rIns="0" tIns="0" bIns="0"/>
+          <a:p>
+            <a:endParaRPr lang="en-US" sz="3200" spc="-1" strike="noStrike">
+              <a:solidFill>
+                <a:srgbClr val="000000"/>
+              </a:solidFill>
+              <a:uFill>
+                <a:solidFill>
+                  <a:srgbClr val="ffffff"/>
+                </a:solidFill>
+              </a:uFill>
+              <a:latin typeface="Arial"/>
+            </a:endParaRPr>
+          </a:p>
+        </p:txBody>
+      </p:sp>
+      <p:sp>
+        <p:nvSpPr>
+          <p:cNvPr id="102" name="PlaceHolder 5"/>
+          <p:cNvSpPr>
+            <a:spLocks noGrp="1"/>
+          </p:cNvSpPr>
+          <p:nvPr>
+            <p:ph type="body"/>
+          </p:nvPr>
+        </p:nvSpPr>
+        <p:spPr>
+          <a:xfrm>
+            <a:off x="504000" y="4059000"/>
+            <a:ext cx="4426560" cy="2090880"/>
+          </a:xfrm>
+          <a:prstGeom prst="rect">
+            <a:avLst/>
+          </a:prstGeom>
+        </p:spPr>
+        <p:txBody>
+          <a:bodyPr lIns="0" rIns="0" tIns="0" bIns="0"/>
+          <a:p>
+            <a:endParaRPr lang="en-US" sz="3200" spc="-1" strike="noStrike">
+              <a:solidFill>
+                <a:srgbClr val="000000"/>
+              </a:solidFill>
+              <a:uFill>
+                <a:solidFill>
+                  <a:srgbClr val="ffffff"/>
+                </a:solidFill>
+              </a:uFill>
+              <a:latin typeface="Arial"/>
+            </a:endParaRPr>
+          </a:p>
+        </p:txBody>
+      </p:sp>
+    </p:spTree>
+  </p:cSld>
+</p:sldLayout>
+</file>
+
+<file path=ppt/slideLayouts/slideLayout36.xml><?xml version="1.0" encoding="utf-8"?>
+<p:sldLayout xmlns:a="http://schemas.openxmlformats.org/drawingml/2006/main" xmlns:p="http://schemas.openxmlformats.org/presentationml/2006/main" xmlns:r="http://schemas.openxmlformats.org/officeDocument/2006/relationships" type="blank" preserve="1">
+  <p:cSld name="Title, 6 Content">
+    <p:spTree>
+      <p:nvGrpSpPr>
+        <p:cNvPr id="1" name=""/>
+        <p:cNvGrpSpPr/>
+        <p:nvPr/>
+      </p:nvGrpSpPr>
+      <p:grpSpPr>
+        <a:xfrm>
+          <a:off x="0" y="0"/>
+          <a:ext cx="0" cy="0"/>
+          <a:chOff x="0" y="0"/>
+          <a:chExt cx="0" cy="0"/>
+        </a:xfrm>
+      </p:grpSpPr>
+      <p:sp>
+        <p:nvSpPr>
+          <p:cNvPr id="103" name="PlaceHolder 1"/>
+          <p:cNvSpPr>
+            <a:spLocks noGrp="1"/>
+          </p:cNvSpPr>
+          <p:nvPr>
+            <p:ph type="title"/>
+          </p:nvPr>
+        </p:nvSpPr>
+        <p:spPr>
+          <a:xfrm>
+            <a:off x="504000" y="301320"/>
+            <a:ext cx="9070920" cy="1261440"/>
+          </a:xfrm>
+          <a:prstGeom prst="rect">
+            <a:avLst/>
+          </a:prstGeom>
+        </p:spPr>
+        <p:txBody>
+          <a:bodyPr lIns="0" rIns="0" tIns="0" bIns="0" anchor="ctr"/>
+          <a:p>
+            <a:pPr algn="ctr"/>
+            <a:endParaRPr lang="en-US" sz="4400" spc="-1" strike="noStrike">
+              <a:solidFill>
+                <a:srgbClr val="000000"/>
+              </a:solidFill>
+              <a:uFill>
+                <a:solidFill>
+                  <a:srgbClr val="ffffff"/>
+                </a:solidFill>
+              </a:uFill>
+              <a:latin typeface="Arial"/>
+            </a:endParaRPr>
+          </a:p>
+        </p:txBody>
+      </p:sp>
+      <p:sp>
+        <p:nvSpPr>
+          <p:cNvPr id="104" name="PlaceHolder 2"/>
+          <p:cNvSpPr>
+            <a:spLocks noGrp="1"/>
+          </p:cNvSpPr>
+          <p:nvPr>
+            <p:ph type="body"/>
+          </p:nvPr>
+        </p:nvSpPr>
+        <p:spPr>
+          <a:xfrm>
+            <a:off x="504000" y="1769040"/>
+            <a:ext cx="9070920" cy="4383720"/>
+          </a:xfrm>
+          <a:prstGeom prst="rect">
+            <a:avLst/>
+          </a:prstGeom>
+        </p:spPr>
+        <p:txBody>
+          <a:bodyPr lIns="0" rIns="0" tIns="0" bIns="0"/>
+          <a:p>
+            <a:endParaRPr lang="en-US" sz="3200" spc="-1" strike="noStrike">
+              <a:solidFill>
+                <a:srgbClr val="000000"/>
+              </a:solidFill>
+              <a:uFill>
+                <a:solidFill>
+                  <a:srgbClr val="ffffff"/>
+                </a:solidFill>
+              </a:uFill>
+              <a:latin typeface="Arial"/>
+            </a:endParaRPr>
+          </a:p>
+        </p:txBody>
+      </p:sp>
+      <p:sp>
+        <p:nvSpPr>
+          <p:cNvPr id="105" name="PlaceHolder 3"/>
+          <p:cNvSpPr>
+            <a:spLocks noGrp="1"/>
+          </p:cNvSpPr>
+          <p:nvPr>
+            <p:ph type="body"/>
+          </p:nvPr>
+        </p:nvSpPr>
+        <p:spPr>
+          <a:xfrm>
+            <a:off x="504000" y="1769040"/>
+            <a:ext cx="9070920" cy="4383720"/>
+          </a:xfrm>
+          <a:prstGeom prst="rect">
+            <a:avLst/>
+          </a:prstGeom>
+        </p:spPr>
+        <p:txBody>
+          <a:bodyPr lIns="0" rIns="0" tIns="0" bIns="0"/>
+          <a:p>
+            <a:endParaRPr lang="en-US" sz="3200" spc="-1" strike="noStrike">
+              <a:solidFill>
+                <a:srgbClr val="000000"/>
+              </a:solidFill>
+              <a:uFill>
+                <a:solidFill>
+                  <a:srgbClr val="ffffff"/>
+                </a:solidFill>
+              </a:uFill>
+              <a:latin typeface="Arial"/>
+            </a:endParaRPr>
+          </a:p>
+        </p:txBody>
+      </p:sp>
+      <p:pic>
+        <p:nvPicPr>
+          <p:cNvPr id="106" name="" descr=""/>
+          <p:cNvPicPr/>
+          <p:nvPr/>
+        </p:nvPicPr>
+        <p:blipFill>
+          <a:blip r:embed="rId2"/>
+          <a:stretch/>
+        </p:blipFill>
+        <p:spPr>
+          <a:xfrm>
+            <a:off x="2292120" y="1768680"/>
+            <a:ext cx="5494320" cy="4383720"/>
+          </a:xfrm>
+          <a:prstGeom prst="rect">
+            <a:avLst/>
+          </a:prstGeom>
+          <a:ln>
+            <a:noFill/>
+          </a:ln>
+        </p:spPr>
+      </p:pic>
+      <p:pic>
+        <p:nvPicPr>
+          <p:cNvPr id="107" name="" descr=""/>
+          <p:cNvPicPr/>
+          <p:nvPr/>
+        </p:nvPicPr>
+        <p:blipFill>
+          <a:blip r:embed="rId3"/>
+          <a:stretch/>
+        </p:blipFill>
+        <p:spPr>
+          <a:xfrm>
+            <a:off x="2292120" y="1768680"/>
+            <a:ext cx="5494320" cy="4383720"/>
+          </a:xfrm>
+          <a:prstGeom prst="rect">
+            <a:avLst/>
+          </a:prstGeom>
+          <a:ln>
+            <a:noFill/>
+          </a:ln>
+        </p:spPr>
+      </p:pic>
     </p:spTree>
   </p:cSld>
 </p:sldLayout>
@@ -2244,7 +3731,7 @@
         <p:spPr>
           <a:xfrm>
             <a:off x="504000" y="301320"/>
-            <a:ext cx="9071280" cy="1261800"/>
+            <a:ext cx="9070920" cy="1261440"/>
           </a:xfrm>
           <a:prstGeom prst="rect">
             <a:avLst/>
@@ -2281,7 +3768,7 @@
         <p:spPr>
           <a:xfrm>
             <a:off x="504000" y="1769040"/>
-            <a:ext cx="4426560" cy="4384080"/>
+            <a:ext cx="4426560" cy="4383720"/>
           </a:xfrm>
           <a:prstGeom prst="rect">
             <a:avLst/>
@@ -2317,7 +3804,7 @@
         <p:spPr>
           <a:xfrm>
             <a:off x="5152320" y="1769040"/>
-            <a:ext cx="4426560" cy="4384080"/>
+            <a:ext cx="4426560" cy="4383720"/>
           </a:xfrm>
           <a:prstGeom prst="rect">
             <a:avLst/>
@@ -2375,7 +3862,7 @@
         <p:spPr>
           <a:xfrm>
             <a:off x="504000" y="301320"/>
-            <a:ext cx="9071280" cy="1261800"/>
+            <a:ext cx="9070920" cy="1261440"/>
           </a:xfrm>
           <a:prstGeom prst="rect">
             <a:avLst/>
@@ -2434,7 +3921,7 @@
         <p:spPr>
           <a:xfrm>
             <a:off x="504000" y="301320"/>
-            <a:ext cx="9071280" cy="5850360"/>
+            <a:ext cx="9070920" cy="5848560"/>
           </a:xfrm>
           <a:prstGeom prst="rect">
             <a:avLst/>
@@ -2493,7 +3980,7 @@
         <p:spPr>
           <a:xfrm>
             <a:off x="504000" y="301320"/>
-            <a:ext cx="9071280" cy="1261800"/>
+            <a:ext cx="9070920" cy="1261440"/>
           </a:xfrm>
           <a:prstGeom prst="rect">
             <a:avLst/>
@@ -2602,7 +4089,7 @@
         <p:spPr>
           <a:xfrm>
             <a:off x="5152320" y="1769040"/>
-            <a:ext cx="4426560" cy="4384080"/>
+            <a:ext cx="4426560" cy="4383720"/>
           </a:xfrm>
           <a:prstGeom prst="rect">
             <a:avLst/>
@@ -2660,7 +4147,7 @@
         <p:spPr>
           <a:xfrm>
             <a:off x="504000" y="301320"/>
-            <a:ext cx="9071280" cy="1261800"/>
+            <a:ext cx="9070920" cy="1261440"/>
           </a:xfrm>
           <a:prstGeom prst="rect">
             <a:avLst/>
@@ -2697,7 +4184,7 @@
         <p:spPr>
           <a:xfrm>
             <a:off x="504000" y="1769040"/>
-            <a:ext cx="4426560" cy="4384080"/>
+            <a:ext cx="4426560" cy="4383720"/>
           </a:xfrm>
           <a:prstGeom prst="rect">
             <a:avLst/>
@@ -2827,7 +4314,7 @@
         <p:spPr>
           <a:xfrm>
             <a:off x="504000" y="301320"/>
-            <a:ext cx="9071280" cy="1261800"/>
+            <a:ext cx="9070920" cy="1261440"/>
           </a:xfrm>
           <a:prstGeom prst="rect">
             <a:avLst/>
@@ -2936,7 +4423,7 @@
         <p:spPr>
           <a:xfrm>
             <a:off x="504000" y="4059000"/>
-            <a:ext cx="9071280" cy="2090880"/>
+            <a:ext cx="9070920" cy="2090880"/>
           </a:xfrm>
           <a:prstGeom prst="rect">
             <a:avLst/>
@@ -2994,7 +4481,7 @@
         <p:spPr>
           <a:xfrm>
             <a:off x="504000" y="301320"/>
-            <a:ext cx="9071280" cy="1261800"/>
+            <a:ext cx="9070920" cy="1261440"/>
           </a:xfrm>
           <a:prstGeom prst="rect">
             <a:avLst/>
@@ -3030,8 +4517,8 @@
         </p:nvSpPr>
         <p:spPr>
           <a:xfrm>
-            <a:off x="504000" y="1768680"/>
-            <a:ext cx="9072000" cy="4384080"/>
+            <a:off x="504000" y="1769040"/>
+            <a:ext cx="9070920" cy="4383720"/>
           </a:xfrm>
           <a:prstGeom prst="rect">
             <a:avLst/>
@@ -3049,7 +4536,7 @@
               <a:buChar char=""/>
             </a:pPr>
             <a:r>
-              <a:rPr lang="en-US" sz="3200" spc="-1" strike="noStrike">
+              <a:rPr lang="en-US" sz="1800" spc="-1" strike="noStrike">
                 <a:solidFill>
                   <a:srgbClr val="000000"/>
                 </a:solidFill>
@@ -3062,7 +4549,7 @@
               </a:rPr>
               <a:t>Click to edit the outline text format</a:t>
             </a:r>
-            <a:endParaRPr lang="en-US" sz="3200" spc="-1" strike="noStrike">
+            <a:endParaRPr lang="en-US" sz="1800" spc="-1" strike="noStrike">
               <a:solidFill>
                 <a:srgbClr val="000000"/>
               </a:solidFill>
@@ -3084,7 +4571,7 @@
               <a:buChar char=""/>
             </a:pPr>
             <a:r>
-              <a:rPr lang="en-US" sz="2800" spc="-1" strike="noStrike">
+              <a:rPr lang="en-US" sz="1800" spc="-1" strike="noStrike">
                 <a:solidFill>
                   <a:srgbClr val="000000"/>
                 </a:solidFill>
@@ -3097,7 +4584,7 @@
               </a:rPr>
               <a:t>Second Outline Level</a:t>
             </a:r>
-            <a:endParaRPr lang="en-US" sz="2800" spc="-1" strike="noStrike">
+            <a:endParaRPr lang="en-US" sz="1800" spc="-1" strike="noStrike">
               <a:solidFill>
                 <a:srgbClr val="000000"/>
               </a:solidFill>
@@ -3119,7 +4606,7 @@
               <a:buChar char=""/>
             </a:pPr>
             <a:r>
-              <a:rPr lang="en-US" sz="2400" spc="-1" strike="noStrike">
+              <a:rPr lang="en-US" sz="1800" spc="-1" strike="noStrike">
                 <a:solidFill>
                   <a:srgbClr val="000000"/>
                 </a:solidFill>
@@ -3132,7 +4619,7 @@
               </a:rPr>
               <a:t>Third Outline Level</a:t>
             </a:r>
-            <a:endParaRPr lang="en-US" sz="2400" spc="-1" strike="noStrike">
+            <a:endParaRPr lang="en-US" sz="1800" spc="-1" strike="noStrike">
               <a:solidFill>
                 <a:srgbClr val="000000"/>
               </a:solidFill>
@@ -3154,7 +4641,7 @@
               <a:buChar char=""/>
             </a:pPr>
             <a:r>
-              <a:rPr lang="en-US" sz="2000" spc="-1" strike="noStrike">
+              <a:rPr lang="en-US" sz="1800" spc="-1" strike="noStrike">
                 <a:solidFill>
                   <a:srgbClr val="000000"/>
                 </a:solidFill>
@@ -3167,7 +4654,7 @@
               </a:rPr>
               <a:t>Fourth Outline Level</a:t>
             </a:r>
-            <a:endParaRPr lang="en-US" sz="2000" spc="-1" strike="noStrike">
+            <a:endParaRPr lang="en-US" sz="1800" spc="-1" strike="noStrike">
               <a:solidFill>
                 <a:srgbClr val="000000"/>
               </a:solidFill>
@@ -3189,7 +4676,7 @@
               <a:buChar char=""/>
             </a:pPr>
             <a:r>
-              <a:rPr lang="en-US" sz="2000" spc="-1" strike="noStrike">
+              <a:rPr lang="en-US" sz="1800" spc="-1" strike="noStrike">
                 <a:solidFill>
                   <a:srgbClr val="000000"/>
                 </a:solidFill>
@@ -3202,7 +4689,7 @@
               </a:rPr>
               <a:t>Fifth Outline Level</a:t>
             </a:r>
-            <a:endParaRPr lang="en-US" sz="2000" spc="-1" strike="noStrike">
+            <a:endParaRPr lang="en-US" sz="1800" spc="-1" strike="noStrike">
               <a:solidFill>
                 <a:srgbClr val="000000"/>
               </a:solidFill>
@@ -3224,7 +4711,7 @@
               <a:buChar char=""/>
             </a:pPr>
             <a:r>
-              <a:rPr lang="en-US" sz="2000" spc="-1" strike="noStrike">
+              <a:rPr lang="en-US" sz="1800" spc="-1" strike="noStrike">
                 <a:solidFill>
                   <a:srgbClr val="000000"/>
                 </a:solidFill>
@@ -3237,7 +4724,7 @@
               </a:rPr>
               <a:t>Sixth Outline Level</a:t>
             </a:r>
-            <a:endParaRPr lang="en-US" sz="2000" spc="-1" strike="noStrike">
+            <a:endParaRPr lang="en-US" sz="1800" spc="-1" strike="noStrike">
               <a:solidFill>
                 <a:srgbClr val="000000"/>
               </a:solidFill>
@@ -3259,7 +4746,7 @@
               <a:buChar char=""/>
             </a:pPr>
             <a:r>
-              <a:rPr lang="en-US" sz="2000" spc="-1" strike="noStrike">
+              <a:rPr lang="en-US" sz="1800" spc="-1" strike="noStrike">
                 <a:solidFill>
                   <a:srgbClr val="000000"/>
                 </a:solidFill>
@@ -3272,7 +4759,7 @@
               </a:rPr>
               <a:t>Seventh Outline Level</a:t>
             </a:r>
-            <a:endParaRPr lang="en-US" sz="2000" spc="-1" strike="noStrike">
+            <a:endParaRPr lang="en-US" sz="1800" spc="-1" strike="noStrike">
               <a:solidFill>
                 <a:srgbClr val="000000"/>
               </a:solidFill>
@@ -3336,7 +4823,7 @@
         <p:spPr>
           <a:xfrm>
             <a:off x="504000" y="301320"/>
-            <a:ext cx="9071280" cy="1261800"/>
+            <a:ext cx="9072000" cy="1261800"/>
           </a:xfrm>
           <a:prstGeom prst="rect">
             <a:avLst/>
@@ -3346,6 +4833,20 @@
           <a:bodyPr lIns="0" rIns="0" tIns="0" bIns="0" anchor="ctr"/>
           <a:p>
             <a:pPr algn="ctr"/>
+            <a:r>
+              <a:rPr lang="en-US" sz="4400" spc="-1" strike="noStrike">
+                <a:solidFill>
+                  <a:srgbClr val="000000"/>
+                </a:solidFill>
+                <a:uFill>
+                  <a:solidFill>
+                    <a:srgbClr val="ffffff"/>
+                  </a:solidFill>
+                </a:uFill>
+                <a:latin typeface="Arial"/>
+              </a:rPr>
+              <a:t>Click to edit the title text format</a:t>
+            </a:r>
             <a:endParaRPr lang="en-US" sz="4400" spc="-1" strike="noStrike">
               <a:solidFill>
                 <a:srgbClr val="000000"/>
@@ -3372,8 +4873,8 @@
         </p:nvSpPr>
         <p:spPr>
           <a:xfrm>
-            <a:off x="504000" y="1769040"/>
-            <a:ext cx="9071280" cy="4384080"/>
+            <a:off x="504000" y="1768680"/>
+            <a:ext cx="9072000" cy="4384080"/>
           </a:xfrm>
           <a:prstGeom prst="rect">
             <a:avLst/>
@@ -3391,7 +4892,7 @@
               <a:buChar char=""/>
             </a:pPr>
             <a:r>
-              <a:rPr lang="en-US" sz="1800" spc="-1" strike="noStrike">
+              <a:rPr lang="en-US" sz="3200" spc="-1" strike="noStrike">
                 <a:solidFill>
                   <a:srgbClr val="000000"/>
                 </a:solidFill>
@@ -3404,7 +4905,7 @@
               </a:rPr>
               <a:t>Click to edit the outline text format</a:t>
             </a:r>
-            <a:endParaRPr lang="en-US" sz="1800" spc="-1" strike="noStrike">
+            <a:endParaRPr lang="en-US" sz="3200" spc="-1" strike="noStrike">
               <a:solidFill>
                 <a:srgbClr val="000000"/>
               </a:solidFill>
@@ -3426,7 +4927,7 @@
               <a:buChar char=""/>
             </a:pPr>
             <a:r>
-              <a:rPr lang="en-US" sz="1800" spc="-1" strike="noStrike">
+              <a:rPr lang="en-US" sz="2800" spc="-1" strike="noStrike">
                 <a:solidFill>
                   <a:srgbClr val="000000"/>
                 </a:solidFill>
@@ -3439,7 +4940,7 @@
               </a:rPr>
               <a:t>Second Outline Level</a:t>
             </a:r>
-            <a:endParaRPr lang="en-US" sz="1800" spc="-1" strike="noStrike">
+            <a:endParaRPr lang="en-US" sz="2800" spc="-1" strike="noStrike">
               <a:solidFill>
                 <a:srgbClr val="000000"/>
               </a:solidFill>
@@ -3461,7 +4962,7 @@
               <a:buChar char=""/>
             </a:pPr>
             <a:r>
-              <a:rPr lang="en-US" sz="1800" spc="-1" strike="noStrike">
+              <a:rPr lang="en-US" sz="2400" spc="-1" strike="noStrike">
                 <a:solidFill>
                   <a:srgbClr val="000000"/>
                 </a:solidFill>
@@ -3474,7 +4975,7 @@
               </a:rPr>
               <a:t>Third Outline Level</a:t>
             </a:r>
-            <a:endParaRPr lang="en-US" sz="1800" spc="-1" strike="noStrike">
+            <a:endParaRPr lang="en-US" sz="2400" spc="-1" strike="noStrike">
               <a:solidFill>
                 <a:srgbClr val="000000"/>
               </a:solidFill>
@@ -3496,7 +4997,7 @@
               <a:buChar char=""/>
             </a:pPr>
             <a:r>
-              <a:rPr lang="en-US" sz="1800" spc="-1" strike="noStrike">
+              <a:rPr lang="en-US" sz="2000" spc="-1" strike="noStrike">
                 <a:solidFill>
                   <a:srgbClr val="000000"/>
                 </a:solidFill>
@@ -3509,7 +5010,7 @@
               </a:rPr>
               <a:t>Fourth Outline Level</a:t>
             </a:r>
-            <a:endParaRPr lang="en-US" sz="1800" spc="-1" strike="noStrike">
+            <a:endParaRPr lang="en-US" sz="2000" spc="-1" strike="noStrike">
               <a:solidFill>
                 <a:srgbClr val="000000"/>
               </a:solidFill>
@@ -3531,7 +5032,7 @@
               <a:buChar char=""/>
             </a:pPr>
             <a:r>
-              <a:rPr lang="en-US" sz="1800" spc="-1" strike="noStrike">
+              <a:rPr lang="en-US" sz="2000" spc="-1" strike="noStrike">
                 <a:solidFill>
                   <a:srgbClr val="000000"/>
                 </a:solidFill>
@@ -3544,7 +5045,7 @@
               </a:rPr>
               <a:t>Fifth Outline Level</a:t>
             </a:r>
-            <a:endParaRPr lang="en-US" sz="1800" spc="-1" strike="noStrike">
+            <a:endParaRPr lang="en-US" sz="2000" spc="-1" strike="noStrike">
               <a:solidFill>
                 <a:srgbClr val="000000"/>
               </a:solidFill>
@@ -3566,7 +5067,7 @@
               <a:buChar char=""/>
             </a:pPr>
             <a:r>
-              <a:rPr lang="en-US" sz="1800" spc="-1" strike="noStrike">
+              <a:rPr lang="en-US" sz="2000" spc="-1" strike="noStrike">
                 <a:solidFill>
                   <a:srgbClr val="000000"/>
                 </a:solidFill>
@@ -3579,7 +5080,7 @@
               </a:rPr>
               <a:t>Sixth Outline Level</a:t>
             </a:r>
-            <a:endParaRPr lang="en-US" sz="1800" spc="-1" strike="noStrike">
+            <a:endParaRPr lang="en-US" sz="2000" spc="-1" strike="noStrike">
               <a:solidFill>
                 <a:srgbClr val="000000"/>
               </a:solidFill>
@@ -3601,7 +5102,7 @@
               <a:buChar char=""/>
             </a:pPr>
             <a:r>
-              <a:rPr lang="en-US" sz="1800" spc="-1" strike="noStrike">
+              <a:rPr lang="en-US" sz="2000" spc="-1" strike="noStrike">
                 <a:solidFill>
                   <a:srgbClr val="000000"/>
                 </a:solidFill>
@@ -3614,7 +5115,7 @@
               </a:rPr>
               <a:t>Seventh Outline Level</a:t>
             </a:r>
-            <a:endParaRPr lang="en-US" sz="1800" spc="-1" strike="noStrike">
+            <a:endParaRPr lang="en-US" sz="2000" spc="-1" strike="noStrike">
               <a:solidFill>
                 <a:srgbClr val="000000"/>
               </a:solidFill>
@@ -3644,6 +5145,348 @@
     <p:sldLayoutId id="2147483671" r:id="rId11"/>
     <p:sldLayoutId id="2147483672" r:id="rId12"/>
     <p:sldLayoutId id="2147483673" r:id="rId13"/>
+  </p:sldLayoutIdLst>
+</p:sldMaster>
+</file>
+
+<file path=ppt/slideMasters/slideMaster3.xml><?xml version="1.0" encoding="utf-8"?>
+<p:sldMaster xmlns:a="http://schemas.openxmlformats.org/drawingml/2006/main" xmlns:p="http://schemas.openxmlformats.org/presentationml/2006/main" xmlns:r="http://schemas.openxmlformats.org/officeDocument/2006/relationships">
+  <p:cSld>
+    <p:spTree>
+      <p:nvGrpSpPr>
+        <p:cNvPr id="1" name=""/>
+        <p:cNvGrpSpPr/>
+        <p:nvPr/>
+      </p:nvGrpSpPr>
+      <p:grpSpPr>
+        <a:xfrm>
+          <a:off x="0" y="0"/>
+          <a:ext cx="0" cy="0"/>
+          <a:chOff x="0" y="0"/>
+          <a:chExt cx="0" cy="0"/>
+        </a:xfrm>
+      </p:grpSpPr>
+      <p:sp>
+        <p:nvSpPr>
+          <p:cNvPr id="72" name="PlaceHolder 1"/>
+          <p:cNvSpPr>
+            <a:spLocks noGrp="1"/>
+          </p:cNvSpPr>
+          <p:nvPr>
+            <p:ph type="title"/>
+          </p:nvPr>
+        </p:nvSpPr>
+        <p:spPr>
+          <a:xfrm>
+            <a:off x="504000" y="301320"/>
+            <a:ext cx="9070920" cy="1261440"/>
+          </a:xfrm>
+          <a:prstGeom prst="rect">
+            <a:avLst/>
+          </a:prstGeom>
+        </p:spPr>
+        <p:txBody>
+          <a:bodyPr lIns="0" rIns="0" tIns="0" bIns="0" anchor="ctr"/>
+          <a:p>
+            <a:pPr algn="ctr"/>
+            <a:endParaRPr lang="en-US" sz="4400" spc="-1" strike="noStrike">
+              <a:solidFill>
+                <a:srgbClr val="000000"/>
+              </a:solidFill>
+              <a:uFill>
+                <a:solidFill>
+                  <a:srgbClr val="ffffff"/>
+                </a:solidFill>
+              </a:uFill>
+              <a:latin typeface="Arial"/>
+            </a:endParaRPr>
+          </a:p>
+        </p:txBody>
+      </p:sp>
+      <p:sp>
+        <p:nvSpPr>
+          <p:cNvPr id="73" name="PlaceHolder 2"/>
+          <p:cNvSpPr>
+            <a:spLocks noGrp="1"/>
+          </p:cNvSpPr>
+          <p:nvPr>
+            <p:ph type="body"/>
+          </p:nvPr>
+        </p:nvSpPr>
+        <p:spPr>
+          <a:xfrm>
+            <a:off x="504000" y="1769040"/>
+            <a:ext cx="9070920" cy="4383720"/>
+          </a:xfrm>
+          <a:prstGeom prst="rect">
+            <a:avLst/>
+          </a:prstGeom>
+        </p:spPr>
+        <p:txBody>
+          <a:bodyPr lIns="0" rIns="0" tIns="0" bIns="0"/>
+          <a:p>
+            <a:pPr marL="432000" indent="-324000">
+              <a:buClr>
+                <a:srgbClr val="000000"/>
+              </a:buClr>
+              <a:buSzPct val="45000"/>
+              <a:buFont typeface="Wingdings" charset="2"/>
+              <a:buChar char=""/>
+            </a:pPr>
+            <a:r>
+              <a:rPr lang="en-US" sz="1800" spc="-1" strike="noStrike">
+                <a:solidFill>
+                  <a:srgbClr val="000000"/>
+                </a:solidFill>
+                <a:uFill>
+                  <a:solidFill>
+                    <a:srgbClr val="ffffff"/>
+                  </a:solidFill>
+                </a:uFill>
+                <a:latin typeface="Arial"/>
+              </a:rPr>
+              <a:t>Click to edit the outline text format</a:t>
+            </a:r>
+            <a:endParaRPr lang="en-US" sz="1800" spc="-1" strike="noStrike">
+              <a:solidFill>
+                <a:srgbClr val="000000"/>
+              </a:solidFill>
+              <a:uFill>
+                <a:solidFill>
+                  <a:srgbClr val="ffffff"/>
+                </a:solidFill>
+              </a:uFill>
+              <a:latin typeface="Arial"/>
+            </a:endParaRPr>
+          </a:p>
+          <a:p>
+            <a:pPr lvl="1" marL="864000" indent="-324000">
+              <a:buClr>
+                <a:srgbClr val="000000"/>
+              </a:buClr>
+              <a:buSzPct val="75000"/>
+              <a:buFont typeface="Symbol" charset="2"/>
+              <a:buChar char=""/>
+            </a:pPr>
+            <a:r>
+              <a:rPr lang="en-US" sz="1800" spc="-1" strike="noStrike">
+                <a:solidFill>
+                  <a:srgbClr val="000000"/>
+                </a:solidFill>
+                <a:uFill>
+                  <a:solidFill>
+                    <a:srgbClr val="ffffff"/>
+                  </a:solidFill>
+                </a:uFill>
+                <a:latin typeface="Arial"/>
+              </a:rPr>
+              <a:t>Second Outline Level</a:t>
+            </a:r>
+            <a:endParaRPr lang="en-US" sz="1800" spc="-1" strike="noStrike">
+              <a:solidFill>
+                <a:srgbClr val="000000"/>
+              </a:solidFill>
+              <a:uFill>
+                <a:solidFill>
+                  <a:srgbClr val="ffffff"/>
+                </a:solidFill>
+              </a:uFill>
+              <a:latin typeface="Arial"/>
+            </a:endParaRPr>
+          </a:p>
+          <a:p>
+            <a:pPr lvl="2" marL="1296000" indent="-288000">
+              <a:buClr>
+                <a:srgbClr val="000000"/>
+              </a:buClr>
+              <a:buSzPct val="45000"/>
+              <a:buFont typeface="Wingdings" charset="2"/>
+              <a:buChar char=""/>
+            </a:pPr>
+            <a:r>
+              <a:rPr lang="en-US" sz="1800" spc="-1" strike="noStrike">
+                <a:solidFill>
+                  <a:srgbClr val="000000"/>
+                </a:solidFill>
+                <a:uFill>
+                  <a:solidFill>
+                    <a:srgbClr val="ffffff"/>
+                  </a:solidFill>
+                </a:uFill>
+                <a:latin typeface="Arial"/>
+              </a:rPr>
+              <a:t>Third Outline Level</a:t>
+            </a:r>
+            <a:endParaRPr lang="en-US" sz="1800" spc="-1" strike="noStrike">
+              <a:solidFill>
+                <a:srgbClr val="000000"/>
+              </a:solidFill>
+              <a:uFill>
+                <a:solidFill>
+                  <a:srgbClr val="ffffff"/>
+                </a:solidFill>
+              </a:uFill>
+              <a:latin typeface="Arial"/>
+            </a:endParaRPr>
+          </a:p>
+          <a:p>
+            <a:pPr lvl="3" marL="1728000" indent="-216000">
+              <a:buClr>
+                <a:srgbClr val="000000"/>
+              </a:buClr>
+              <a:buSzPct val="75000"/>
+              <a:buFont typeface="Symbol" charset="2"/>
+              <a:buChar char=""/>
+            </a:pPr>
+            <a:r>
+              <a:rPr lang="en-US" sz="1800" spc="-1" strike="noStrike">
+                <a:solidFill>
+                  <a:srgbClr val="000000"/>
+                </a:solidFill>
+                <a:uFill>
+                  <a:solidFill>
+                    <a:srgbClr val="ffffff"/>
+                  </a:solidFill>
+                </a:uFill>
+                <a:latin typeface="Arial"/>
+              </a:rPr>
+              <a:t>Fourth Outline Level</a:t>
+            </a:r>
+            <a:endParaRPr lang="en-US" sz="1800" spc="-1" strike="noStrike">
+              <a:solidFill>
+                <a:srgbClr val="000000"/>
+              </a:solidFill>
+              <a:uFill>
+                <a:solidFill>
+                  <a:srgbClr val="ffffff"/>
+                </a:solidFill>
+              </a:uFill>
+              <a:latin typeface="Arial"/>
+            </a:endParaRPr>
+          </a:p>
+          <a:p>
+            <a:pPr lvl="4" marL="2160000" indent="-216000">
+              <a:buClr>
+                <a:srgbClr val="000000"/>
+              </a:buClr>
+              <a:buSzPct val="45000"/>
+              <a:buFont typeface="Wingdings" charset="2"/>
+              <a:buChar char=""/>
+            </a:pPr>
+            <a:r>
+              <a:rPr lang="en-US" sz="1800" spc="-1" strike="noStrike">
+                <a:solidFill>
+                  <a:srgbClr val="000000"/>
+                </a:solidFill>
+                <a:uFill>
+                  <a:solidFill>
+                    <a:srgbClr val="ffffff"/>
+                  </a:solidFill>
+                </a:uFill>
+                <a:latin typeface="Arial"/>
+              </a:rPr>
+              <a:t>Fifth Outline Level</a:t>
+            </a:r>
+            <a:endParaRPr lang="en-US" sz="1800" spc="-1" strike="noStrike">
+              <a:solidFill>
+                <a:srgbClr val="000000"/>
+              </a:solidFill>
+              <a:uFill>
+                <a:solidFill>
+                  <a:srgbClr val="ffffff"/>
+                </a:solidFill>
+              </a:uFill>
+              <a:latin typeface="Arial"/>
+            </a:endParaRPr>
+          </a:p>
+          <a:p>
+            <a:pPr lvl="5" marL="2592000" indent="-216000">
+              <a:buClr>
+                <a:srgbClr val="000000"/>
+              </a:buClr>
+              <a:buSzPct val="45000"/>
+              <a:buFont typeface="Wingdings" charset="2"/>
+              <a:buChar char=""/>
+            </a:pPr>
+            <a:r>
+              <a:rPr lang="en-US" sz="1800" spc="-1" strike="noStrike">
+                <a:solidFill>
+                  <a:srgbClr val="000000"/>
+                </a:solidFill>
+                <a:uFill>
+                  <a:solidFill>
+                    <a:srgbClr val="ffffff"/>
+                  </a:solidFill>
+                </a:uFill>
+                <a:latin typeface="Arial"/>
+              </a:rPr>
+              <a:t>Sixth Outline Level</a:t>
+            </a:r>
+            <a:endParaRPr lang="en-US" sz="1800" spc="-1" strike="noStrike">
+              <a:solidFill>
+                <a:srgbClr val="000000"/>
+              </a:solidFill>
+              <a:uFill>
+                <a:solidFill>
+                  <a:srgbClr val="ffffff"/>
+                </a:solidFill>
+              </a:uFill>
+              <a:latin typeface="Arial"/>
+            </a:endParaRPr>
+          </a:p>
+          <a:p>
+            <a:pPr lvl="6" marL="3024000" indent="-216000">
+              <a:buClr>
+                <a:srgbClr val="000000"/>
+              </a:buClr>
+              <a:buSzPct val="45000"/>
+              <a:buFont typeface="Wingdings" charset="2"/>
+              <a:buChar char=""/>
+            </a:pPr>
+            <a:r>
+              <a:rPr lang="en-US" sz="1800" spc="-1" strike="noStrike">
+                <a:solidFill>
+                  <a:srgbClr val="000000"/>
+                </a:solidFill>
+                <a:uFill>
+                  <a:solidFill>
+                    <a:srgbClr val="ffffff"/>
+                  </a:solidFill>
+                </a:uFill>
+                <a:latin typeface="Arial"/>
+              </a:rPr>
+              <a:t>Seventh Outline Level</a:t>
+            </a:r>
+            <a:endParaRPr lang="en-US" sz="1800" spc="-1" strike="noStrike">
+              <a:solidFill>
+                <a:srgbClr val="000000"/>
+              </a:solidFill>
+              <a:uFill>
+                <a:solidFill>
+                  <a:srgbClr val="ffffff"/>
+                </a:solidFill>
+              </a:uFill>
+              <a:latin typeface="Arial"/>
+            </a:endParaRPr>
+          </a:p>
+        </p:txBody>
+      </p:sp>
+    </p:spTree>
+  </p:cSld>
+  <p:clrMap bg1="lt1" bg2="lt2" tx1="dk1" tx2="dk2" accent1="accent1" accent2="accent2" accent3="accent3" accent4="accent4" accent5="accent5" accent6="accent6" hlink="hlink" folHlink="folHlink"/>
+  <p:sldLayoutIdLst>
+    <p:sldLayoutId id="2147483675" r:id="rId2"/>
+    <p:sldLayoutId id="2147483676" r:id="rId3"/>
+    <p:sldLayoutId id="2147483677" r:id="rId4"/>
+    <p:sldLayoutId id="2147483678" r:id="rId5"/>
+    <p:sldLayoutId id="2147483679" r:id="rId6"/>
+    <p:sldLayoutId id="2147483680" r:id="rId7"/>
+    <p:sldLayoutId id="2147483681" r:id="rId8"/>
+    <p:sldLayoutId id="2147483682" r:id="rId9"/>
+    <p:sldLayoutId id="2147483683" r:id="rId10"/>
+    <p:sldLayoutId id="2147483684" r:id="rId11"/>
+    <p:sldLayoutId id="2147483685" r:id="rId12"/>
+    <p:sldLayoutId id="2147483686" r:id="rId13"/>
   </p:sldLayoutIdLst>
 </p:sldMaster>
 </file>
@@ -3667,14 +5510,14 @@
       </p:grpSpPr>
       <p:sp>
         <p:nvSpPr>
-          <p:cNvPr id="72" name="CustomShape 1"/>
+          <p:cNvPr id="108" name="CustomShape 1"/>
           <p:cNvSpPr/>
           <p:nvPr/>
         </p:nvSpPr>
         <p:spPr>
           <a:xfrm>
             <a:off x="504000" y="301320"/>
-            <a:ext cx="9071280" cy="1261800"/>
+            <a:ext cx="9070920" cy="1261440"/>
           </a:xfrm>
           <a:prstGeom prst="rect">
             <a:avLst/>
@@ -3709,6 +5552,7 @@
                   </a:solidFill>
                 </a:uFill>
                 <a:latin typeface="Arial"/>
+                <a:ea typeface="DejaVu Sans"/>
               </a:rPr>
               <a:t>Linguissime</a:t>
             </a:r>
@@ -3728,14 +5572,14 @@
       </p:sp>
       <p:sp>
         <p:nvSpPr>
-          <p:cNvPr id="73" name="CustomShape 2"/>
+          <p:cNvPr id="109" name="CustomShape 2"/>
           <p:cNvSpPr/>
           <p:nvPr/>
         </p:nvSpPr>
         <p:spPr>
           <a:xfrm>
             <a:off x="504000" y="1769040"/>
-            <a:ext cx="9071280" cy="4384080"/>
+            <a:ext cx="9070920" cy="4383720"/>
           </a:xfrm>
           <a:prstGeom prst="rect">
             <a:avLst/>
@@ -3770,6 +5614,7 @@
                   </a:solidFill>
                 </a:uFill>
                 <a:latin typeface="Arial"/>
+                <a:ea typeface="DejaVu Sans"/>
               </a:rPr>
               <a:t>Itération 0</a:t>
             </a:r>
@@ -3819,6 +5664,1614 @@
 </p:sld>
 </file>
 
+<file path=ppt/slides/slide10.xml><?xml version="1.0" encoding="utf-8"?>
+<p:sld xmlns:a="http://schemas.openxmlformats.org/drawingml/2006/main" xmlns:p="http://schemas.openxmlformats.org/presentationml/2006/main" xmlns:r="http://schemas.openxmlformats.org/officeDocument/2006/relationships">
+  <p:cSld>
+    <p:spTree>
+      <p:nvGrpSpPr>
+        <p:cNvPr id="1" name=""/>
+        <p:cNvGrpSpPr/>
+        <p:nvPr/>
+      </p:nvGrpSpPr>
+      <p:grpSpPr>
+        <a:xfrm>
+          <a:off x="0" y="0"/>
+          <a:ext cx="0" cy="0"/>
+          <a:chOff x="0" y="0"/>
+          <a:chExt cx="0" cy="0"/>
+        </a:xfrm>
+      </p:grpSpPr>
+      <p:sp>
+        <p:nvSpPr>
+          <p:cNvPr id="126" name="CustomShape 1"/>
+          <p:cNvSpPr/>
+          <p:nvPr/>
+        </p:nvSpPr>
+        <p:spPr>
+          <a:xfrm>
+            <a:off x="504000" y="301320"/>
+            <a:ext cx="9070920" cy="1261440"/>
+          </a:xfrm>
+          <a:prstGeom prst="rect">
+            <a:avLst/>
+          </a:prstGeom>
+          <a:noFill/>
+          <a:ln>
+            <a:noFill/>
+          </a:ln>
+        </p:spPr>
+        <p:style>
+          <a:lnRef idx="0"/>
+          <a:fillRef idx="0"/>
+          <a:effectRef idx="0"/>
+          <a:fontRef idx="minor"/>
+        </p:style>
+        <p:txBody>
+          <a:bodyPr lIns="0" rIns="0" tIns="0" bIns="0" anchor="ctr"/>
+          <a:p>
+            <a:pPr algn="ctr">
+              <a:lnSpc>
+                <a:spcPct val="100000"/>
+              </a:lnSpc>
+            </a:pPr>
+            <a:r>
+              <a:rPr lang="en-US" sz="4400" spc="-1" strike="noStrike">
+                <a:solidFill>
+                  <a:srgbClr val="000000"/>
+                </a:solidFill>
+                <a:uFill>
+                  <a:solidFill>
+                    <a:srgbClr val="ffffff"/>
+                  </a:solidFill>
+                </a:uFill>
+                <a:latin typeface="Arial"/>
+              </a:rPr>
+              <a:t>Board agile</a:t>
+            </a:r>
+            <a:endParaRPr lang="en-US" sz="1800" spc="-1" strike="noStrike">
+              <a:solidFill>
+                <a:srgbClr val="000000"/>
+              </a:solidFill>
+              <a:uFill>
+                <a:solidFill>
+                  <a:srgbClr val="ffffff"/>
+                </a:solidFill>
+              </a:uFill>
+              <a:latin typeface="Arial"/>
+            </a:endParaRPr>
+          </a:p>
+        </p:txBody>
+      </p:sp>
+      <p:sp>
+        <p:nvSpPr>
+          <p:cNvPr id="127" name="CustomShape 2"/>
+          <p:cNvSpPr/>
+          <p:nvPr/>
+        </p:nvSpPr>
+        <p:spPr>
+          <a:xfrm>
+            <a:off x="504000" y="1769040"/>
+            <a:ext cx="9070920" cy="4383720"/>
+          </a:xfrm>
+          <a:prstGeom prst="rect">
+            <a:avLst/>
+          </a:prstGeom>
+          <a:noFill/>
+          <a:ln>
+            <a:noFill/>
+          </a:ln>
+        </p:spPr>
+        <p:style>
+          <a:lnRef idx="0"/>
+          <a:fillRef idx="0"/>
+          <a:effectRef idx="0"/>
+          <a:fontRef idx="minor"/>
+        </p:style>
+        <p:txBody>
+          <a:bodyPr lIns="0" rIns="0" tIns="0" bIns="0"/>
+          <a:p>
+            <a:pPr marL="432000" indent="-323640">
+              <a:lnSpc>
+                <a:spcPct val="100000"/>
+              </a:lnSpc>
+              <a:buClr>
+                <a:srgbClr val="000000"/>
+              </a:buClr>
+              <a:buSzPct val="45000"/>
+              <a:buFont typeface="Wingdings" charset="2"/>
+              <a:buChar char=""/>
+            </a:pPr>
+            <a:r>
+              <a:rPr lang="en-US" sz="3200" spc="-1" strike="noStrike">
+                <a:solidFill>
+                  <a:srgbClr val="000000"/>
+                </a:solidFill>
+                <a:uFill>
+                  <a:solidFill>
+                    <a:srgbClr val="ffffff"/>
+                  </a:solidFill>
+                </a:uFill>
+                <a:latin typeface="Arial"/>
+              </a:rPr>
+              <a:t>Les deux membre de l'équipe feront évoluer le board a l'adresse suivante:</a:t>
+            </a:r>
+            <a:endParaRPr lang="en-US" sz="1800" spc="-1" strike="noStrike">
+              <a:solidFill>
+                <a:srgbClr val="000000"/>
+              </a:solidFill>
+              <a:uFill>
+                <a:solidFill>
+                  <a:srgbClr val="ffffff"/>
+                </a:solidFill>
+              </a:uFill>
+              <a:latin typeface="Arial"/>
+            </a:endParaRPr>
+          </a:p>
+          <a:p>
+            <a:pPr marL="432000" indent="-323640">
+              <a:lnSpc>
+                <a:spcPct val="100000"/>
+              </a:lnSpc>
+              <a:buClr>
+                <a:srgbClr val="000000"/>
+              </a:buClr>
+              <a:buSzPct val="45000"/>
+              <a:buFont typeface="Wingdings" charset="2"/>
+              <a:buChar char=""/>
+            </a:pPr>
+            <a:r>
+              <a:rPr lang="en-US" sz="3200" spc="-1" strike="noStrike" u="sng">
+                <a:solidFill>
+                  <a:srgbClr val="0000ff"/>
+                </a:solidFill>
+                <a:uFill>
+                  <a:solidFill>
+                    <a:srgbClr val="ffffff"/>
+                  </a:solidFill>
+                </a:uFill>
+                <a:latin typeface="Arial"/>
+                <a:hlinkClick r:id="rId1"/>
+              </a:rPr>
+              <a:t>https://trello.com/b/0NdGBR8J</a:t>
+            </a:r>
+            <a:endParaRPr lang="en-US" sz="1800" spc="-1" strike="noStrike">
+              <a:solidFill>
+                <a:srgbClr val="000000"/>
+              </a:solidFill>
+              <a:uFill>
+                <a:solidFill>
+                  <a:srgbClr val="ffffff"/>
+                </a:solidFill>
+              </a:uFill>
+              <a:latin typeface="Arial"/>
+            </a:endParaRPr>
+          </a:p>
+        </p:txBody>
+      </p:sp>
+    </p:spTree>
+  </p:cSld>
+  <p:timing>
+    <p:tnLst>
+      <p:par>
+        <p:cTn id="15" dur="indefinite" restart="never" nodeType="tmRoot">
+          <p:childTnLst>
+            <p:seq>
+              <p:cTn id="16" nodeType="mainSeq"/>
+              <p:prevCondLst>
+                <p:cond delay="0" evt="onPrev">
+                  <p:tgtEl>
+                    <p:sldTgt/>
+                  </p:tgtEl>
+                </p:cond>
+              </p:prevCondLst>
+              <p:nextCondLst>
+                <p:cond delay="0" evt="onNext">
+                  <p:tgtEl>
+                    <p:sldTgt/>
+                  </p:tgtEl>
+                </p:cond>
+              </p:nextCondLst>
+            </p:seq>
+          </p:childTnLst>
+        </p:cTn>
+      </p:par>
+    </p:tnLst>
+  </p:timing>
+</p:sld>
+</file>
+
+<file path=ppt/slides/slide11.xml><?xml version="1.0" encoding="utf-8"?>
+<p:sld xmlns:a="http://schemas.openxmlformats.org/drawingml/2006/main" xmlns:p="http://schemas.openxmlformats.org/presentationml/2006/main" xmlns:r="http://schemas.openxmlformats.org/officeDocument/2006/relationships">
+  <p:cSld>
+    <p:spTree>
+      <p:nvGrpSpPr>
+        <p:cNvPr id="1" name=""/>
+        <p:cNvGrpSpPr/>
+        <p:nvPr/>
+      </p:nvGrpSpPr>
+      <p:grpSpPr>
+        <a:xfrm>
+          <a:off x="0" y="0"/>
+          <a:ext cx="0" cy="0"/>
+          <a:chOff x="0" y="0"/>
+          <a:chExt cx="0" cy="0"/>
+        </a:xfrm>
+      </p:grpSpPr>
+      <p:sp>
+        <p:nvSpPr>
+          <p:cNvPr id="128" name="CustomShape 1"/>
+          <p:cNvSpPr/>
+          <p:nvPr/>
+        </p:nvSpPr>
+        <p:spPr>
+          <a:xfrm>
+            <a:off x="504000" y="301320"/>
+            <a:ext cx="9070920" cy="1261440"/>
+          </a:xfrm>
+          <a:prstGeom prst="rect">
+            <a:avLst/>
+          </a:prstGeom>
+          <a:noFill/>
+          <a:ln>
+            <a:noFill/>
+          </a:ln>
+        </p:spPr>
+        <p:style>
+          <a:lnRef idx="0"/>
+          <a:fillRef idx="0"/>
+          <a:effectRef idx="0"/>
+          <a:fontRef idx="minor"/>
+        </p:style>
+        <p:txBody>
+          <a:bodyPr lIns="0" rIns="0" tIns="0" bIns="0" anchor="ctr"/>
+          <a:p>
+            <a:pPr algn="ctr">
+              <a:lnSpc>
+                <a:spcPct val="100000"/>
+              </a:lnSpc>
+            </a:pPr>
+            <a:r>
+              <a:rPr lang="en-US" sz="4400" spc="-1" strike="noStrike">
+                <a:solidFill>
+                  <a:srgbClr val="000000"/>
+                </a:solidFill>
+                <a:uFill>
+                  <a:solidFill>
+                    <a:srgbClr val="ffffff"/>
+                  </a:solidFill>
+                </a:uFill>
+                <a:latin typeface="Arial"/>
+              </a:rPr>
+              <a:t>Gestion du reporting</a:t>
+            </a:r>
+            <a:endParaRPr lang="en-US" sz="1800" spc="-1" strike="noStrike">
+              <a:solidFill>
+                <a:srgbClr val="000000"/>
+              </a:solidFill>
+              <a:uFill>
+                <a:solidFill>
+                  <a:srgbClr val="ffffff"/>
+                </a:solidFill>
+              </a:uFill>
+              <a:latin typeface="Arial"/>
+            </a:endParaRPr>
+          </a:p>
+        </p:txBody>
+      </p:sp>
+      <p:sp>
+        <p:nvSpPr>
+          <p:cNvPr id="129" name="CustomShape 2"/>
+          <p:cNvSpPr/>
+          <p:nvPr/>
+        </p:nvSpPr>
+        <p:spPr>
+          <a:xfrm>
+            <a:off x="504000" y="1769040"/>
+            <a:ext cx="9070920" cy="4383720"/>
+          </a:xfrm>
+          <a:prstGeom prst="rect">
+            <a:avLst/>
+          </a:prstGeom>
+          <a:noFill/>
+          <a:ln>
+            <a:noFill/>
+          </a:ln>
+        </p:spPr>
+        <p:style>
+          <a:lnRef idx="0"/>
+          <a:fillRef idx="0"/>
+          <a:effectRef idx="0"/>
+          <a:fontRef idx="minor"/>
+        </p:style>
+        <p:txBody>
+          <a:bodyPr lIns="0" rIns="0" tIns="0" bIns="0"/>
+          <a:p>
+            <a:pPr marL="432000" indent="-323640">
+              <a:lnSpc>
+                <a:spcPct val="100000"/>
+              </a:lnSpc>
+              <a:buClr>
+                <a:srgbClr val="000000"/>
+              </a:buClr>
+              <a:buSzPct val="45000"/>
+              <a:buFont typeface="Wingdings" charset="2"/>
+              <a:buChar char=""/>
+            </a:pPr>
+            <a:r>
+              <a:rPr lang="en-US" sz="3200" spc="-1" strike="noStrike">
+                <a:solidFill>
+                  <a:srgbClr val="000000"/>
+                </a:solidFill>
+                <a:uFill>
+                  <a:solidFill>
+                    <a:srgbClr val="ffffff"/>
+                  </a:solidFill>
+                </a:uFill>
+                <a:latin typeface="Arial"/>
+              </a:rPr>
+              <a:t>Une réunion sera organisée une fois par semaine pour rendre compte de notre avancement.</a:t>
+            </a:r>
+            <a:endParaRPr lang="en-US" sz="1800" spc="-1" strike="noStrike">
+              <a:solidFill>
+                <a:srgbClr val="000000"/>
+              </a:solidFill>
+              <a:uFill>
+                <a:solidFill>
+                  <a:srgbClr val="ffffff"/>
+                </a:solidFill>
+              </a:uFill>
+              <a:latin typeface="Arial"/>
+            </a:endParaRPr>
+          </a:p>
+        </p:txBody>
+      </p:sp>
+    </p:spTree>
+  </p:cSld>
+  <p:timing>
+    <p:tnLst>
+      <p:par>
+        <p:cTn id="17" dur="indefinite" restart="never" nodeType="tmRoot">
+          <p:childTnLst>
+            <p:seq>
+              <p:cTn id="18" nodeType="mainSeq"/>
+              <p:prevCondLst>
+                <p:cond delay="0" evt="onPrev">
+                  <p:tgtEl>
+                    <p:sldTgt/>
+                  </p:tgtEl>
+                </p:cond>
+              </p:prevCondLst>
+              <p:nextCondLst>
+                <p:cond delay="0" evt="onNext">
+                  <p:tgtEl>
+                    <p:sldTgt/>
+                  </p:tgtEl>
+                </p:cond>
+              </p:nextCondLst>
+            </p:seq>
+          </p:childTnLst>
+        </p:cTn>
+      </p:par>
+    </p:tnLst>
+  </p:timing>
+</p:sld>
+</file>
+
+<file path=ppt/slides/slide12.xml><?xml version="1.0" encoding="utf-8"?>
+<p:sld xmlns:a="http://schemas.openxmlformats.org/drawingml/2006/main" xmlns:p="http://schemas.openxmlformats.org/presentationml/2006/main" xmlns:r="http://schemas.openxmlformats.org/officeDocument/2006/relationships">
+  <p:cSld>
+    <p:spTree>
+      <p:nvGrpSpPr>
+        <p:cNvPr id="1" name=""/>
+        <p:cNvGrpSpPr/>
+        <p:nvPr/>
+      </p:nvGrpSpPr>
+      <p:grpSpPr>
+        <a:xfrm>
+          <a:off x="0" y="0"/>
+          <a:ext cx="0" cy="0"/>
+          <a:chOff x="0" y="0"/>
+          <a:chExt cx="0" cy="0"/>
+        </a:xfrm>
+      </p:grpSpPr>
+      <p:sp>
+        <p:nvSpPr>
+          <p:cNvPr id="130" name="CustomShape 1"/>
+          <p:cNvSpPr/>
+          <p:nvPr/>
+        </p:nvSpPr>
+        <p:spPr>
+          <a:xfrm>
+            <a:off x="504000" y="301320"/>
+            <a:ext cx="9070920" cy="1261440"/>
+          </a:xfrm>
+          <a:prstGeom prst="rect">
+            <a:avLst/>
+          </a:prstGeom>
+          <a:noFill/>
+          <a:ln>
+            <a:noFill/>
+          </a:ln>
+        </p:spPr>
+        <p:style>
+          <a:lnRef idx="0"/>
+          <a:fillRef idx="0"/>
+          <a:effectRef idx="0"/>
+          <a:fontRef idx="minor"/>
+        </p:style>
+        <p:txBody>
+          <a:bodyPr lIns="0" rIns="0" tIns="0" bIns="0" anchor="ctr"/>
+          <a:p>
+            <a:pPr algn="ctr">
+              <a:lnSpc>
+                <a:spcPct val="100000"/>
+              </a:lnSpc>
+            </a:pPr>
+            <a:r>
+              <a:rPr lang="en-US" sz="4400" spc="-1" strike="noStrike">
+                <a:solidFill>
+                  <a:srgbClr val="000000"/>
+                </a:solidFill>
+                <a:uFill>
+                  <a:solidFill>
+                    <a:srgbClr val="ffffff"/>
+                  </a:solidFill>
+                </a:uFill>
+                <a:latin typeface="Arial"/>
+              </a:rPr>
+              <a:t>Gestion des livrables</a:t>
+            </a:r>
+            <a:endParaRPr lang="en-US" sz="1800" spc="-1" strike="noStrike">
+              <a:solidFill>
+                <a:srgbClr val="000000"/>
+              </a:solidFill>
+              <a:uFill>
+                <a:solidFill>
+                  <a:srgbClr val="ffffff"/>
+                </a:solidFill>
+              </a:uFill>
+              <a:latin typeface="Arial"/>
+            </a:endParaRPr>
+          </a:p>
+        </p:txBody>
+      </p:sp>
+      <p:sp>
+        <p:nvSpPr>
+          <p:cNvPr id="131" name="CustomShape 2"/>
+          <p:cNvSpPr/>
+          <p:nvPr/>
+        </p:nvSpPr>
+        <p:spPr>
+          <a:xfrm>
+            <a:off x="504000" y="1769040"/>
+            <a:ext cx="9070920" cy="4383720"/>
+          </a:xfrm>
+          <a:prstGeom prst="rect">
+            <a:avLst/>
+          </a:prstGeom>
+          <a:noFill/>
+          <a:ln>
+            <a:noFill/>
+          </a:ln>
+        </p:spPr>
+        <p:style>
+          <a:lnRef idx="0"/>
+          <a:fillRef idx="0"/>
+          <a:effectRef idx="0"/>
+          <a:fontRef idx="minor"/>
+        </p:style>
+        <p:txBody>
+          <a:bodyPr lIns="0" rIns="0" tIns="0" bIns="0"/>
+          <a:p>
+            <a:pPr marL="432000" indent="-323640">
+              <a:lnSpc>
+                <a:spcPct val="100000"/>
+              </a:lnSpc>
+              <a:buClr>
+                <a:srgbClr val="000000"/>
+              </a:buClr>
+              <a:buSzPct val="45000"/>
+              <a:buFont typeface="Wingdings" charset="2"/>
+              <a:buChar char=""/>
+            </a:pPr>
+            <a:r>
+              <a:rPr lang="en-US" sz="3200" spc="-1" strike="noStrike">
+                <a:solidFill>
+                  <a:srgbClr val="000000"/>
+                </a:solidFill>
+                <a:uFill>
+                  <a:solidFill>
+                    <a:srgbClr val="ffffff"/>
+                  </a:solidFill>
+                </a:uFill>
+                <a:latin typeface="Arial"/>
+              </a:rPr>
+              <a:t>Les livrables seront accessibles sur GitHub, et seront composés des documents avant-projet et du code source de l'application.</a:t>
+            </a:r>
+            <a:endParaRPr lang="en-US" sz="1800" spc="-1" strike="noStrike">
+              <a:solidFill>
+                <a:srgbClr val="000000"/>
+              </a:solidFill>
+              <a:uFill>
+                <a:solidFill>
+                  <a:srgbClr val="ffffff"/>
+                </a:solidFill>
+              </a:uFill>
+              <a:latin typeface="Arial"/>
+            </a:endParaRPr>
+          </a:p>
+        </p:txBody>
+      </p:sp>
+    </p:spTree>
+  </p:cSld>
+  <p:timing>
+    <p:tnLst>
+      <p:par>
+        <p:cTn id="19" dur="indefinite" restart="never" nodeType="tmRoot">
+          <p:childTnLst>
+            <p:seq>
+              <p:cTn id="20" nodeType="mainSeq"/>
+              <p:prevCondLst>
+                <p:cond delay="0" evt="onPrev">
+                  <p:tgtEl>
+                    <p:sldTgt/>
+                  </p:tgtEl>
+                </p:cond>
+              </p:prevCondLst>
+              <p:nextCondLst>
+                <p:cond delay="0" evt="onNext">
+                  <p:tgtEl>
+                    <p:sldTgt/>
+                  </p:tgtEl>
+                </p:cond>
+              </p:nextCondLst>
+            </p:seq>
+          </p:childTnLst>
+        </p:cTn>
+      </p:par>
+    </p:tnLst>
+  </p:timing>
+</p:sld>
+</file>
+
+<file path=ppt/slides/slide13.xml><?xml version="1.0" encoding="utf-8"?>
+<p:sld xmlns:a="http://schemas.openxmlformats.org/drawingml/2006/main" xmlns:p="http://schemas.openxmlformats.org/presentationml/2006/main" xmlns:r="http://schemas.openxmlformats.org/officeDocument/2006/relationships">
+  <p:cSld>
+    <p:spTree>
+      <p:nvGrpSpPr>
+        <p:cNvPr id="1" name=""/>
+        <p:cNvGrpSpPr/>
+        <p:nvPr/>
+      </p:nvGrpSpPr>
+      <p:grpSpPr>
+        <a:xfrm>
+          <a:off x="0" y="0"/>
+          <a:ext cx="0" cy="0"/>
+          <a:chOff x="0" y="0"/>
+          <a:chExt cx="0" cy="0"/>
+        </a:xfrm>
+      </p:grpSpPr>
+      <p:sp>
+        <p:nvSpPr>
+          <p:cNvPr id="132" name="TextShape 1"/>
+          <p:cNvSpPr txBox="1"/>
+          <p:nvPr/>
+        </p:nvSpPr>
+        <p:spPr>
+          <a:xfrm>
+            <a:off x="504000" y="301320"/>
+            <a:ext cx="9070920" cy="1261440"/>
+          </a:xfrm>
+          <a:prstGeom prst="rect">
+            <a:avLst/>
+          </a:prstGeom>
+          <a:noFill/>
+          <a:ln>
+            <a:noFill/>
+          </a:ln>
+        </p:spPr>
+        <p:txBody>
+          <a:bodyPr lIns="0" rIns="0" tIns="0" bIns="0" anchor="ctr"/>
+          <a:p>
+            <a:pPr algn="ctr"/>
+            <a:r>
+              <a:rPr lang="en-US" sz="4400" spc="-1" strike="noStrike">
+                <a:solidFill>
+                  <a:srgbClr val="000000"/>
+                </a:solidFill>
+                <a:uFill>
+                  <a:solidFill>
+                    <a:srgbClr val="ffffff"/>
+                  </a:solidFill>
+                </a:uFill>
+                <a:latin typeface="Arial"/>
+              </a:rPr>
+              <a:t>Environnement opérationnel</a:t>
+            </a:r>
+            <a:endParaRPr lang="en-US" sz="4400" spc="-1" strike="noStrike">
+              <a:solidFill>
+                <a:srgbClr val="000000"/>
+              </a:solidFill>
+              <a:uFill>
+                <a:solidFill>
+                  <a:srgbClr val="ffffff"/>
+                </a:solidFill>
+              </a:uFill>
+              <a:latin typeface="Arial"/>
+            </a:endParaRPr>
+          </a:p>
+        </p:txBody>
+      </p:sp>
+      <p:sp>
+        <p:nvSpPr>
+          <p:cNvPr id="133" name="TextShape 2"/>
+          <p:cNvSpPr txBox="1"/>
+          <p:nvPr/>
+        </p:nvSpPr>
+        <p:spPr>
+          <a:xfrm>
+            <a:off x="504000" y="1769040"/>
+            <a:ext cx="9070920" cy="4383720"/>
+          </a:xfrm>
+          <a:prstGeom prst="rect">
+            <a:avLst/>
+          </a:prstGeom>
+          <a:noFill/>
+          <a:ln>
+            <a:noFill/>
+          </a:ln>
+        </p:spPr>
+        <p:txBody>
+          <a:bodyPr lIns="0" rIns="0" tIns="0" bIns="0"/>
+          <a:p>
+            <a:r>
+              <a:rPr lang="en-US" sz="3200" spc="-1" strike="noStrike">
+                <a:solidFill>
+                  <a:srgbClr val="000000"/>
+                </a:solidFill>
+                <a:uFill>
+                  <a:solidFill>
+                    <a:srgbClr val="ffffff"/>
+                  </a:solidFill>
+                </a:uFill>
+                <a:latin typeface="Arial"/>
+              </a:rPr>
+              <a:t>L'application fonctionnera sous le framework Symfony avec une base de données Mysql. Notre application devra communiquer réguliérement avec Algolia pour la partie moteur de recherche.</a:t>
+            </a:r>
+            <a:endParaRPr lang="en-US" sz="3200" spc="-1" strike="noStrike">
+              <a:solidFill>
+                <a:srgbClr val="000000"/>
+              </a:solidFill>
+              <a:uFill>
+                <a:solidFill>
+                  <a:srgbClr val="ffffff"/>
+                </a:solidFill>
+              </a:uFill>
+              <a:latin typeface="Arial"/>
+            </a:endParaRPr>
+          </a:p>
+        </p:txBody>
+      </p:sp>
+    </p:spTree>
+  </p:cSld>
+</p:sld>
+</file>
+
+<file path=ppt/slides/slide14.xml><?xml version="1.0" encoding="utf-8"?>
+<p:sld xmlns:a="http://schemas.openxmlformats.org/drawingml/2006/main" xmlns:p="http://schemas.openxmlformats.org/presentationml/2006/main" xmlns:r="http://schemas.openxmlformats.org/officeDocument/2006/relationships">
+  <p:cSld>
+    <p:spTree>
+      <p:nvGrpSpPr>
+        <p:cNvPr id="1" name=""/>
+        <p:cNvGrpSpPr/>
+        <p:nvPr/>
+      </p:nvGrpSpPr>
+      <p:grpSpPr>
+        <a:xfrm>
+          <a:off x="0" y="0"/>
+          <a:ext cx="0" cy="0"/>
+          <a:chOff x="0" y="0"/>
+          <a:chExt cx="0" cy="0"/>
+        </a:xfrm>
+      </p:grpSpPr>
+      <p:sp>
+        <p:nvSpPr>
+          <p:cNvPr id="134" name="TextShape 1"/>
+          <p:cNvSpPr txBox="1"/>
+          <p:nvPr/>
+        </p:nvSpPr>
+        <p:spPr>
+          <a:xfrm>
+            <a:off x="504000" y="301320"/>
+            <a:ext cx="9070920" cy="1261440"/>
+          </a:xfrm>
+          <a:prstGeom prst="rect">
+            <a:avLst/>
+          </a:prstGeom>
+          <a:noFill/>
+          <a:ln>
+            <a:noFill/>
+          </a:ln>
+        </p:spPr>
+        <p:txBody>
+          <a:bodyPr lIns="0" rIns="0" tIns="0" bIns="0" anchor="ctr"/>
+          <a:p>
+            <a:pPr algn="ctr"/>
+            <a:r>
+              <a:rPr lang="en-US" sz="4400" spc="-1" strike="noStrike">
+                <a:solidFill>
+                  <a:srgbClr val="000000"/>
+                </a:solidFill>
+                <a:uFill>
+                  <a:solidFill>
+                    <a:srgbClr val="ffffff"/>
+                  </a:solidFill>
+                </a:uFill>
+                <a:latin typeface="Arial"/>
+              </a:rPr>
+              <a:t>Attributs de qualité</a:t>
+            </a:r>
+            <a:endParaRPr lang="en-US" sz="4400" spc="-1" strike="noStrike">
+              <a:solidFill>
+                <a:srgbClr val="000000"/>
+              </a:solidFill>
+              <a:uFill>
+                <a:solidFill>
+                  <a:srgbClr val="ffffff"/>
+                </a:solidFill>
+              </a:uFill>
+              <a:latin typeface="Arial"/>
+            </a:endParaRPr>
+          </a:p>
+        </p:txBody>
+      </p:sp>
+      <p:sp>
+        <p:nvSpPr>
+          <p:cNvPr id="135" name="TextShape 2"/>
+          <p:cNvSpPr txBox="1"/>
+          <p:nvPr/>
+        </p:nvSpPr>
+        <p:spPr>
+          <a:xfrm>
+            <a:off x="504000" y="1769040"/>
+            <a:ext cx="9070920" cy="4383720"/>
+          </a:xfrm>
+          <a:prstGeom prst="rect">
+            <a:avLst/>
+          </a:prstGeom>
+          <a:noFill/>
+          <a:ln>
+            <a:noFill/>
+          </a:ln>
+        </p:spPr>
+        <p:txBody>
+          <a:bodyPr lIns="0" rIns="0" tIns="0" bIns="0"/>
+          <a:p>
+            <a:r>
+              <a:rPr lang="en-US" sz="3200" spc="-1" strike="noStrike">
+                <a:solidFill>
+                  <a:srgbClr val="000000"/>
+                </a:solidFill>
+                <a:uFill>
+                  <a:solidFill>
+                    <a:srgbClr val="ffffff"/>
+                  </a:solidFill>
+                </a:uFill>
+                <a:latin typeface="Arial"/>
+              </a:rPr>
+              <a:t>Les attributs de qualité importants pour les utilisateurs sont :</a:t>
+            </a:r>
+            <a:endParaRPr lang="en-US" sz="3200" spc="-1" strike="noStrike">
+              <a:solidFill>
+                <a:srgbClr val="000000"/>
+              </a:solidFill>
+              <a:uFill>
+                <a:solidFill>
+                  <a:srgbClr val="ffffff"/>
+                </a:solidFill>
+              </a:uFill>
+              <a:latin typeface="Arial"/>
+            </a:endParaRPr>
+          </a:p>
+          <a:p>
+            <a:pPr marL="432000" indent="-324000">
+              <a:buClr>
+                <a:srgbClr val="000000"/>
+              </a:buClr>
+              <a:buSzPct val="45000"/>
+              <a:buFont typeface="Wingdings" charset="2"/>
+              <a:buChar char=""/>
+            </a:pPr>
+            <a:r>
+              <a:rPr lang="en-US" sz="3200" spc="-1" strike="noStrike">
+                <a:solidFill>
+                  <a:srgbClr val="000000"/>
+                </a:solidFill>
+                <a:uFill>
+                  <a:solidFill>
+                    <a:srgbClr val="ffffff"/>
+                  </a:solidFill>
+                </a:uFill>
+                <a:latin typeface="Arial"/>
+              </a:rPr>
+              <a:t>Disponibilité :  L'application sera disponible 24h/24h</a:t>
+            </a:r>
+            <a:endParaRPr lang="en-US" sz="3200" spc="-1" strike="noStrike">
+              <a:solidFill>
+                <a:srgbClr val="000000"/>
+              </a:solidFill>
+              <a:uFill>
+                <a:solidFill>
+                  <a:srgbClr val="ffffff"/>
+                </a:solidFill>
+              </a:uFill>
+              <a:latin typeface="Arial"/>
+            </a:endParaRPr>
+          </a:p>
+          <a:p>
+            <a:pPr marL="432000" indent="-324000">
+              <a:buClr>
+                <a:srgbClr val="000000"/>
+              </a:buClr>
+              <a:buSzPct val="45000"/>
+              <a:buFont typeface="Wingdings" charset="2"/>
+              <a:buChar char=""/>
+            </a:pPr>
+            <a:r>
+              <a:rPr lang="en-US" sz="3200" spc="-1" strike="noStrike">
+                <a:solidFill>
+                  <a:srgbClr val="000000"/>
+                </a:solidFill>
+                <a:uFill>
+                  <a:solidFill>
+                    <a:srgbClr val="ffffff"/>
+                  </a:solidFill>
+                </a:uFill>
+                <a:latin typeface="Arial"/>
+              </a:rPr>
+              <a:t>Interopérabilité : Echange de données avec Algolia ( moteur de recherche )</a:t>
+            </a:r>
+            <a:endParaRPr lang="en-US" sz="3200" spc="-1" strike="noStrike">
+              <a:solidFill>
+                <a:srgbClr val="000000"/>
+              </a:solidFill>
+              <a:uFill>
+                <a:solidFill>
+                  <a:srgbClr val="ffffff"/>
+                </a:solidFill>
+              </a:uFill>
+              <a:latin typeface="Arial"/>
+            </a:endParaRPr>
+          </a:p>
+          <a:p>
+            <a:pPr marL="432000" indent="-324000">
+              <a:buClr>
+                <a:srgbClr val="000000"/>
+              </a:buClr>
+              <a:buSzPct val="45000"/>
+              <a:buFont typeface="Wingdings" charset="2"/>
+              <a:buChar char=""/>
+            </a:pPr>
+            <a:r>
+              <a:rPr lang="en-US" sz="3200" spc="-1" strike="noStrike">
+                <a:solidFill>
+                  <a:srgbClr val="000000"/>
+                </a:solidFill>
+                <a:uFill>
+                  <a:solidFill>
+                    <a:srgbClr val="ffffff"/>
+                  </a:solidFill>
+                </a:uFill>
+                <a:latin typeface="Arial"/>
+              </a:rPr>
+              <a:t>Fiabilité :  Pas d'erreur 404</a:t>
+            </a:r>
+            <a:endParaRPr lang="en-US" sz="3200" spc="-1" strike="noStrike">
+              <a:solidFill>
+                <a:srgbClr val="000000"/>
+              </a:solidFill>
+              <a:uFill>
+                <a:solidFill>
+                  <a:srgbClr val="ffffff"/>
+                </a:solidFill>
+              </a:uFill>
+              <a:latin typeface="Arial"/>
+            </a:endParaRPr>
+          </a:p>
+          <a:p>
+            <a:pPr marL="432000" indent="-324000">
+              <a:buClr>
+                <a:srgbClr val="000000"/>
+              </a:buClr>
+              <a:buSzPct val="45000"/>
+              <a:buFont typeface="Wingdings" charset="2"/>
+              <a:buChar char=""/>
+            </a:pPr>
+            <a:r>
+              <a:rPr lang="en-US" sz="3200" spc="-1" strike="noStrike">
+                <a:solidFill>
+                  <a:srgbClr val="000000"/>
+                </a:solidFill>
+                <a:uFill>
+                  <a:solidFill>
+                    <a:srgbClr val="ffffff"/>
+                  </a:solidFill>
+                </a:uFill>
+                <a:latin typeface="Arial"/>
+              </a:rPr>
+              <a:t>Robustesse : Le moteur de recherche de l'application sera tolérant aux fautes.</a:t>
+            </a:r>
+            <a:endParaRPr lang="en-US" sz="3200" spc="-1" strike="noStrike">
+              <a:solidFill>
+                <a:srgbClr val="000000"/>
+              </a:solidFill>
+              <a:uFill>
+                <a:solidFill>
+                  <a:srgbClr val="ffffff"/>
+                </a:solidFill>
+              </a:uFill>
+              <a:latin typeface="Arial"/>
+            </a:endParaRPr>
+          </a:p>
+          <a:p>
+            <a:pPr marL="432000" indent="-324000">
+              <a:buClr>
+                <a:srgbClr val="000000"/>
+              </a:buClr>
+              <a:buSzPct val="45000"/>
+              <a:buFont typeface="Wingdings" charset="2"/>
+              <a:buChar char=""/>
+            </a:pPr>
+            <a:r>
+              <a:rPr lang="en-US" sz="3200" spc="-1" strike="noStrike">
+                <a:solidFill>
+                  <a:srgbClr val="000000"/>
+                </a:solidFill>
+                <a:uFill>
+                  <a:solidFill>
+                    <a:srgbClr val="ffffff"/>
+                  </a:solidFill>
+                </a:uFill>
+                <a:latin typeface="Arial"/>
+              </a:rPr>
+              <a:t>Utilisabilité : L'application sera simple d'utilisation</a:t>
+            </a:r>
+            <a:endParaRPr lang="en-US" sz="3200" spc="-1" strike="noStrike">
+              <a:solidFill>
+                <a:srgbClr val="000000"/>
+              </a:solidFill>
+              <a:uFill>
+                <a:solidFill>
+                  <a:srgbClr val="ffffff"/>
+                </a:solidFill>
+              </a:uFill>
+              <a:latin typeface="Arial"/>
+            </a:endParaRPr>
+          </a:p>
+          <a:p>
+            <a:pPr marL="432000" indent="-324000">
+              <a:buClr>
+                <a:srgbClr val="000000"/>
+              </a:buClr>
+              <a:buSzPct val="45000"/>
+              <a:buFont typeface="Wingdings" charset="2"/>
+              <a:buChar char=""/>
+            </a:pPr>
+            <a:r>
+              <a:rPr lang="en-US" sz="3200" spc="-1" strike="noStrike">
+                <a:solidFill>
+                  <a:srgbClr val="000000"/>
+                </a:solidFill>
+                <a:uFill>
+                  <a:solidFill>
+                    <a:srgbClr val="ffffff"/>
+                  </a:solidFill>
+                </a:uFill>
+                <a:latin typeface="Arial"/>
+              </a:rPr>
+              <a:t>Sécurité :  L'application protégera les comptes des utilisateurs et leurs données, notamment en cryptant les mots de passes des utilisateurs .</a:t>
+            </a:r>
+            <a:endParaRPr lang="en-US" sz="3200" spc="-1" strike="noStrike">
+              <a:solidFill>
+                <a:srgbClr val="000000"/>
+              </a:solidFill>
+              <a:uFill>
+                <a:solidFill>
+                  <a:srgbClr val="ffffff"/>
+                </a:solidFill>
+              </a:uFill>
+              <a:latin typeface="Arial"/>
+            </a:endParaRPr>
+          </a:p>
+          <a:p>
+            <a:r>
+              <a:rPr lang="en-US" sz="3200" spc="-1" strike="noStrike">
+                <a:solidFill>
+                  <a:srgbClr val="000000"/>
+                </a:solidFill>
+                <a:uFill>
+                  <a:solidFill>
+                    <a:srgbClr val="ffffff"/>
+                  </a:solidFill>
+                </a:uFill>
+                <a:latin typeface="Arial"/>
+              </a:rPr>
+              <a:t>Les attributs de qualité importants pour les développeurs sont :</a:t>
+            </a:r>
+            <a:endParaRPr lang="en-US" sz="3200" spc="-1" strike="noStrike">
+              <a:solidFill>
+                <a:srgbClr val="000000"/>
+              </a:solidFill>
+              <a:uFill>
+                <a:solidFill>
+                  <a:srgbClr val="ffffff"/>
+                </a:solidFill>
+              </a:uFill>
+              <a:latin typeface="Arial"/>
+            </a:endParaRPr>
+          </a:p>
+          <a:p>
+            <a:pPr marL="432000" indent="-324000">
+              <a:buClr>
+                <a:srgbClr val="000000"/>
+              </a:buClr>
+              <a:buSzPct val="45000"/>
+              <a:buFont typeface="Wingdings" charset="2"/>
+              <a:buChar char=""/>
+            </a:pPr>
+            <a:r>
+              <a:rPr lang="en-US" sz="3200" spc="-1" strike="noStrike">
+                <a:solidFill>
+                  <a:srgbClr val="000000"/>
+                </a:solidFill>
+                <a:uFill>
+                  <a:solidFill>
+                    <a:srgbClr val="ffffff"/>
+                  </a:solidFill>
+                </a:uFill>
+                <a:latin typeface="Arial"/>
+              </a:rPr>
+              <a:t>Maintenabilité :  Il sera simple de faire évoluer l'application notamment avec du versionning.</a:t>
+            </a:r>
+            <a:endParaRPr lang="en-US" sz="3200" spc="-1" strike="noStrike">
+              <a:solidFill>
+                <a:srgbClr val="000000"/>
+              </a:solidFill>
+              <a:uFill>
+                <a:solidFill>
+                  <a:srgbClr val="ffffff"/>
+                </a:solidFill>
+              </a:uFill>
+              <a:latin typeface="Arial"/>
+            </a:endParaRPr>
+          </a:p>
+          <a:p>
+            <a:pPr marL="432000" indent="-324000">
+              <a:buClr>
+                <a:srgbClr val="000000"/>
+              </a:buClr>
+              <a:buSzPct val="45000"/>
+              <a:buFont typeface="Wingdings" charset="2"/>
+              <a:buChar char=""/>
+            </a:pPr>
+            <a:r>
+              <a:rPr lang="en-US" sz="3200" spc="-1" strike="noStrike">
+                <a:solidFill>
+                  <a:srgbClr val="000000"/>
+                </a:solidFill>
+                <a:uFill>
+                  <a:solidFill>
+                    <a:srgbClr val="ffffff"/>
+                  </a:solidFill>
+                </a:uFill>
+                <a:latin typeface="Arial"/>
+              </a:rPr>
+              <a:t>Testabilité : Des test unitaires seront implémentés</a:t>
+            </a:r>
+            <a:endParaRPr lang="en-US" sz="3200" spc="-1" strike="noStrike">
+              <a:solidFill>
+                <a:srgbClr val="000000"/>
+              </a:solidFill>
+              <a:uFill>
+                <a:solidFill>
+                  <a:srgbClr val="ffffff"/>
+                </a:solidFill>
+              </a:uFill>
+              <a:latin typeface="Arial"/>
+            </a:endParaRPr>
+          </a:p>
+        </p:txBody>
+      </p:sp>
+    </p:spTree>
+  </p:cSld>
+</p:sld>
+</file>
+
+<file path=ppt/slides/slide15.xml><?xml version="1.0" encoding="utf-8"?>
+<p:sld xmlns:a="http://schemas.openxmlformats.org/drawingml/2006/main" xmlns:p="http://schemas.openxmlformats.org/presentationml/2006/main" xmlns:r="http://schemas.openxmlformats.org/officeDocument/2006/relationships">
+  <p:cSld>
+    <p:spTree>
+      <p:nvGrpSpPr>
+        <p:cNvPr id="1" name=""/>
+        <p:cNvGrpSpPr/>
+        <p:nvPr/>
+      </p:nvGrpSpPr>
+      <p:grpSpPr>
+        <a:xfrm>
+          <a:off x="0" y="0"/>
+          <a:ext cx="0" cy="0"/>
+          <a:chOff x="0" y="0"/>
+          <a:chExt cx="0" cy="0"/>
+        </a:xfrm>
+      </p:grpSpPr>
+      <p:sp>
+        <p:nvSpPr>
+          <p:cNvPr id="136" name="TextShape 1"/>
+          <p:cNvSpPr txBox="1"/>
+          <p:nvPr/>
+        </p:nvSpPr>
+        <p:spPr>
+          <a:xfrm>
+            <a:off x="504000" y="296640"/>
+            <a:ext cx="9070920" cy="1271160"/>
+          </a:xfrm>
+          <a:prstGeom prst="rect">
+            <a:avLst/>
+          </a:prstGeom>
+          <a:noFill/>
+          <a:ln>
+            <a:noFill/>
+          </a:ln>
+        </p:spPr>
+        <p:txBody>
+          <a:bodyPr lIns="0" rIns="0" tIns="0" bIns="0" anchor="ctr"/>
+          <a:p>
+            <a:pPr algn="ctr"/>
+            <a:r>
+              <a:rPr lang="en-US" sz="4400" spc="-1" strike="noStrike">
+                <a:solidFill>
+                  <a:srgbClr val="000000"/>
+                </a:solidFill>
+                <a:uFill>
+                  <a:solidFill>
+                    <a:srgbClr val="ffffff"/>
+                  </a:solidFill>
+                </a:uFill>
+                <a:latin typeface="Arial"/>
+              </a:rPr>
+              <a:t>Contraintes de conception et d'implémentation</a:t>
+            </a:r>
+            <a:endParaRPr lang="en-US" sz="4400" spc="-1" strike="noStrike">
+              <a:solidFill>
+                <a:srgbClr val="000000"/>
+              </a:solidFill>
+              <a:uFill>
+                <a:solidFill>
+                  <a:srgbClr val="ffffff"/>
+                </a:solidFill>
+              </a:uFill>
+              <a:latin typeface="Arial"/>
+            </a:endParaRPr>
+          </a:p>
+        </p:txBody>
+      </p:sp>
+      <p:sp>
+        <p:nvSpPr>
+          <p:cNvPr id="137" name="TextShape 2"/>
+          <p:cNvSpPr txBox="1"/>
+          <p:nvPr/>
+        </p:nvSpPr>
+        <p:spPr>
+          <a:xfrm>
+            <a:off x="504000" y="1769040"/>
+            <a:ext cx="9070920" cy="4383720"/>
+          </a:xfrm>
+          <a:prstGeom prst="rect">
+            <a:avLst/>
+          </a:prstGeom>
+          <a:noFill/>
+          <a:ln>
+            <a:noFill/>
+          </a:ln>
+        </p:spPr>
+        <p:txBody>
+          <a:bodyPr lIns="0" rIns="0" tIns="0" bIns="0"/>
+          <a:p>
+            <a:pPr marL="432000" indent="-324000">
+              <a:buClr>
+                <a:srgbClr val="000000"/>
+              </a:buClr>
+              <a:buSzPct val="45000"/>
+              <a:buFont typeface="Wingdings" charset="2"/>
+              <a:buChar char=""/>
+            </a:pPr>
+            <a:r>
+              <a:rPr lang="en-US" sz="3200" spc="-1" strike="noStrike">
+                <a:solidFill>
+                  <a:srgbClr val="000000"/>
+                </a:solidFill>
+                <a:uFill>
+                  <a:solidFill>
+                    <a:srgbClr val="ffffff"/>
+                  </a:solidFill>
+                </a:uFill>
+                <a:latin typeface="Arial"/>
+              </a:rPr>
+              <a:t>Site web en responsive design ( disponible sur smartphone, tablette et ordinateur)</a:t>
+            </a:r>
+            <a:endParaRPr lang="en-US" sz="3200" spc="-1" strike="noStrike">
+              <a:solidFill>
+                <a:srgbClr val="000000"/>
+              </a:solidFill>
+              <a:uFill>
+                <a:solidFill>
+                  <a:srgbClr val="ffffff"/>
+                </a:solidFill>
+              </a:uFill>
+              <a:latin typeface="Arial"/>
+            </a:endParaRPr>
+          </a:p>
+          <a:p>
+            <a:pPr marL="432000" indent="-324000">
+              <a:buClr>
+                <a:srgbClr val="000000"/>
+              </a:buClr>
+              <a:buSzPct val="45000"/>
+              <a:buFont typeface="Wingdings" charset="2"/>
+              <a:buChar char=""/>
+            </a:pPr>
+            <a:r>
+              <a:rPr lang="en-US" sz="3200" spc="-1" strike="noStrike">
+                <a:solidFill>
+                  <a:srgbClr val="000000"/>
+                </a:solidFill>
+                <a:uFill>
+                  <a:solidFill>
+                    <a:srgbClr val="ffffff"/>
+                  </a:solidFill>
+                </a:uFill>
+                <a:latin typeface="Arial"/>
+              </a:rPr>
+              <a:t>Mise en production sur l'infrastructure d'amazon web services</a:t>
+            </a:r>
+            <a:endParaRPr lang="en-US" sz="3200" spc="-1" strike="noStrike">
+              <a:solidFill>
+                <a:srgbClr val="000000"/>
+              </a:solidFill>
+              <a:uFill>
+                <a:solidFill>
+                  <a:srgbClr val="ffffff"/>
+                </a:solidFill>
+              </a:uFill>
+              <a:latin typeface="Arial"/>
+            </a:endParaRPr>
+          </a:p>
+          <a:p>
+            <a:pPr marL="432000" indent="-324000">
+              <a:buClr>
+                <a:srgbClr val="000000"/>
+              </a:buClr>
+              <a:buSzPct val="45000"/>
+              <a:buFont typeface="Wingdings" charset="2"/>
+              <a:buChar char=""/>
+            </a:pPr>
+            <a:r>
+              <a:rPr lang="en-US" sz="3200" spc="-1" strike="noStrike">
+                <a:solidFill>
+                  <a:srgbClr val="000000"/>
+                </a:solidFill>
+                <a:uFill>
+                  <a:solidFill>
+                    <a:srgbClr val="ffffff"/>
+                  </a:solidFill>
+                </a:uFill>
+                <a:latin typeface="Arial"/>
+              </a:rPr>
+              <a:t>Implémentation de composants css orienté objet</a:t>
+            </a:r>
+            <a:endParaRPr lang="en-US" sz="3200" spc="-1" strike="noStrike">
+              <a:solidFill>
+                <a:srgbClr val="000000"/>
+              </a:solidFill>
+              <a:uFill>
+                <a:solidFill>
+                  <a:srgbClr val="ffffff"/>
+                </a:solidFill>
+              </a:uFill>
+              <a:latin typeface="Arial"/>
+            </a:endParaRPr>
+          </a:p>
+          <a:p>
+            <a:endParaRPr lang="en-US" sz="3200" spc="-1" strike="noStrike">
+              <a:solidFill>
+                <a:srgbClr val="000000"/>
+              </a:solidFill>
+              <a:uFill>
+                <a:solidFill>
+                  <a:srgbClr val="ffffff"/>
+                </a:solidFill>
+              </a:uFill>
+              <a:latin typeface="Arial"/>
+            </a:endParaRPr>
+          </a:p>
+        </p:txBody>
+      </p:sp>
+    </p:spTree>
+  </p:cSld>
+</p:sld>
+</file>
+
+<file path=ppt/slides/slide16.xml><?xml version="1.0" encoding="utf-8"?>
+<p:sld xmlns:a="http://schemas.openxmlformats.org/drawingml/2006/main" xmlns:p="http://schemas.openxmlformats.org/presentationml/2006/main" xmlns:r="http://schemas.openxmlformats.org/officeDocument/2006/relationships">
+  <p:cSld>
+    <p:spTree>
+      <p:nvGrpSpPr>
+        <p:cNvPr id="1" name=""/>
+        <p:cNvGrpSpPr/>
+        <p:nvPr/>
+      </p:nvGrpSpPr>
+      <p:grpSpPr>
+        <a:xfrm>
+          <a:off x="0" y="0"/>
+          <a:ext cx="0" cy="0"/>
+          <a:chOff x="0" y="0"/>
+          <a:chExt cx="0" cy="0"/>
+        </a:xfrm>
+      </p:grpSpPr>
+      <p:sp>
+        <p:nvSpPr>
+          <p:cNvPr id="138" name="TextShape 1"/>
+          <p:cNvSpPr txBox="1"/>
+          <p:nvPr/>
+        </p:nvSpPr>
+        <p:spPr>
+          <a:xfrm>
+            <a:off x="504000" y="301320"/>
+            <a:ext cx="9070920" cy="1261440"/>
+          </a:xfrm>
+          <a:prstGeom prst="rect">
+            <a:avLst/>
+          </a:prstGeom>
+          <a:noFill/>
+          <a:ln>
+            <a:noFill/>
+          </a:ln>
+        </p:spPr>
+        <p:txBody>
+          <a:bodyPr lIns="0" rIns="0" tIns="0" bIns="0" anchor="ctr"/>
+          <a:p>
+            <a:pPr algn="ctr"/>
+            <a:r>
+              <a:rPr lang="fr-FR" sz="4400" spc="-1" strike="noStrike">
+                <a:solidFill>
+                  <a:srgbClr val="000000"/>
+                </a:solidFill>
+                <a:uFill>
+                  <a:solidFill>
+                    <a:srgbClr val="ffffff"/>
+                  </a:solidFill>
+                </a:uFill>
+                <a:latin typeface="Arial"/>
+              </a:rPr>
+              <a:t>Missions pour la prochaine itération</a:t>
+            </a:r>
+            <a:endParaRPr lang="en-US" sz="4400" spc="-1" strike="noStrike">
+              <a:solidFill>
+                <a:srgbClr val="000000"/>
+              </a:solidFill>
+              <a:uFill>
+                <a:solidFill>
+                  <a:srgbClr val="ffffff"/>
+                </a:solidFill>
+              </a:uFill>
+              <a:latin typeface="Arial"/>
+            </a:endParaRPr>
+          </a:p>
+        </p:txBody>
+      </p:sp>
+      <p:sp>
+        <p:nvSpPr>
+          <p:cNvPr id="139" name="TextShape 2"/>
+          <p:cNvSpPr txBox="1"/>
+          <p:nvPr/>
+        </p:nvSpPr>
+        <p:spPr>
+          <a:xfrm>
+            <a:off x="504000" y="1769040"/>
+            <a:ext cx="9070920" cy="4383720"/>
+          </a:xfrm>
+          <a:prstGeom prst="rect">
+            <a:avLst/>
+          </a:prstGeom>
+          <a:noFill/>
+          <a:ln>
+            <a:noFill/>
+          </a:ln>
+        </p:spPr>
+        <p:txBody>
+          <a:bodyPr lIns="0" rIns="0" tIns="0" bIns="0"/>
+          <a:p>
+            <a:pPr marL="432000" indent="-324000">
+              <a:buClr>
+                <a:srgbClr val="000000"/>
+              </a:buClr>
+              <a:buSzPct val="45000"/>
+              <a:buFont typeface="Wingdings" charset="2"/>
+              <a:buChar char=""/>
+            </a:pPr>
+            <a:r>
+              <a:rPr lang="fr-FR" sz="3200" spc="-1" strike="noStrike">
+                <a:solidFill>
+                  <a:srgbClr val="000000"/>
+                </a:solidFill>
+                <a:uFill>
+                  <a:solidFill>
+                    <a:srgbClr val="ffffff"/>
+                  </a:solidFill>
+                </a:uFill>
+                <a:latin typeface="Arial"/>
+              </a:rPr>
+              <a:t>Créer l'intégralité du design visuel</a:t>
+            </a:r>
+            <a:endParaRPr lang="en-US" sz="3200" spc="-1" strike="noStrike">
+              <a:solidFill>
+                <a:srgbClr val="000000"/>
+              </a:solidFill>
+              <a:uFill>
+                <a:solidFill>
+                  <a:srgbClr val="ffffff"/>
+                </a:solidFill>
+              </a:uFill>
+              <a:latin typeface="Arial"/>
+            </a:endParaRPr>
+          </a:p>
+          <a:p>
+            <a:pPr marL="432000" indent="-324000">
+              <a:buClr>
+                <a:srgbClr val="000000"/>
+              </a:buClr>
+              <a:buSzPct val="45000"/>
+              <a:buFont typeface="Wingdings" charset="2"/>
+              <a:buChar char=""/>
+            </a:pPr>
+            <a:r>
+              <a:rPr lang="fr-FR" sz="3200" spc="-1" strike="noStrike">
+                <a:solidFill>
+                  <a:srgbClr val="000000"/>
+                </a:solidFill>
+                <a:uFill>
+                  <a:solidFill>
+                    <a:srgbClr val="ffffff"/>
+                  </a:solidFill>
+                </a:uFill>
+                <a:latin typeface="Arial"/>
+              </a:rPr>
+              <a:t>Gestion des utilisateurs</a:t>
+            </a:r>
+            <a:endParaRPr lang="en-US" sz="3200" spc="-1" strike="noStrike">
+              <a:solidFill>
+                <a:srgbClr val="000000"/>
+              </a:solidFill>
+              <a:uFill>
+                <a:solidFill>
+                  <a:srgbClr val="ffffff"/>
+                </a:solidFill>
+              </a:uFill>
+              <a:latin typeface="Arial"/>
+            </a:endParaRPr>
+          </a:p>
+          <a:p>
+            <a:pPr marL="432000" indent="-324000">
+              <a:buClr>
+                <a:srgbClr val="000000"/>
+              </a:buClr>
+              <a:buSzPct val="45000"/>
+              <a:buFont typeface="Wingdings" charset="2"/>
+              <a:buChar char=""/>
+            </a:pPr>
+            <a:r>
+              <a:rPr lang="fr-FR" sz="3200" spc="-1" strike="noStrike">
+                <a:solidFill>
+                  <a:srgbClr val="000000"/>
+                </a:solidFill>
+                <a:uFill>
+                  <a:solidFill>
+                    <a:srgbClr val="ffffff"/>
+                  </a:solidFill>
+                </a:uFill>
+                <a:latin typeface="Arial"/>
+              </a:rPr>
+              <a:t>Au moins 2 types d'exercices fonctionnels</a:t>
+            </a:r>
+            <a:endParaRPr lang="en-US" sz="3200" spc="-1" strike="noStrike">
+              <a:solidFill>
+                <a:srgbClr val="000000"/>
+              </a:solidFill>
+              <a:uFill>
+                <a:solidFill>
+                  <a:srgbClr val="ffffff"/>
+                </a:solidFill>
+              </a:uFill>
+              <a:latin typeface="Arial"/>
+            </a:endParaRPr>
+          </a:p>
+          <a:p>
+            <a:pPr marL="432000" indent="-324000">
+              <a:buClr>
+                <a:srgbClr val="000000"/>
+              </a:buClr>
+              <a:buSzPct val="45000"/>
+              <a:buFont typeface="Wingdings" charset="2"/>
+              <a:buChar char=""/>
+            </a:pPr>
+            <a:r>
+              <a:rPr lang="fr-FR" sz="3200" spc="-1" strike="noStrike">
+                <a:solidFill>
+                  <a:srgbClr val="000000"/>
+                </a:solidFill>
+                <a:uFill>
+                  <a:solidFill>
+                    <a:srgbClr val="ffffff"/>
+                  </a:solidFill>
+                </a:uFill>
+                <a:latin typeface="Arial"/>
+              </a:rPr>
+              <a:t>Page de contact du staff</a:t>
+            </a:r>
+            <a:endParaRPr lang="en-US" sz="3200" spc="-1" strike="noStrike">
+              <a:solidFill>
+                <a:srgbClr val="000000"/>
+              </a:solidFill>
+              <a:uFill>
+                <a:solidFill>
+                  <a:srgbClr val="ffffff"/>
+                </a:solidFill>
+              </a:uFill>
+              <a:latin typeface="Arial"/>
+            </a:endParaRPr>
+          </a:p>
+          <a:p>
+            <a:pPr marL="432000" indent="-324000">
+              <a:buClr>
+                <a:srgbClr val="000000"/>
+              </a:buClr>
+              <a:buSzPct val="45000"/>
+              <a:buFont typeface="Wingdings" charset="2"/>
+              <a:buChar char=""/>
+            </a:pPr>
+            <a:r>
+              <a:rPr lang="fr-FR" sz="3200" spc="-1" strike="noStrike">
+                <a:solidFill>
+                  <a:srgbClr val="000000"/>
+                </a:solidFill>
+                <a:uFill>
+                  <a:solidFill>
+                    <a:srgbClr val="ffffff"/>
+                  </a:solidFill>
+                </a:uFill>
+                <a:latin typeface="Arial"/>
+              </a:rPr>
+              <a:t>Système de gestion des points de l'utilisateur</a:t>
+            </a:r>
+            <a:endParaRPr lang="en-US" sz="3200" spc="-1" strike="noStrike">
+              <a:solidFill>
+                <a:srgbClr val="000000"/>
+              </a:solidFill>
+              <a:uFill>
+                <a:solidFill>
+                  <a:srgbClr val="ffffff"/>
+                </a:solidFill>
+              </a:uFill>
+              <a:latin typeface="Arial"/>
+            </a:endParaRPr>
+          </a:p>
+        </p:txBody>
+      </p:sp>
+    </p:spTree>
+  </p:cSld>
+</p:sld>
+</file>
+
 <file path=ppt/slides/slide2.xml><?xml version="1.0" encoding="utf-8"?>
 <p:sld xmlns:a="http://schemas.openxmlformats.org/drawingml/2006/main" xmlns:p="http://schemas.openxmlformats.org/presentationml/2006/main" xmlns:r="http://schemas.openxmlformats.org/officeDocument/2006/relationships">
   <p:cSld>
@@ -3838,14 +7291,14 @@
       </p:grpSpPr>
       <p:sp>
         <p:nvSpPr>
-          <p:cNvPr id="74" name="CustomShape 1"/>
+          <p:cNvPr id="110" name="CustomShape 1"/>
           <p:cNvSpPr/>
           <p:nvPr/>
         </p:nvSpPr>
         <p:spPr>
           <a:xfrm>
             <a:off x="504000" y="301320"/>
-            <a:ext cx="9071280" cy="1261800"/>
+            <a:ext cx="9070920" cy="1261440"/>
           </a:xfrm>
           <a:prstGeom prst="rect">
             <a:avLst/>
@@ -3880,6 +7333,7 @@
                   </a:solidFill>
                 </a:uFill>
                 <a:latin typeface="Arial"/>
+                <a:ea typeface="DejaVu Sans"/>
               </a:rPr>
               <a:t>Le projet</a:t>
             </a:r>
@@ -3899,14 +7353,14 @@
       </p:sp>
       <p:sp>
         <p:nvSpPr>
-          <p:cNvPr id="75" name="CustomShape 2"/>
+          <p:cNvPr id="111" name="CustomShape 2"/>
           <p:cNvSpPr/>
           <p:nvPr/>
         </p:nvSpPr>
         <p:spPr>
           <a:xfrm>
             <a:off x="504000" y="1769040"/>
-            <a:ext cx="9071280" cy="4384080"/>
+            <a:ext cx="9070920" cy="4383720"/>
           </a:xfrm>
           <a:prstGeom prst="rect">
             <a:avLst/>
@@ -3925,7 +7379,7 @@
         <p:txBody>
           <a:bodyPr lIns="0" rIns="0" tIns="0" bIns="0"/>
           <a:p>
-            <a:pPr marL="432000" indent="-323640">
+            <a:pPr marL="432000" indent="-323280">
               <a:lnSpc>
                 <a:spcPct val="100000"/>
               </a:lnSpc>
@@ -3947,6 +7401,7 @@
                   </a:solidFill>
                 </a:uFill>
                 <a:latin typeface="Arial"/>
+                <a:ea typeface="DejaVu Sans"/>
               </a:rPr>
               <a:t>Nous avons constaté qu’il existait très peu d'applications linguistiques gratuites.</a:t>
             </a:r>
@@ -3963,7 +7418,7 @@
             </a:endParaRPr>
           </a:p>
           <a:p>
-            <a:pPr marL="432000" indent="-323640">
+            <a:pPr marL="432000" indent="-323280">
               <a:lnSpc>
                 <a:spcPct val="100000"/>
               </a:lnSpc>
@@ -3985,6 +7440,7 @@
                   </a:solidFill>
                 </a:uFill>
                 <a:latin typeface="Arial"/>
+                <a:ea typeface="DejaVu Sans"/>
               </a:rPr>
               <a:t>Nous souhaitons donc créer une application linguistique centrée autour d'exercices interactifs.</a:t>
             </a:r>
@@ -4053,14 +7509,14 @@
       </p:grpSpPr>
       <p:sp>
         <p:nvSpPr>
-          <p:cNvPr id="76" name="TextShape 1"/>
-          <p:cNvSpPr txBox="1"/>
+          <p:cNvPr id="112" name="CustomShape 1"/>
+          <p:cNvSpPr/>
           <p:nvPr/>
         </p:nvSpPr>
         <p:spPr>
           <a:xfrm>
             <a:off x="504000" y="301320"/>
-            <a:ext cx="9071280" cy="1261800"/>
+            <a:ext cx="9070920" cy="1261440"/>
           </a:xfrm>
           <a:prstGeom prst="rect">
             <a:avLst/>
@@ -4070,10 +7526,20 @@
             <a:noFill/>
           </a:ln>
         </p:spPr>
+        <p:style>
+          <a:lnRef idx="0"/>
+          <a:fillRef idx="0"/>
+          <a:effectRef idx="0"/>
+          <a:fontRef idx="minor"/>
+        </p:style>
         <p:txBody>
           <a:bodyPr lIns="0" rIns="0" tIns="0" bIns="0" anchor="ctr"/>
           <a:p>
-            <a:pPr algn="ctr"/>
+            <a:pPr algn="ctr">
+              <a:lnSpc>
+                <a:spcPct val="100000"/>
+              </a:lnSpc>
+            </a:pPr>
             <a:r>
               <a:rPr lang="en-US" sz="4400" spc="-1" strike="noStrike">
                 <a:solidFill>
@@ -4086,32 +7552,32 @@
                 </a:uFill>
                 <a:latin typeface="Arial"/>
               </a:rPr>
-              <a:t>Parties prenantes</a:t>
+              <a:t>Mission</a:t>
             </a:r>
-            <a:endParaRPr lang="en-US" sz="4400" spc="-1" strike="noStrike">
-              <a:solidFill>
-                <a:srgbClr val="000000"/>
-              </a:solidFill>
-              <a:uFill>
-                <a:solidFill>
-                  <a:srgbClr val="ffffff"/>
-                </a:solidFill>
-              </a:uFill>
-              <a:latin typeface="Arial"/>
-            </a:endParaRPr>
-          </a:p>
-        </p:txBody>
-      </p:sp>
-      <p:sp>
-        <p:nvSpPr>
-          <p:cNvPr id="77" name="TextShape 2"/>
-          <p:cNvSpPr txBox="1"/>
+            <a:endParaRPr lang="en-US" sz="1800" spc="-1" strike="noStrike">
+              <a:solidFill>
+                <a:srgbClr val="000000"/>
+              </a:solidFill>
+              <a:uFill>
+                <a:solidFill>
+                  <a:srgbClr val="ffffff"/>
+                </a:solidFill>
+              </a:uFill>
+              <a:latin typeface="Arial"/>
+            </a:endParaRPr>
+          </a:p>
+        </p:txBody>
+      </p:sp>
+      <p:sp>
+        <p:nvSpPr>
+          <p:cNvPr id="113" name="CustomShape 2"/>
+          <p:cNvSpPr/>
           <p:nvPr/>
         </p:nvSpPr>
         <p:spPr>
           <a:xfrm>
             <a:off x="504000" y="1769040"/>
-            <a:ext cx="9071280" cy="4384080"/>
+            <a:ext cx="9070920" cy="4383720"/>
           </a:xfrm>
           <a:prstGeom prst="rect">
             <a:avLst/>
@@ -4121,10 +7587,19 @@
             <a:noFill/>
           </a:ln>
         </p:spPr>
+        <p:style>
+          <a:lnRef idx="0"/>
+          <a:fillRef idx="0"/>
+          <a:effectRef idx="0"/>
+          <a:fontRef idx="minor"/>
+        </p:style>
         <p:txBody>
           <a:bodyPr lIns="0" rIns="0" tIns="0" bIns="0"/>
           <a:p>
-            <a:pPr marL="432000" indent="-324000">
+            <a:pPr marL="432000" indent="-323640">
+              <a:lnSpc>
+                <a:spcPct val="100000"/>
+              </a:lnSpc>
               <a:buClr>
                 <a:srgbClr val="000000"/>
               </a:buClr>
@@ -4144,324 +7619,9 @@
                 </a:uFill>
                 <a:latin typeface="Arial"/>
               </a:rPr>
-              <a:t>Grandiere Antoine</a:t>
+              <a:t>Nous voulons créer une application web pour mobile, tablette et ordinateur, permettant de créer facilement des exercices interactifs en anglais et les réviser.</a:t>
             </a:r>
-            <a:endParaRPr lang="en-US" sz="3200" spc="-1" strike="noStrike">
-              <a:solidFill>
-                <a:srgbClr val="000000"/>
-              </a:solidFill>
-              <a:uFill>
-                <a:solidFill>
-                  <a:srgbClr val="ffffff"/>
-                </a:solidFill>
-              </a:uFill>
-              <a:latin typeface="Arial"/>
-            </a:endParaRPr>
-          </a:p>
-          <a:p>
-            <a:pPr lvl="1" marL="864000" indent="-324000">
-              <a:buClr>
-                <a:srgbClr val="000000"/>
-              </a:buClr>
-              <a:buSzPct val="75000"/>
-              <a:buFont typeface="Symbol" charset="2"/>
-              <a:buChar char=""/>
-            </a:pPr>
-            <a:r>
-              <a:rPr lang="en-US" sz="2800" spc="-1" strike="noStrike">
-                <a:solidFill>
-                  <a:srgbClr val="000000"/>
-                </a:solidFill>
-                <a:uFill>
-                  <a:solidFill>
-                    <a:srgbClr val="ffffff"/>
-                  </a:solidFill>
-                </a:uFill>
-                <a:latin typeface="Arial"/>
-              </a:rPr>
-              <a:t>MOA et MOE</a:t>
-            </a:r>
-            <a:endParaRPr lang="en-US" sz="2800" spc="-1" strike="noStrike">
-              <a:solidFill>
-                <a:srgbClr val="000000"/>
-              </a:solidFill>
-              <a:uFill>
-                <a:solidFill>
-                  <a:srgbClr val="ffffff"/>
-                </a:solidFill>
-              </a:uFill>
-              <a:latin typeface="Arial"/>
-            </a:endParaRPr>
-          </a:p>
-          <a:p>
-            <a:pPr lvl="1" marL="864000" indent="-324000">
-              <a:buClr>
-                <a:srgbClr val="000000"/>
-              </a:buClr>
-              <a:buSzPct val="75000"/>
-              <a:buFont typeface="Symbol" charset="2"/>
-              <a:buChar char=""/>
-            </a:pPr>
-            <a:r>
-              <a:rPr lang="en-US" sz="2800" spc="-1" strike="noStrike">
-                <a:solidFill>
-                  <a:srgbClr val="000000"/>
-                </a:solidFill>
-                <a:uFill>
-                  <a:solidFill>
-                    <a:srgbClr val="ffffff"/>
-                  </a:solidFill>
-                </a:uFill>
-                <a:latin typeface="Arial"/>
-              </a:rPr>
-              <a:t>Chef de projet</a:t>
-            </a:r>
-            <a:endParaRPr lang="en-US" sz="2800" spc="-1" strike="noStrike">
-              <a:solidFill>
-                <a:srgbClr val="000000"/>
-              </a:solidFill>
-              <a:uFill>
-                <a:solidFill>
-                  <a:srgbClr val="ffffff"/>
-                </a:solidFill>
-              </a:uFill>
-              <a:latin typeface="Arial"/>
-            </a:endParaRPr>
-          </a:p>
-          <a:p>
-            <a:pPr marL="432000" indent="-324000">
-              <a:buClr>
-                <a:srgbClr val="000000"/>
-              </a:buClr>
-              <a:buSzPct val="45000"/>
-              <a:buFont typeface="Wingdings" charset="2"/>
-              <a:buChar char=""/>
-            </a:pPr>
-            <a:r>
-              <a:rPr lang="en-US" sz="3200" spc="-1" strike="noStrike">
-                <a:solidFill>
-                  <a:srgbClr val="000000"/>
-                </a:solidFill>
-                <a:uFill>
-                  <a:solidFill>
-                    <a:srgbClr val="ffffff"/>
-                  </a:solidFill>
-                </a:uFill>
-                <a:latin typeface="Arial"/>
-              </a:rPr>
-              <a:t>Danguin Guillaume</a:t>
-            </a:r>
-            <a:endParaRPr lang="en-US" sz="3200" spc="-1" strike="noStrike">
-              <a:solidFill>
-                <a:srgbClr val="000000"/>
-              </a:solidFill>
-              <a:uFill>
-                <a:solidFill>
-                  <a:srgbClr val="ffffff"/>
-                </a:solidFill>
-              </a:uFill>
-              <a:latin typeface="Arial"/>
-            </a:endParaRPr>
-          </a:p>
-          <a:p>
-            <a:pPr lvl="1" marL="864000" indent="-324000">
-              <a:buClr>
-                <a:srgbClr val="000000"/>
-              </a:buClr>
-              <a:buSzPct val="75000"/>
-              <a:buFont typeface="Symbol" charset="2"/>
-              <a:buChar char=""/>
-            </a:pPr>
-            <a:r>
-              <a:rPr lang="en-US" sz="2800" spc="-1" strike="noStrike">
-                <a:solidFill>
-                  <a:srgbClr val="000000"/>
-                </a:solidFill>
-                <a:uFill>
-                  <a:solidFill>
-                    <a:srgbClr val="ffffff"/>
-                  </a:solidFill>
-                </a:uFill>
-                <a:latin typeface="Arial"/>
-              </a:rPr>
-              <a:t>MOA et MOE</a:t>
-            </a:r>
-            <a:endParaRPr lang="en-US" sz="2800" spc="-1" strike="noStrike">
-              <a:solidFill>
-                <a:srgbClr val="000000"/>
-              </a:solidFill>
-              <a:uFill>
-                <a:solidFill>
-                  <a:srgbClr val="ffffff"/>
-                </a:solidFill>
-              </a:uFill>
-              <a:latin typeface="Arial"/>
-            </a:endParaRPr>
-          </a:p>
-          <a:p>
-            <a:pPr lvl="1" marL="864000" indent="-324000">
-              <a:buClr>
-                <a:srgbClr val="000000"/>
-              </a:buClr>
-              <a:buSzPct val="75000"/>
-              <a:buFont typeface="Symbol" charset="2"/>
-              <a:buChar char=""/>
-            </a:pPr>
-            <a:r>
-              <a:rPr lang="en-US" sz="2800" spc="-1" strike="noStrike">
-                <a:solidFill>
-                  <a:srgbClr val="000000"/>
-                </a:solidFill>
-                <a:uFill>
-                  <a:solidFill>
-                    <a:srgbClr val="ffffff"/>
-                  </a:solidFill>
-                </a:uFill>
-                <a:latin typeface="Arial"/>
-              </a:rPr>
-              <a:t>Membre d'équipe</a:t>
-            </a:r>
-            <a:endParaRPr lang="en-US" sz="2800" spc="-1" strike="noStrike">
-              <a:solidFill>
-                <a:srgbClr val="000000"/>
-              </a:solidFill>
-              <a:uFill>
-                <a:solidFill>
-                  <a:srgbClr val="ffffff"/>
-                </a:solidFill>
-              </a:uFill>
-              <a:latin typeface="Arial"/>
-            </a:endParaRPr>
-          </a:p>
-          <a:p>
-            <a:pPr marL="432000" indent="-324000">
-              <a:buClr>
-                <a:srgbClr val="000000"/>
-              </a:buClr>
-              <a:buSzPct val="45000"/>
-              <a:buFont typeface="Wingdings" charset="2"/>
-              <a:buChar char=""/>
-            </a:pPr>
-            <a:r>
-              <a:rPr lang="en-US" sz="3200" spc="-1" strike="noStrike">
-                <a:solidFill>
-                  <a:srgbClr val="000000"/>
-                </a:solidFill>
-                <a:uFill>
-                  <a:solidFill>
-                    <a:srgbClr val="ffffff"/>
-                  </a:solidFill>
-                </a:uFill>
-                <a:latin typeface="Arial"/>
-              </a:rPr>
-              <a:t>Olivier Spinelli </a:t>
-            </a:r>
-            <a:endParaRPr lang="en-US" sz="3200" spc="-1" strike="noStrike">
-              <a:solidFill>
-                <a:srgbClr val="000000"/>
-              </a:solidFill>
-              <a:uFill>
-                <a:solidFill>
-                  <a:srgbClr val="ffffff"/>
-                </a:solidFill>
-              </a:uFill>
-              <a:latin typeface="Arial"/>
-            </a:endParaRPr>
-          </a:p>
-          <a:p>
-            <a:pPr lvl="1" marL="864000" indent="-324000">
-              <a:buClr>
-                <a:srgbClr val="000000"/>
-              </a:buClr>
-              <a:buSzPct val="75000"/>
-              <a:buFont typeface="Symbol" charset="2"/>
-              <a:buChar char=""/>
-            </a:pPr>
-            <a:r>
-              <a:rPr lang="en-US" sz="2800" spc="-1" strike="noStrike">
-                <a:solidFill>
-                  <a:srgbClr val="000000"/>
-                </a:solidFill>
-                <a:uFill>
-                  <a:solidFill>
-                    <a:srgbClr val="ffffff"/>
-                  </a:solidFill>
-                </a:uFill>
-                <a:latin typeface="Arial"/>
-              </a:rPr>
-              <a:t>Enseignant suiveur</a:t>
-            </a:r>
-            <a:endParaRPr lang="en-US" sz="2800" spc="-1" strike="noStrike">
-              <a:solidFill>
-                <a:srgbClr val="000000"/>
-              </a:solidFill>
-              <a:uFill>
-                <a:solidFill>
-                  <a:srgbClr val="ffffff"/>
-                </a:solidFill>
-              </a:uFill>
-              <a:latin typeface="Arial"/>
-            </a:endParaRPr>
-          </a:p>
-          <a:p>
-            <a:pPr marL="432000" indent="-324000">
-              <a:buClr>
-                <a:srgbClr val="000000"/>
-              </a:buClr>
-              <a:buSzPct val="45000"/>
-              <a:buFont typeface="Wingdings" charset="2"/>
-              <a:buChar char=""/>
-            </a:pPr>
-            <a:r>
-              <a:rPr lang="en-US" sz="3200" spc="-1" strike="noStrike">
-                <a:solidFill>
-                  <a:srgbClr val="000000"/>
-                </a:solidFill>
-                <a:uFill>
-                  <a:solidFill>
-                    <a:srgbClr val="ffffff"/>
-                  </a:solidFill>
-                </a:uFill>
-                <a:latin typeface="Arial"/>
-              </a:rPr>
-              <a:t>Antoine Raquillet</a:t>
-            </a:r>
-            <a:endParaRPr lang="en-US" sz="3200" spc="-1" strike="noStrike">
-              <a:solidFill>
-                <a:srgbClr val="000000"/>
-              </a:solidFill>
-              <a:uFill>
-                <a:solidFill>
-                  <a:srgbClr val="ffffff"/>
-                </a:solidFill>
-              </a:uFill>
-              <a:latin typeface="Arial"/>
-            </a:endParaRPr>
-          </a:p>
-          <a:p>
-            <a:pPr lvl="1" marL="864000" indent="-324000">
-              <a:buClr>
-                <a:srgbClr val="000000"/>
-              </a:buClr>
-              <a:buSzPct val="75000"/>
-              <a:buFont typeface="Symbol" charset="2"/>
-              <a:buChar char=""/>
-            </a:pPr>
-            <a:r>
-              <a:rPr lang="en-US" sz="2800" spc="-1" strike="noStrike">
-                <a:solidFill>
-                  <a:srgbClr val="000000"/>
-                </a:solidFill>
-                <a:uFill>
-                  <a:solidFill>
-                    <a:srgbClr val="ffffff"/>
-                  </a:solidFill>
-                </a:uFill>
-                <a:latin typeface="Arial"/>
-              </a:rPr>
-              <a:t>Enseignant suiveur</a:t>
-            </a:r>
-            <a:endParaRPr lang="en-US" sz="2800" spc="-1" strike="noStrike">
+            <a:endParaRPr lang="en-US" sz="1800" spc="-1" strike="noStrike">
               <a:solidFill>
                 <a:srgbClr val="000000"/>
               </a:solidFill>
@@ -4477,6 +7637,33 @@
       </p:sp>
     </p:spTree>
   </p:cSld>
+  <p:timing>
+    <p:tnLst>
+      <p:par>
+        <p:cTn id="5" dur="indefinite" restart="never" nodeType="tmRoot">
+          <p:childTnLst>
+            <p:seq>
+              <p:cTn id="6" nodeType="mainSeq"/>
+              <p:prevCondLst>
+                <p:cond delay="0" evt="onPrev">
+                  <p:tgtEl>
+                    <p:sldTgt/>
+                  </p:tgtEl>
+                </p:cond>
+              </p:prevCondLst>
+              <p:nextCondLst>
+                <p:cond delay="0" evt="onNext">
+                  <p:tgtEl>
+                    <p:sldTgt/>
+                  </p:tgtEl>
+                </p:cond>
+              </p:nextCondLst>
+            </p:seq>
+          </p:childTnLst>
+        </p:cTn>
+      </p:par>
+    </p:tnLst>
+  </p:timing>
 </p:sld>
 </file>
 
@@ -4499,14 +7686,14 @@
       </p:grpSpPr>
       <p:sp>
         <p:nvSpPr>
-          <p:cNvPr id="78" name="TextShape 1"/>
-          <p:cNvSpPr txBox="1"/>
+          <p:cNvPr id="114" name="CustomShape 1"/>
+          <p:cNvSpPr/>
           <p:nvPr/>
         </p:nvSpPr>
         <p:spPr>
           <a:xfrm>
             <a:off x="504000" y="301320"/>
-            <a:ext cx="9071280" cy="1261800"/>
+            <a:ext cx="9070920" cy="1261440"/>
           </a:xfrm>
           <a:prstGeom prst="rect">
             <a:avLst/>
@@ -4516,10 +7703,20 @@
             <a:noFill/>
           </a:ln>
         </p:spPr>
+        <p:style>
+          <a:lnRef idx="0"/>
+          <a:fillRef idx="0"/>
+          <a:effectRef idx="0"/>
+          <a:fontRef idx="minor"/>
+        </p:style>
         <p:txBody>
           <a:bodyPr lIns="0" rIns="0" tIns="0" bIns="0" anchor="ctr"/>
           <a:p>
-            <a:pPr algn="ctr"/>
+            <a:pPr algn="ctr">
+              <a:lnSpc>
+                <a:spcPct val="100000"/>
+              </a:lnSpc>
+            </a:pPr>
             <a:r>
               <a:rPr lang="en-US" sz="4400" spc="-1" strike="noStrike">
                 <a:solidFill>
@@ -4532,32 +7729,32 @@
                 </a:uFill>
                 <a:latin typeface="Arial"/>
               </a:rPr>
-              <a:t>Board agile</a:t>
+              <a:t>Objectifs</a:t>
             </a:r>
-            <a:endParaRPr lang="en-US" sz="4400" spc="-1" strike="noStrike">
-              <a:solidFill>
-                <a:srgbClr val="000000"/>
-              </a:solidFill>
-              <a:uFill>
-                <a:solidFill>
-                  <a:srgbClr val="ffffff"/>
-                </a:solidFill>
-              </a:uFill>
-              <a:latin typeface="Arial"/>
-            </a:endParaRPr>
-          </a:p>
-        </p:txBody>
-      </p:sp>
-      <p:sp>
-        <p:nvSpPr>
-          <p:cNvPr id="79" name="TextShape 2"/>
-          <p:cNvSpPr txBox="1"/>
+            <a:endParaRPr lang="en-US" sz="1800" spc="-1" strike="noStrike">
+              <a:solidFill>
+                <a:srgbClr val="000000"/>
+              </a:solidFill>
+              <a:uFill>
+                <a:solidFill>
+                  <a:srgbClr val="ffffff"/>
+                </a:solidFill>
+              </a:uFill>
+              <a:latin typeface="Arial"/>
+            </a:endParaRPr>
+          </a:p>
+        </p:txBody>
+      </p:sp>
+      <p:sp>
+        <p:nvSpPr>
+          <p:cNvPr id="115" name="CustomShape 2"/>
+          <p:cNvSpPr/>
           <p:nvPr/>
         </p:nvSpPr>
         <p:spPr>
           <a:xfrm>
             <a:off x="504000" y="1769040"/>
-            <a:ext cx="9071280" cy="4384080"/>
+            <a:ext cx="9070920" cy="4383720"/>
           </a:xfrm>
           <a:prstGeom prst="rect">
             <a:avLst/>
@@ -4567,10 +7764,19 @@
             <a:noFill/>
           </a:ln>
         </p:spPr>
+        <p:style>
+          <a:lnRef idx="0"/>
+          <a:fillRef idx="0"/>
+          <a:effectRef idx="0"/>
+          <a:fontRef idx="minor"/>
+        </p:style>
         <p:txBody>
           <a:bodyPr lIns="0" rIns="0" tIns="0" bIns="0"/>
           <a:p>
-            <a:pPr marL="432000" indent="-324000">
+            <a:pPr marL="432000" indent="-323640">
+              <a:lnSpc>
+                <a:spcPct val="100000"/>
+              </a:lnSpc>
               <a:buClr>
                 <a:srgbClr val="000000"/>
               </a:buClr>
@@ -4590,7 +7796,1988 @@
                 </a:uFill>
                 <a:latin typeface="Arial"/>
               </a:rPr>
-              <a:t>Les deux membre de l'équipe </a:t>
+              <a:t>Créer une fonctionnalité permettant de créer des exercices interactifs en moins de 5 minutes.</a:t>
+            </a:r>
+            <a:endParaRPr lang="en-US" sz="1800" spc="-1" strike="noStrike">
+              <a:solidFill>
+                <a:srgbClr val="000000"/>
+              </a:solidFill>
+              <a:uFill>
+                <a:solidFill>
+                  <a:srgbClr val="ffffff"/>
+                </a:solidFill>
+              </a:uFill>
+              <a:latin typeface="Arial"/>
+            </a:endParaRPr>
+          </a:p>
+          <a:p>
+            <a:pPr marL="432000" indent="-323640">
+              <a:lnSpc>
+                <a:spcPct val="100000"/>
+              </a:lnSpc>
+              <a:buClr>
+                <a:srgbClr val="000000"/>
+              </a:buClr>
+              <a:buSzPct val="45000"/>
+              <a:buFont typeface="Wingdings" charset="2"/>
+              <a:buChar char=""/>
+            </a:pPr>
+            <a:r>
+              <a:rPr lang="en-US" sz="3200" spc="-1" strike="noStrike">
+                <a:solidFill>
+                  <a:srgbClr val="000000"/>
+                </a:solidFill>
+                <a:uFill>
+                  <a:solidFill>
+                    <a:srgbClr val="ffffff"/>
+                  </a:solidFill>
+                </a:uFill>
+                <a:latin typeface="Arial"/>
+              </a:rPr>
+              <a:t>Intégrer un moteur de recherche fournissant des résultats en dessous de 20 ms.</a:t>
+            </a:r>
+            <a:endParaRPr lang="en-US" sz="1800" spc="-1" strike="noStrike">
+              <a:solidFill>
+                <a:srgbClr val="000000"/>
+              </a:solidFill>
+              <a:uFill>
+                <a:solidFill>
+                  <a:srgbClr val="ffffff"/>
+                </a:solidFill>
+              </a:uFill>
+              <a:latin typeface="Arial"/>
+            </a:endParaRPr>
+          </a:p>
+          <a:p>
+            <a:pPr marL="432000" indent="-323640">
+              <a:lnSpc>
+                <a:spcPct val="100000"/>
+              </a:lnSpc>
+              <a:buClr>
+                <a:srgbClr val="000000"/>
+              </a:buClr>
+              <a:buSzPct val="45000"/>
+              <a:buFont typeface="Wingdings" charset="2"/>
+              <a:buChar char=""/>
+            </a:pPr>
+            <a:r>
+              <a:rPr lang="en-US" sz="3200" spc="-1" strike="noStrike">
+                <a:solidFill>
+                  <a:srgbClr val="000000"/>
+                </a:solidFill>
+                <a:uFill>
+                  <a:solidFill>
+                    <a:srgbClr val="ffffff"/>
+                  </a:solidFill>
+                </a:uFill>
+                <a:latin typeface="Arial"/>
+              </a:rPr>
+              <a:t>Créer une fonctionnalité de gestion de d'images permettant de gérer au minimum 10 000 images.</a:t>
+            </a:r>
+            <a:endParaRPr lang="en-US" sz="1800" spc="-1" strike="noStrike">
+              <a:solidFill>
+                <a:srgbClr val="000000"/>
+              </a:solidFill>
+              <a:uFill>
+                <a:solidFill>
+                  <a:srgbClr val="ffffff"/>
+                </a:solidFill>
+              </a:uFill>
+              <a:latin typeface="Arial"/>
+            </a:endParaRPr>
+          </a:p>
+          <a:p>
+            <a:pPr marL="432000" indent="-323640">
+              <a:lnSpc>
+                <a:spcPct val="100000"/>
+              </a:lnSpc>
+              <a:buClr>
+                <a:srgbClr val="000000"/>
+              </a:buClr>
+              <a:buSzPct val="45000"/>
+              <a:buFont typeface="Wingdings" charset="2"/>
+              <a:buChar char=""/>
+            </a:pPr>
+            <a:r>
+              <a:rPr lang="en-US" sz="3200" spc="-1" strike="noStrike">
+                <a:solidFill>
+                  <a:srgbClr val="000000"/>
+                </a:solidFill>
+                <a:uFill>
+                  <a:solidFill>
+                    <a:srgbClr val="ffffff"/>
+                  </a:solidFill>
+                </a:uFill>
+                <a:latin typeface="Arial"/>
+              </a:rPr>
+              <a:t>Mettre en production notre application sur une instance EC2 Amazon Web Service et faire du versionning de notre application.</a:t>
+            </a:r>
+            <a:endParaRPr lang="en-US" sz="1800" spc="-1" strike="noStrike">
+              <a:solidFill>
+                <a:srgbClr val="000000"/>
+              </a:solidFill>
+              <a:uFill>
+                <a:solidFill>
+                  <a:srgbClr val="ffffff"/>
+                </a:solidFill>
+              </a:uFill>
+              <a:latin typeface="Arial"/>
+            </a:endParaRPr>
+          </a:p>
+          <a:p>
+            <a:pPr marL="432000" indent="-323640">
+              <a:lnSpc>
+                <a:spcPct val="100000"/>
+              </a:lnSpc>
+              <a:buClr>
+                <a:srgbClr val="000000"/>
+              </a:buClr>
+              <a:buSzPct val="45000"/>
+              <a:buFont typeface="Wingdings" charset="2"/>
+              <a:buChar char=""/>
+            </a:pPr>
+            <a:r>
+              <a:rPr lang="en-US" sz="3200" spc="-1" strike="noStrike">
+                <a:solidFill>
+                  <a:srgbClr val="000000"/>
+                </a:solidFill>
+                <a:uFill>
+                  <a:solidFill>
+                    <a:srgbClr val="ffffff"/>
+                  </a:solidFill>
+                </a:uFill>
+                <a:latin typeface="Arial"/>
+              </a:rPr>
+              <a:t>Créer notre propre framework CSS en ayant au moins 20 composants réutilisable nous permettant de concevoir le visuel de notre application et de ne pas dépendre des frameworks CSS open-source.</a:t>
+            </a:r>
+            <a:endParaRPr lang="en-US" sz="1800" spc="-1" strike="noStrike">
+              <a:solidFill>
+                <a:srgbClr val="000000"/>
+              </a:solidFill>
+              <a:uFill>
+                <a:solidFill>
+                  <a:srgbClr val="ffffff"/>
+                </a:solidFill>
+              </a:uFill>
+              <a:latin typeface="Arial"/>
+            </a:endParaRPr>
+          </a:p>
+          <a:p>
+            <a:pPr marL="432000" indent="-323640">
+              <a:lnSpc>
+                <a:spcPct val="100000"/>
+              </a:lnSpc>
+              <a:buClr>
+                <a:srgbClr val="000000"/>
+              </a:buClr>
+              <a:buSzPct val="45000"/>
+              <a:buFont typeface="Wingdings" charset="2"/>
+              <a:buChar char=""/>
+            </a:pPr>
+            <a:r>
+              <a:rPr lang="en-US" sz="3200" spc="-1" strike="noStrike">
+                <a:solidFill>
+                  <a:srgbClr val="000000"/>
+                </a:solidFill>
+                <a:uFill>
+                  <a:solidFill>
+                    <a:srgbClr val="ffffff"/>
+                  </a:solidFill>
+                </a:uFill>
+                <a:latin typeface="Arial"/>
+              </a:rPr>
+              <a:t>Créer une fonctionnalité permettant d'envoyer des emails automatiques.</a:t>
+            </a:r>
+            <a:endParaRPr lang="en-US" sz="1800" spc="-1" strike="noStrike">
+              <a:solidFill>
+                <a:srgbClr val="000000"/>
+              </a:solidFill>
+              <a:uFill>
+                <a:solidFill>
+                  <a:srgbClr val="ffffff"/>
+                </a:solidFill>
+              </a:uFill>
+              <a:latin typeface="Arial"/>
+            </a:endParaRPr>
+          </a:p>
+        </p:txBody>
+      </p:sp>
+    </p:spTree>
+  </p:cSld>
+  <p:timing>
+    <p:tnLst>
+      <p:par>
+        <p:cTn id="7" dur="indefinite" restart="never" nodeType="tmRoot">
+          <p:childTnLst>
+            <p:seq>
+              <p:cTn id="8" nodeType="mainSeq"/>
+              <p:prevCondLst>
+                <p:cond delay="0" evt="onPrev">
+                  <p:tgtEl>
+                    <p:sldTgt/>
+                  </p:tgtEl>
+                </p:cond>
+              </p:prevCondLst>
+              <p:nextCondLst>
+                <p:cond delay="0" evt="onNext">
+                  <p:tgtEl>
+                    <p:sldTgt/>
+                  </p:tgtEl>
+                </p:cond>
+              </p:nextCondLst>
+            </p:seq>
+          </p:childTnLst>
+        </p:cTn>
+      </p:par>
+    </p:tnLst>
+  </p:timing>
+</p:sld>
+</file>
+
+<file path=ppt/slides/slide5.xml><?xml version="1.0" encoding="utf-8"?>
+<p:sld xmlns:a="http://schemas.openxmlformats.org/drawingml/2006/main" xmlns:p="http://schemas.openxmlformats.org/presentationml/2006/main" xmlns:r="http://schemas.openxmlformats.org/officeDocument/2006/relationships">
+  <p:cSld>
+    <p:spTree>
+      <p:nvGrpSpPr>
+        <p:cNvPr id="1" name=""/>
+        <p:cNvGrpSpPr/>
+        <p:nvPr/>
+      </p:nvGrpSpPr>
+      <p:grpSpPr>
+        <a:xfrm>
+          <a:off x="0" y="0"/>
+          <a:ext cx="0" cy="0"/>
+          <a:chOff x="0" y="0"/>
+          <a:chExt cx="0" cy="0"/>
+        </a:xfrm>
+      </p:grpSpPr>
+      <p:sp>
+        <p:nvSpPr>
+          <p:cNvPr id="116" name="CustomShape 1"/>
+          <p:cNvSpPr/>
+          <p:nvPr/>
+        </p:nvSpPr>
+        <p:spPr>
+          <a:xfrm>
+            <a:off x="504000" y="301320"/>
+            <a:ext cx="9070920" cy="1261440"/>
+          </a:xfrm>
+          <a:prstGeom prst="rect">
+            <a:avLst/>
+          </a:prstGeom>
+          <a:noFill/>
+          <a:ln>
+            <a:noFill/>
+          </a:ln>
+        </p:spPr>
+        <p:style>
+          <a:lnRef idx="0"/>
+          <a:fillRef idx="0"/>
+          <a:effectRef idx="0"/>
+          <a:fontRef idx="minor"/>
+        </p:style>
+        <p:txBody>
+          <a:bodyPr lIns="0" rIns="0" tIns="0" bIns="0" anchor="ctr"/>
+          <a:p>
+            <a:pPr algn="ctr">
+              <a:lnSpc>
+                <a:spcPct val="100000"/>
+              </a:lnSpc>
+            </a:pPr>
+            <a:r>
+              <a:rPr lang="en-US" sz="4400" spc="-1" strike="noStrike">
+                <a:solidFill>
+                  <a:srgbClr val="000000"/>
+                </a:solidFill>
+                <a:uFill>
+                  <a:solidFill>
+                    <a:srgbClr val="ffffff"/>
+                  </a:solidFill>
+                </a:uFill>
+                <a:latin typeface="Arial"/>
+              </a:rPr>
+              <a:t>Objectifs</a:t>
+            </a:r>
+            <a:endParaRPr lang="en-US" sz="1800" spc="-1" strike="noStrike">
+              <a:solidFill>
+                <a:srgbClr val="000000"/>
+              </a:solidFill>
+              <a:uFill>
+                <a:solidFill>
+                  <a:srgbClr val="ffffff"/>
+                </a:solidFill>
+              </a:uFill>
+              <a:latin typeface="Arial"/>
+            </a:endParaRPr>
+          </a:p>
+        </p:txBody>
+      </p:sp>
+      <p:sp>
+        <p:nvSpPr>
+          <p:cNvPr id="117" name="CustomShape 2"/>
+          <p:cNvSpPr/>
+          <p:nvPr/>
+        </p:nvSpPr>
+        <p:spPr>
+          <a:xfrm>
+            <a:off x="504000" y="1769040"/>
+            <a:ext cx="9070920" cy="4383720"/>
+          </a:xfrm>
+          <a:prstGeom prst="rect">
+            <a:avLst/>
+          </a:prstGeom>
+          <a:noFill/>
+          <a:ln>
+            <a:noFill/>
+          </a:ln>
+        </p:spPr>
+        <p:style>
+          <a:lnRef idx="0"/>
+          <a:fillRef idx="0"/>
+          <a:effectRef idx="0"/>
+          <a:fontRef idx="minor"/>
+        </p:style>
+        <p:txBody>
+          <a:bodyPr lIns="0" rIns="0" tIns="0" bIns="0"/>
+          <a:p>
+            <a:pPr marL="432000" indent="-323640">
+              <a:lnSpc>
+                <a:spcPct val="100000"/>
+              </a:lnSpc>
+              <a:buClr>
+                <a:srgbClr val="000000"/>
+              </a:buClr>
+              <a:buSzPct val="45000"/>
+              <a:buFont typeface="Wingdings" charset="2"/>
+              <a:buChar char=""/>
+            </a:pPr>
+            <a:r>
+              <a:rPr lang="en-US" sz="3200" spc="-1" strike="noStrike">
+                <a:solidFill>
+                  <a:srgbClr val="000000"/>
+                </a:solidFill>
+                <a:uFill>
+                  <a:solidFill>
+                    <a:srgbClr val="ffffff"/>
+                  </a:solidFill>
+                </a:uFill>
+                <a:latin typeface="Arial"/>
+              </a:rPr>
+              <a:t>Créer un système permettant de gagner des points et niveau pour un utilisateur.</a:t>
+            </a:r>
+            <a:endParaRPr lang="en-US" sz="1800" spc="-1" strike="noStrike">
+              <a:solidFill>
+                <a:srgbClr val="000000"/>
+              </a:solidFill>
+              <a:uFill>
+                <a:solidFill>
+                  <a:srgbClr val="ffffff"/>
+                </a:solidFill>
+              </a:uFill>
+              <a:latin typeface="Arial"/>
+            </a:endParaRPr>
+          </a:p>
+          <a:p>
+            <a:pPr marL="432000" indent="-323640">
+              <a:lnSpc>
+                <a:spcPct val="100000"/>
+              </a:lnSpc>
+              <a:buClr>
+                <a:srgbClr val="000000"/>
+              </a:buClr>
+              <a:buSzPct val="45000"/>
+              <a:buFont typeface="Wingdings" charset="2"/>
+              <a:buChar char=""/>
+            </a:pPr>
+            <a:r>
+              <a:rPr lang="en-US" sz="3200" spc="-1" strike="noStrike">
+                <a:solidFill>
+                  <a:srgbClr val="000000"/>
+                </a:solidFill>
+                <a:uFill>
+                  <a:solidFill>
+                    <a:srgbClr val="ffffff"/>
+                  </a:solidFill>
+                </a:uFill>
+                <a:latin typeface="Arial"/>
+              </a:rPr>
+              <a:t>Créer un système de parrainage ou un utilisateur peut envoyer une invitation à un de ses contact en spécifiant l'email de son contact.</a:t>
+            </a:r>
+            <a:endParaRPr lang="en-US" sz="1800" spc="-1" strike="noStrike">
+              <a:solidFill>
+                <a:srgbClr val="000000"/>
+              </a:solidFill>
+              <a:uFill>
+                <a:solidFill>
+                  <a:srgbClr val="ffffff"/>
+                </a:solidFill>
+              </a:uFill>
+              <a:latin typeface="Arial"/>
+            </a:endParaRPr>
+          </a:p>
+          <a:p>
+            <a:pPr marL="432000" indent="-323640">
+              <a:lnSpc>
+                <a:spcPct val="100000"/>
+              </a:lnSpc>
+              <a:buClr>
+                <a:srgbClr val="000000"/>
+              </a:buClr>
+              <a:buSzPct val="45000"/>
+              <a:buFont typeface="Wingdings" charset="2"/>
+              <a:buChar char=""/>
+            </a:pPr>
+            <a:r>
+              <a:rPr lang="en-US" sz="3200" spc="-1" strike="noStrike">
+                <a:solidFill>
+                  <a:srgbClr val="000000"/>
+                </a:solidFill>
+                <a:uFill>
+                  <a:solidFill>
+                    <a:srgbClr val="ffffff"/>
+                  </a:solidFill>
+                </a:uFill>
+                <a:latin typeface="Arial"/>
+              </a:rPr>
+              <a:t>Créer une un système permettant de créer des exercices interactifs à travers une configuration par défaut.</a:t>
+            </a:r>
+            <a:endParaRPr lang="en-US" sz="1800" spc="-1" strike="noStrike">
+              <a:solidFill>
+                <a:srgbClr val="000000"/>
+              </a:solidFill>
+              <a:uFill>
+                <a:solidFill>
+                  <a:srgbClr val="ffffff"/>
+                </a:solidFill>
+              </a:uFill>
+              <a:latin typeface="Arial"/>
+            </a:endParaRPr>
+          </a:p>
+          <a:p>
+            <a:pPr marL="432000" indent="-323640">
+              <a:lnSpc>
+                <a:spcPct val="100000"/>
+              </a:lnSpc>
+              <a:buClr>
+                <a:srgbClr val="000000"/>
+              </a:buClr>
+              <a:buSzPct val="45000"/>
+              <a:buFont typeface="Wingdings" charset="2"/>
+              <a:buChar char=""/>
+            </a:pPr>
+            <a:r>
+              <a:rPr lang="en-US" sz="3200" spc="-1" strike="noStrike">
+                <a:solidFill>
+                  <a:srgbClr val="000000"/>
+                </a:solidFill>
+                <a:uFill>
+                  <a:solidFill>
+                    <a:srgbClr val="ffffff"/>
+                  </a:solidFill>
+                </a:uFill>
+                <a:latin typeface="Arial"/>
+              </a:rPr>
+              <a:t>Créer une fonctionnalité permettant à un utilisateur de visualiser son historique de révision.</a:t>
+            </a:r>
+            <a:endParaRPr lang="en-US" sz="1800" spc="-1" strike="noStrike">
+              <a:solidFill>
+                <a:srgbClr val="000000"/>
+              </a:solidFill>
+              <a:uFill>
+                <a:solidFill>
+                  <a:srgbClr val="ffffff"/>
+                </a:solidFill>
+              </a:uFill>
+              <a:latin typeface="Arial"/>
+            </a:endParaRPr>
+          </a:p>
+          <a:p>
+            <a:pPr marL="432000" indent="-323640">
+              <a:lnSpc>
+                <a:spcPct val="100000"/>
+              </a:lnSpc>
+              <a:buClr>
+                <a:srgbClr val="000000"/>
+              </a:buClr>
+              <a:buSzPct val="45000"/>
+              <a:buFont typeface="Wingdings" charset="2"/>
+              <a:buChar char=""/>
+            </a:pPr>
+            <a:r>
+              <a:rPr lang="en-US" sz="3200" spc="-1" strike="noStrike">
+                <a:solidFill>
+                  <a:srgbClr val="000000"/>
+                </a:solidFill>
+                <a:uFill>
+                  <a:solidFill>
+                    <a:srgbClr val="ffffff"/>
+                  </a:solidFill>
+                </a:uFill>
+                <a:latin typeface="Arial"/>
+              </a:rPr>
+              <a:t>Créer un panel administrateur permettant de visualiser le nombre d'utilisateurs, d'exercices crée et de supprimer des exercices ou utilisateurs.</a:t>
+            </a:r>
+            <a:endParaRPr lang="en-US" sz="1800" spc="-1" strike="noStrike">
+              <a:solidFill>
+                <a:srgbClr val="000000"/>
+              </a:solidFill>
+              <a:uFill>
+                <a:solidFill>
+                  <a:srgbClr val="ffffff"/>
+                </a:solidFill>
+              </a:uFill>
+              <a:latin typeface="Arial"/>
+            </a:endParaRPr>
+          </a:p>
+          <a:p>
+            <a:pPr marL="432000" indent="-323640">
+              <a:lnSpc>
+                <a:spcPct val="100000"/>
+              </a:lnSpc>
+              <a:buClr>
+                <a:srgbClr val="000000"/>
+              </a:buClr>
+              <a:buSzPct val="45000"/>
+              <a:buFont typeface="Wingdings" charset="2"/>
+              <a:buChar char=""/>
+            </a:pPr>
+            <a:r>
+              <a:rPr lang="en-US" sz="3200" spc="-1" strike="noStrike">
+                <a:solidFill>
+                  <a:srgbClr val="000000"/>
+                </a:solidFill>
+                <a:uFill>
+                  <a:solidFill>
+                    <a:srgbClr val="ffffff"/>
+                  </a:solidFill>
+                </a:uFill>
+                <a:latin typeface="Arial"/>
+              </a:rPr>
+              <a:t>Mis en place d'une stratégie SEO afin d'optimiser notre référencement.</a:t>
+            </a:r>
+            <a:endParaRPr lang="en-US" sz="1800" spc="-1" strike="noStrike">
+              <a:solidFill>
+                <a:srgbClr val="000000"/>
+              </a:solidFill>
+              <a:uFill>
+                <a:solidFill>
+                  <a:srgbClr val="ffffff"/>
+                </a:solidFill>
+              </a:uFill>
+              <a:latin typeface="Arial"/>
+            </a:endParaRPr>
+          </a:p>
+        </p:txBody>
+      </p:sp>
+    </p:spTree>
+  </p:cSld>
+  <p:timing>
+    <p:tnLst>
+      <p:par>
+        <p:cTn id="9" dur="indefinite" restart="never" nodeType="tmRoot">
+          <p:childTnLst>
+            <p:seq>
+              <p:cTn id="10" nodeType="mainSeq"/>
+              <p:prevCondLst>
+                <p:cond delay="0" evt="onPrev">
+                  <p:tgtEl>
+                    <p:sldTgt/>
+                  </p:tgtEl>
+                </p:cond>
+              </p:prevCondLst>
+              <p:nextCondLst>
+                <p:cond delay="0" evt="onNext">
+                  <p:tgtEl>
+                    <p:sldTgt/>
+                  </p:tgtEl>
+                </p:cond>
+              </p:nextCondLst>
+            </p:seq>
+          </p:childTnLst>
+        </p:cTn>
+      </p:par>
+    </p:tnLst>
+  </p:timing>
+</p:sld>
+</file>
+
+<file path=ppt/slides/slide6.xml><?xml version="1.0" encoding="utf-8"?>
+<p:sld xmlns:a="http://schemas.openxmlformats.org/drawingml/2006/main" xmlns:p="http://schemas.openxmlformats.org/presentationml/2006/main" xmlns:r="http://schemas.openxmlformats.org/officeDocument/2006/relationships">
+  <p:cSld>
+    <p:spTree>
+      <p:nvGrpSpPr>
+        <p:cNvPr id="1" name=""/>
+        <p:cNvGrpSpPr/>
+        <p:nvPr/>
+      </p:nvGrpSpPr>
+      <p:grpSpPr>
+        <a:xfrm>
+          <a:off x="0" y="0"/>
+          <a:ext cx="0" cy="0"/>
+          <a:chOff x="0" y="0"/>
+          <a:chExt cx="0" cy="0"/>
+        </a:xfrm>
+      </p:grpSpPr>
+      <p:sp>
+        <p:nvSpPr>
+          <p:cNvPr id="118" name="CustomShape 1"/>
+          <p:cNvSpPr/>
+          <p:nvPr/>
+        </p:nvSpPr>
+        <p:spPr>
+          <a:xfrm>
+            <a:off x="504000" y="301320"/>
+            <a:ext cx="9070920" cy="1261440"/>
+          </a:xfrm>
+          <a:prstGeom prst="rect">
+            <a:avLst/>
+          </a:prstGeom>
+          <a:noFill/>
+          <a:ln>
+            <a:noFill/>
+          </a:ln>
+        </p:spPr>
+        <p:style>
+          <a:lnRef idx="0"/>
+          <a:fillRef idx="0"/>
+          <a:effectRef idx="0"/>
+          <a:fontRef idx="minor"/>
+        </p:style>
+        <p:txBody>
+          <a:bodyPr lIns="0" rIns="0" tIns="0" bIns="0" anchor="ctr"/>
+          <a:p>
+            <a:pPr algn="ctr">
+              <a:lnSpc>
+                <a:spcPct val="100000"/>
+              </a:lnSpc>
+            </a:pPr>
+            <a:r>
+              <a:rPr lang="en-US" sz="4400" spc="-1" strike="noStrike">
+                <a:solidFill>
+                  <a:srgbClr val="000000"/>
+                </a:solidFill>
+                <a:uFill>
+                  <a:solidFill>
+                    <a:srgbClr val="ffffff"/>
+                  </a:solidFill>
+                </a:uFill>
+                <a:latin typeface="Arial"/>
+              </a:rPr>
+              <a:t>Parties prenantes</a:t>
+            </a:r>
+            <a:endParaRPr lang="en-US" sz="1800" spc="-1" strike="noStrike">
+              <a:solidFill>
+                <a:srgbClr val="000000"/>
+              </a:solidFill>
+              <a:uFill>
+                <a:solidFill>
+                  <a:srgbClr val="ffffff"/>
+                </a:solidFill>
+              </a:uFill>
+              <a:latin typeface="Arial"/>
+            </a:endParaRPr>
+          </a:p>
+        </p:txBody>
+      </p:sp>
+      <p:sp>
+        <p:nvSpPr>
+          <p:cNvPr id="119" name="CustomShape 2"/>
+          <p:cNvSpPr/>
+          <p:nvPr/>
+        </p:nvSpPr>
+        <p:spPr>
+          <a:xfrm>
+            <a:off x="504000" y="1769040"/>
+            <a:ext cx="9070920" cy="4383720"/>
+          </a:xfrm>
+          <a:prstGeom prst="rect">
+            <a:avLst/>
+          </a:prstGeom>
+          <a:noFill/>
+          <a:ln>
+            <a:noFill/>
+          </a:ln>
+        </p:spPr>
+        <p:style>
+          <a:lnRef idx="0"/>
+          <a:fillRef idx="0"/>
+          <a:effectRef idx="0"/>
+          <a:fontRef idx="minor"/>
+        </p:style>
+        <p:txBody>
+          <a:bodyPr lIns="0" rIns="0" tIns="0" bIns="0"/>
+          <a:p>
+            <a:pPr marL="432000" indent="-323640">
+              <a:lnSpc>
+                <a:spcPct val="100000"/>
+              </a:lnSpc>
+              <a:buClr>
+                <a:srgbClr val="000000"/>
+              </a:buClr>
+              <a:buSzPct val="45000"/>
+              <a:buFont typeface="Wingdings" charset="2"/>
+              <a:buChar char=""/>
+            </a:pPr>
+            <a:r>
+              <a:rPr lang="en-US" sz="3200" spc="-1" strike="noStrike">
+                <a:solidFill>
+                  <a:srgbClr val="000000"/>
+                </a:solidFill>
+                <a:uFill>
+                  <a:solidFill>
+                    <a:srgbClr val="ffffff"/>
+                  </a:solidFill>
+                </a:uFill>
+                <a:latin typeface="Arial"/>
+              </a:rPr>
+              <a:t>Grandiere Antoine</a:t>
+            </a:r>
+            <a:endParaRPr lang="en-US" sz="1800" spc="-1" strike="noStrike">
+              <a:solidFill>
+                <a:srgbClr val="000000"/>
+              </a:solidFill>
+              <a:uFill>
+                <a:solidFill>
+                  <a:srgbClr val="ffffff"/>
+                </a:solidFill>
+              </a:uFill>
+              <a:latin typeface="Arial"/>
+            </a:endParaRPr>
+          </a:p>
+          <a:p>
+            <a:pPr lvl="1" marL="864000" indent="-323640">
+              <a:lnSpc>
+                <a:spcPct val="100000"/>
+              </a:lnSpc>
+              <a:buClr>
+                <a:srgbClr val="000000"/>
+              </a:buClr>
+              <a:buSzPct val="75000"/>
+              <a:buFont typeface="Symbol"/>
+              <a:buChar char=""/>
+            </a:pPr>
+            <a:r>
+              <a:rPr lang="en-US" sz="2800" spc="-1" strike="noStrike">
+                <a:solidFill>
+                  <a:srgbClr val="000000"/>
+                </a:solidFill>
+                <a:uFill>
+                  <a:solidFill>
+                    <a:srgbClr val="ffffff"/>
+                  </a:solidFill>
+                </a:uFill>
+                <a:latin typeface="Arial"/>
+              </a:rPr>
+              <a:t>MOA et MOE</a:t>
+            </a:r>
+            <a:endParaRPr lang="en-US" sz="1800" spc="-1" strike="noStrike">
+              <a:solidFill>
+                <a:srgbClr val="000000"/>
+              </a:solidFill>
+              <a:uFill>
+                <a:solidFill>
+                  <a:srgbClr val="ffffff"/>
+                </a:solidFill>
+              </a:uFill>
+              <a:latin typeface="Arial"/>
+            </a:endParaRPr>
+          </a:p>
+          <a:p>
+            <a:pPr lvl="1" marL="864000" indent="-323640">
+              <a:lnSpc>
+                <a:spcPct val="100000"/>
+              </a:lnSpc>
+              <a:buClr>
+                <a:srgbClr val="000000"/>
+              </a:buClr>
+              <a:buSzPct val="75000"/>
+              <a:buFont typeface="Symbol"/>
+              <a:buChar char=""/>
+            </a:pPr>
+            <a:r>
+              <a:rPr lang="en-US" sz="2800" spc="-1" strike="noStrike">
+                <a:solidFill>
+                  <a:srgbClr val="000000"/>
+                </a:solidFill>
+                <a:uFill>
+                  <a:solidFill>
+                    <a:srgbClr val="ffffff"/>
+                  </a:solidFill>
+                </a:uFill>
+                <a:latin typeface="Arial"/>
+              </a:rPr>
+              <a:t>Chef de projet</a:t>
+            </a:r>
+            <a:endParaRPr lang="en-US" sz="1800" spc="-1" strike="noStrike">
+              <a:solidFill>
+                <a:srgbClr val="000000"/>
+              </a:solidFill>
+              <a:uFill>
+                <a:solidFill>
+                  <a:srgbClr val="ffffff"/>
+                </a:solidFill>
+              </a:uFill>
+              <a:latin typeface="Arial"/>
+            </a:endParaRPr>
+          </a:p>
+          <a:p>
+            <a:pPr marL="432000" indent="-323640">
+              <a:lnSpc>
+                <a:spcPct val="100000"/>
+              </a:lnSpc>
+              <a:buClr>
+                <a:srgbClr val="000000"/>
+              </a:buClr>
+              <a:buSzPct val="45000"/>
+              <a:buFont typeface="Wingdings" charset="2"/>
+              <a:buChar char=""/>
+            </a:pPr>
+            <a:r>
+              <a:rPr lang="en-US" sz="3200" spc="-1" strike="noStrike">
+                <a:solidFill>
+                  <a:srgbClr val="000000"/>
+                </a:solidFill>
+                <a:uFill>
+                  <a:solidFill>
+                    <a:srgbClr val="ffffff"/>
+                  </a:solidFill>
+                </a:uFill>
+                <a:latin typeface="Arial"/>
+              </a:rPr>
+              <a:t>Danguin Guillaume</a:t>
+            </a:r>
+            <a:endParaRPr lang="en-US" sz="1800" spc="-1" strike="noStrike">
+              <a:solidFill>
+                <a:srgbClr val="000000"/>
+              </a:solidFill>
+              <a:uFill>
+                <a:solidFill>
+                  <a:srgbClr val="ffffff"/>
+                </a:solidFill>
+              </a:uFill>
+              <a:latin typeface="Arial"/>
+            </a:endParaRPr>
+          </a:p>
+          <a:p>
+            <a:pPr lvl="1" marL="864000" indent="-323640">
+              <a:lnSpc>
+                <a:spcPct val="100000"/>
+              </a:lnSpc>
+              <a:buClr>
+                <a:srgbClr val="000000"/>
+              </a:buClr>
+              <a:buSzPct val="75000"/>
+              <a:buFont typeface="Symbol"/>
+              <a:buChar char=""/>
+            </a:pPr>
+            <a:r>
+              <a:rPr lang="en-US" sz="2800" spc="-1" strike="noStrike">
+                <a:solidFill>
+                  <a:srgbClr val="000000"/>
+                </a:solidFill>
+                <a:uFill>
+                  <a:solidFill>
+                    <a:srgbClr val="ffffff"/>
+                  </a:solidFill>
+                </a:uFill>
+                <a:latin typeface="Arial"/>
+              </a:rPr>
+              <a:t>MOA et MOE</a:t>
+            </a:r>
+            <a:endParaRPr lang="en-US" sz="1800" spc="-1" strike="noStrike">
+              <a:solidFill>
+                <a:srgbClr val="000000"/>
+              </a:solidFill>
+              <a:uFill>
+                <a:solidFill>
+                  <a:srgbClr val="ffffff"/>
+                </a:solidFill>
+              </a:uFill>
+              <a:latin typeface="Arial"/>
+            </a:endParaRPr>
+          </a:p>
+          <a:p>
+            <a:pPr lvl="1" marL="864000" indent="-323640">
+              <a:lnSpc>
+                <a:spcPct val="100000"/>
+              </a:lnSpc>
+              <a:buClr>
+                <a:srgbClr val="000000"/>
+              </a:buClr>
+              <a:buSzPct val="75000"/>
+              <a:buFont typeface="Symbol"/>
+              <a:buChar char=""/>
+            </a:pPr>
+            <a:r>
+              <a:rPr lang="en-US" sz="2800" spc="-1" strike="noStrike">
+                <a:solidFill>
+                  <a:srgbClr val="000000"/>
+                </a:solidFill>
+                <a:uFill>
+                  <a:solidFill>
+                    <a:srgbClr val="ffffff"/>
+                  </a:solidFill>
+                </a:uFill>
+                <a:latin typeface="Arial"/>
+              </a:rPr>
+              <a:t>Membre d'équipe</a:t>
+            </a:r>
+            <a:endParaRPr lang="en-US" sz="1800" spc="-1" strike="noStrike">
+              <a:solidFill>
+                <a:srgbClr val="000000"/>
+              </a:solidFill>
+              <a:uFill>
+                <a:solidFill>
+                  <a:srgbClr val="ffffff"/>
+                </a:solidFill>
+              </a:uFill>
+              <a:latin typeface="Arial"/>
+            </a:endParaRPr>
+          </a:p>
+          <a:p>
+            <a:pPr marL="432000" indent="-323640">
+              <a:lnSpc>
+                <a:spcPct val="100000"/>
+              </a:lnSpc>
+              <a:buClr>
+                <a:srgbClr val="000000"/>
+              </a:buClr>
+              <a:buSzPct val="45000"/>
+              <a:buFont typeface="Wingdings" charset="2"/>
+              <a:buChar char=""/>
+            </a:pPr>
+            <a:r>
+              <a:rPr lang="en-US" sz="3200" spc="-1" strike="noStrike">
+                <a:solidFill>
+                  <a:srgbClr val="000000"/>
+                </a:solidFill>
+                <a:uFill>
+                  <a:solidFill>
+                    <a:srgbClr val="ffffff"/>
+                  </a:solidFill>
+                </a:uFill>
+                <a:latin typeface="Arial"/>
+              </a:rPr>
+              <a:t>Olivier Spinelli </a:t>
+            </a:r>
+            <a:endParaRPr lang="en-US" sz="1800" spc="-1" strike="noStrike">
+              <a:solidFill>
+                <a:srgbClr val="000000"/>
+              </a:solidFill>
+              <a:uFill>
+                <a:solidFill>
+                  <a:srgbClr val="ffffff"/>
+                </a:solidFill>
+              </a:uFill>
+              <a:latin typeface="Arial"/>
+            </a:endParaRPr>
+          </a:p>
+          <a:p>
+            <a:pPr lvl="1" marL="864000" indent="-323640">
+              <a:lnSpc>
+                <a:spcPct val="100000"/>
+              </a:lnSpc>
+              <a:buClr>
+                <a:srgbClr val="000000"/>
+              </a:buClr>
+              <a:buSzPct val="75000"/>
+              <a:buFont typeface="Symbol"/>
+              <a:buChar char=""/>
+            </a:pPr>
+            <a:r>
+              <a:rPr lang="en-US" sz="2800" spc="-1" strike="noStrike">
+                <a:solidFill>
+                  <a:srgbClr val="000000"/>
+                </a:solidFill>
+                <a:uFill>
+                  <a:solidFill>
+                    <a:srgbClr val="ffffff"/>
+                  </a:solidFill>
+                </a:uFill>
+                <a:latin typeface="Arial"/>
+              </a:rPr>
+              <a:t>Enseignant suiveur</a:t>
+            </a:r>
+            <a:endParaRPr lang="en-US" sz="1800" spc="-1" strike="noStrike">
+              <a:solidFill>
+                <a:srgbClr val="000000"/>
+              </a:solidFill>
+              <a:uFill>
+                <a:solidFill>
+                  <a:srgbClr val="ffffff"/>
+                </a:solidFill>
+              </a:uFill>
+              <a:latin typeface="Arial"/>
+            </a:endParaRPr>
+          </a:p>
+          <a:p>
+            <a:pPr marL="432000" indent="-323640">
+              <a:lnSpc>
+                <a:spcPct val="100000"/>
+              </a:lnSpc>
+              <a:buClr>
+                <a:srgbClr val="000000"/>
+              </a:buClr>
+              <a:buSzPct val="45000"/>
+              <a:buFont typeface="Wingdings" charset="2"/>
+              <a:buChar char=""/>
+            </a:pPr>
+            <a:r>
+              <a:rPr lang="en-US" sz="3200" spc="-1" strike="noStrike">
+                <a:solidFill>
+                  <a:srgbClr val="000000"/>
+                </a:solidFill>
+                <a:uFill>
+                  <a:solidFill>
+                    <a:srgbClr val="ffffff"/>
+                  </a:solidFill>
+                </a:uFill>
+                <a:latin typeface="Arial"/>
+              </a:rPr>
+              <a:t>Antoine Raquillet</a:t>
+            </a:r>
+            <a:endParaRPr lang="en-US" sz="1800" spc="-1" strike="noStrike">
+              <a:solidFill>
+                <a:srgbClr val="000000"/>
+              </a:solidFill>
+              <a:uFill>
+                <a:solidFill>
+                  <a:srgbClr val="ffffff"/>
+                </a:solidFill>
+              </a:uFill>
+              <a:latin typeface="Arial"/>
+            </a:endParaRPr>
+          </a:p>
+          <a:p>
+            <a:pPr lvl="1" marL="864000" indent="-323640">
+              <a:lnSpc>
+                <a:spcPct val="100000"/>
+              </a:lnSpc>
+              <a:buClr>
+                <a:srgbClr val="000000"/>
+              </a:buClr>
+              <a:buSzPct val="75000"/>
+              <a:buFont typeface="Symbol"/>
+              <a:buChar char=""/>
+            </a:pPr>
+            <a:r>
+              <a:rPr lang="en-US" sz="2800" spc="-1" strike="noStrike">
+                <a:solidFill>
+                  <a:srgbClr val="000000"/>
+                </a:solidFill>
+                <a:uFill>
+                  <a:solidFill>
+                    <a:srgbClr val="ffffff"/>
+                  </a:solidFill>
+                </a:uFill>
+                <a:latin typeface="Arial"/>
+              </a:rPr>
+              <a:t>Enseignant suiveur</a:t>
+            </a:r>
+            <a:endParaRPr lang="en-US" sz="1800" spc="-1" strike="noStrike">
+              <a:solidFill>
+                <a:srgbClr val="000000"/>
+              </a:solidFill>
+              <a:uFill>
+                <a:solidFill>
+                  <a:srgbClr val="ffffff"/>
+                </a:solidFill>
+              </a:uFill>
+              <a:latin typeface="Arial"/>
+            </a:endParaRPr>
+          </a:p>
+        </p:txBody>
+      </p:sp>
+    </p:spTree>
+  </p:cSld>
+  <p:timing>
+    <p:tnLst>
+      <p:par>
+        <p:cTn id="11" dur="indefinite" restart="never" nodeType="tmRoot">
+          <p:childTnLst>
+            <p:seq>
+              <p:cTn id="12" nodeType="mainSeq"/>
+              <p:prevCondLst>
+                <p:cond delay="0" evt="onPrev">
+                  <p:tgtEl>
+                    <p:sldTgt/>
+                  </p:tgtEl>
+                </p:cond>
+              </p:prevCondLst>
+              <p:nextCondLst>
+                <p:cond delay="0" evt="onNext">
+                  <p:tgtEl>
+                    <p:sldTgt/>
+                  </p:tgtEl>
+                </p:cond>
+              </p:nextCondLst>
+            </p:seq>
+          </p:childTnLst>
+        </p:cTn>
+      </p:par>
+    </p:tnLst>
+  </p:timing>
+</p:sld>
+</file>
+
+<file path=ppt/slides/slide7.xml><?xml version="1.0" encoding="utf-8"?>
+<p:sld xmlns:a="http://schemas.openxmlformats.org/drawingml/2006/main" xmlns:p="http://schemas.openxmlformats.org/presentationml/2006/main" xmlns:r="http://schemas.openxmlformats.org/officeDocument/2006/relationships">
+  <p:cSld>
+    <p:spTree>
+      <p:nvGrpSpPr>
+        <p:cNvPr id="1" name=""/>
+        <p:cNvGrpSpPr/>
+        <p:nvPr/>
+      </p:nvGrpSpPr>
+      <p:grpSpPr>
+        <a:xfrm>
+          <a:off x="0" y="0"/>
+          <a:ext cx="0" cy="0"/>
+          <a:chOff x="0" y="0"/>
+          <a:chExt cx="0" cy="0"/>
+        </a:xfrm>
+      </p:grpSpPr>
+      <p:sp>
+        <p:nvSpPr>
+          <p:cNvPr id="120" name="TextShape 1"/>
+          <p:cNvSpPr txBox="1"/>
+          <p:nvPr/>
+        </p:nvSpPr>
+        <p:spPr>
+          <a:xfrm>
+            <a:off x="504000" y="301320"/>
+            <a:ext cx="9070920" cy="1261440"/>
+          </a:xfrm>
+          <a:prstGeom prst="rect">
+            <a:avLst/>
+          </a:prstGeom>
+          <a:noFill/>
+          <a:ln>
+            <a:noFill/>
+          </a:ln>
+        </p:spPr>
+        <p:txBody>
+          <a:bodyPr lIns="0" rIns="0" tIns="0" bIns="0" anchor="ctr"/>
+          <a:p>
+            <a:pPr algn="ctr"/>
+            <a:r>
+              <a:rPr lang="en-US" sz="4400" spc="-1" strike="noStrike">
+                <a:solidFill>
+                  <a:srgbClr val="000000"/>
+                </a:solidFill>
+                <a:uFill>
+                  <a:solidFill>
+                    <a:srgbClr val="ffffff"/>
+                  </a:solidFill>
+                </a:uFill>
+                <a:latin typeface="Arial"/>
+              </a:rPr>
+              <a:t>SWOT</a:t>
+            </a:r>
+            <a:endParaRPr lang="en-US" sz="4400" spc="-1" strike="noStrike">
+              <a:solidFill>
+                <a:srgbClr val="000000"/>
+              </a:solidFill>
+              <a:uFill>
+                <a:solidFill>
+                  <a:srgbClr val="ffffff"/>
+                </a:solidFill>
+              </a:uFill>
+              <a:latin typeface="Arial"/>
+            </a:endParaRPr>
+          </a:p>
+        </p:txBody>
+      </p:sp>
+      <p:graphicFrame>
+        <p:nvGraphicFramePr>
+          <p:cNvPr id="121" name="Table 2"/>
+          <p:cNvGraphicFramePr/>
+          <p:nvPr/>
+        </p:nvGraphicFramePr>
+        <p:xfrm>
+          <a:off x="640080" y="1920240"/>
+          <a:ext cx="8778240" cy="4663440"/>
+        </p:xfrm>
+        <a:graphic>
+          <a:graphicData uri="http://schemas.openxmlformats.org/drawingml/2006/table">
+            <a:tbl>
+              <a:tblPr/>
+              <a:tblGrid>
+                <a:gridCol w="1457280"/>
+                <a:gridCol w="3157200"/>
+                <a:gridCol w="4163760"/>
+              </a:tblGrid>
+              <a:tr h="630720">
+                <a:tc>
+                  <a:tcPr marL="90000" marR="90000">
+                    <a:lnL w="720">
+                      <a:solidFill>
+                        <a:srgbClr val="ffffff"/>
+                      </a:solidFill>
+                    </a:lnL>
+                    <a:lnR w="720">
+                      <a:solidFill>
+                        <a:srgbClr val="ffffff"/>
+                      </a:solidFill>
+                    </a:lnR>
+                    <a:lnT w="720">
+                      <a:solidFill>
+                        <a:srgbClr val="ffffff"/>
+                      </a:solidFill>
+                    </a:lnT>
+                    <a:lnB w="720">
+                      <a:solidFill>
+                        <a:srgbClr val="ffffff"/>
+                      </a:solidFill>
+                    </a:lnB>
+                    <a:solidFill>
+                      <a:srgbClr val="0066cc"/>
+                    </a:solidFill>
+                  </a:tcPr>
+                </a:tc>
+                <a:tc>
+                  <a:txBody>
+                    <a:bodyPr lIns="90000" rIns="90000" tIns="46800" bIns="46800"/>
+                    <a:p>
+                      <a:r>
+                        <a:rPr lang="en-US" sz="1800" spc="-1" strike="noStrike">
+                          <a:solidFill>
+                            <a:srgbClr val="000000"/>
+                          </a:solidFill>
+                          <a:uFill>
+                            <a:solidFill>
+                              <a:srgbClr val="ffffff"/>
+                            </a:solidFill>
+                          </a:uFill>
+                          <a:latin typeface="Arial"/>
+                        </a:rPr>
+                        <a:t>Atouts</a:t>
+                      </a:r>
+                      <a:endParaRPr lang="en-US" sz="1800" spc="-1" strike="noStrike">
+                        <a:solidFill>
+                          <a:srgbClr val="000000"/>
+                        </a:solidFill>
+                        <a:uFill>
+                          <a:solidFill>
+                            <a:srgbClr val="ffffff"/>
+                          </a:solidFill>
+                        </a:uFill>
+                        <a:latin typeface="Arial"/>
+                      </a:endParaRPr>
+                    </a:p>
+                  </a:txBody>
+                  <a:tcPr marL="90000" marR="90000">
+                    <a:lnL w="720">
+                      <a:solidFill>
+                        <a:srgbClr val="ffffff"/>
+                      </a:solidFill>
+                    </a:lnL>
+                    <a:lnR w="720">
+                      <a:solidFill>
+                        <a:srgbClr val="ffffff"/>
+                      </a:solidFill>
+                    </a:lnR>
+                    <a:lnT w="720">
+                      <a:solidFill>
+                        <a:srgbClr val="ffffff"/>
+                      </a:solidFill>
+                    </a:lnT>
+                    <a:lnB w="720">
+                      <a:solidFill>
+                        <a:srgbClr val="ffffff"/>
+                      </a:solidFill>
+                    </a:lnB>
+                    <a:solidFill>
+                      <a:srgbClr val="0066cc"/>
+                    </a:solidFill>
+                  </a:tcPr>
+                </a:tc>
+                <a:tc>
+                  <a:txBody>
+                    <a:bodyPr lIns="90000" rIns="90000" tIns="46800" bIns="46800"/>
+                    <a:p>
+                      <a:r>
+                        <a:rPr lang="en-US" sz="1800" spc="-1" strike="noStrike">
+                          <a:solidFill>
+                            <a:srgbClr val="000000"/>
+                          </a:solidFill>
+                          <a:uFill>
+                            <a:solidFill>
+                              <a:srgbClr val="ffffff"/>
+                            </a:solidFill>
+                          </a:uFill>
+                          <a:latin typeface="Arial"/>
+                        </a:rPr>
+                        <a:t>Handicaps</a:t>
+                      </a:r>
+                      <a:endParaRPr lang="en-US" sz="1800" spc="-1" strike="noStrike">
+                        <a:solidFill>
+                          <a:srgbClr val="000000"/>
+                        </a:solidFill>
+                        <a:uFill>
+                          <a:solidFill>
+                            <a:srgbClr val="ffffff"/>
+                          </a:solidFill>
+                        </a:uFill>
+                        <a:latin typeface="Arial"/>
+                      </a:endParaRPr>
+                    </a:p>
+                  </a:txBody>
+                  <a:tcPr marL="90000" marR="90000">
+                    <a:lnL w="720">
+                      <a:solidFill>
+                        <a:srgbClr val="ffffff"/>
+                      </a:solidFill>
+                    </a:lnL>
+                    <a:lnR w="720">
+                      <a:solidFill>
+                        <a:srgbClr val="ffffff"/>
+                      </a:solidFill>
+                    </a:lnR>
+                    <a:lnT w="720">
+                      <a:solidFill>
+                        <a:srgbClr val="ffffff"/>
+                      </a:solidFill>
+                    </a:lnT>
+                    <a:lnB w="720">
+                      <a:solidFill>
+                        <a:srgbClr val="ffffff"/>
+                      </a:solidFill>
+                    </a:lnB>
+                    <a:solidFill>
+                      <a:srgbClr val="0066cc"/>
+                    </a:solidFill>
+                  </a:tcPr>
+                </a:tc>
+              </a:tr>
+              <a:tr h="2477520">
+                <a:tc>
+                  <a:txBody>
+                    <a:bodyPr lIns="90000" rIns="90000" tIns="46800" bIns="46800"/>
+                    <a:p>
+                      <a:r>
+                        <a:rPr lang="en-US" sz="1800" spc="-1" strike="noStrike">
+                          <a:solidFill>
+                            <a:srgbClr val="000000"/>
+                          </a:solidFill>
+                          <a:uFill>
+                            <a:solidFill>
+                              <a:srgbClr val="ffffff"/>
+                            </a:solidFill>
+                          </a:uFill>
+                          <a:latin typeface="Arial"/>
+                        </a:rPr>
+                        <a:t>Interne</a:t>
+                      </a:r>
+                      <a:endParaRPr lang="en-US" sz="1800" spc="-1" strike="noStrike">
+                        <a:solidFill>
+                          <a:srgbClr val="000000"/>
+                        </a:solidFill>
+                        <a:uFill>
+                          <a:solidFill>
+                            <a:srgbClr val="ffffff"/>
+                          </a:solidFill>
+                        </a:uFill>
+                        <a:latin typeface="Arial"/>
+                      </a:endParaRPr>
+                    </a:p>
+                  </a:txBody>
+                  <a:tcPr marL="90000" marR="90000">
+                    <a:lnL w="720">
+                      <a:solidFill>
+                        <a:srgbClr val="ffffff"/>
+                      </a:solidFill>
+                    </a:lnL>
+                    <a:lnR w="720">
+                      <a:solidFill>
+                        <a:srgbClr val="ffffff"/>
+                      </a:solidFill>
+                    </a:lnR>
+                    <a:lnT w="720">
+                      <a:solidFill>
+                        <a:srgbClr val="ffffff"/>
+                      </a:solidFill>
+                    </a:lnT>
+                    <a:lnB w="720">
+                      <a:solidFill>
+                        <a:srgbClr val="ffffff"/>
+                      </a:solidFill>
+                    </a:lnB>
+                    <a:solidFill>
+                      <a:srgbClr val="0066cc"/>
+                    </a:solidFill>
+                  </a:tcPr>
+                </a:tc>
+                <a:tc>
+                  <a:txBody>
+                    <a:bodyPr lIns="90000" rIns="90000" tIns="46800" bIns="46800"/>
+                    <a:p>
+                      <a:r>
+                        <a:rPr b="1" lang="en-US" sz="1800" spc="-1" strike="noStrike">
+                          <a:solidFill>
+                            <a:srgbClr val="000000"/>
+                          </a:solidFill>
+                          <a:uFill>
+                            <a:solidFill>
+                              <a:srgbClr val="ffffff"/>
+                            </a:solidFill>
+                          </a:uFill>
+                          <a:latin typeface="Arial"/>
+                        </a:rPr>
+                        <a:t>Forces :</a:t>
+                      </a:r>
+                      <a:endParaRPr b="1" lang="en-US" sz="1800" spc="-1" strike="noStrike">
+                        <a:solidFill>
+                          <a:srgbClr val="000000"/>
+                        </a:solidFill>
+                        <a:uFill>
+                          <a:solidFill>
+                            <a:srgbClr val="ffffff"/>
+                          </a:solidFill>
+                        </a:uFill>
+                        <a:latin typeface="Arial"/>
+                      </a:endParaRPr>
+                    </a:p>
+                    <a:p>
+                      <a:r>
+                        <a:rPr lang="en-US" sz="1800" spc="-1" strike="noStrike">
+                          <a:solidFill>
+                            <a:srgbClr val="000000"/>
+                          </a:solidFill>
+                          <a:uFill>
+                            <a:solidFill>
+                              <a:srgbClr val="ffffff"/>
+                            </a:solidFill>
+                          </a:uFill>
+                          <a:latin typeface="Arial"/>
+                        </a:rPr>
+                        <a:t>Grande variété de technologies</a:t>
+                      </a:r>
+                      <a:endParaRPr lang="en-US" sz="1800" spc="-1" strike="noStrike">
+                        <a:solidFill>
+                          <a:srgbClr val="000000"/>
+                        </a:solidFill>
+                        <a:uFill>
+                          <a:solidFill>
+                            <a:srgbClr val="ffffff"/>
+                          </a:solidFill>
+                        </a:uFill>
+                        <a:latin typeface="Arial"/>
+                      </a:endParaRPr>
+                    </a:p>
+                    <a:p>
+                      <a:r>
+                        <a:rPr lang="en-US" sz="1800" spc="-1" strike="noStrike">
+                          <a:solidFill>
+                            <a:srgbClr val="000000"/>
+                          </a:solidFill>
+                          <a:uFill>
+                            <a:solidFill>
+                              <a:srgbClr val="ffffff"/>
+                            </a:solidFill>
+                          </a:uFill>
+                          <a:latin typeface="Arial"/>
+                        </a:rPr>
+                        <a:t>Faible effectif (organisation plus facile)</a:t>
+                      </a:r>
+                      <a:endParaRPr lang="en-US" sz="1800" spc="-1" strike="noStrike">
+                        <a:solidFill>
+                          <a:srgbClr val="000000"/>
+                        </a:solidFill>
+                        <a:uFill>
+                          <a:solidFill>
+                            <a:srgbClr val="ffffff"/>
+                          </a:solidFill>
+                        </a:uFill>
+                        <a:latin typeface="Arial"/>
+                      </a:endParaRPr>
+                    </a:p>
+                  </a:txBody>
+                  <a:tcPr marL="90000" marR="90000">
+                    <a:lnL w="720">
+                      <a:solidFill>
+                        <a:srgbClr val="ffffff"/>
+                      </a:solidFill>
+                    </a:lnL>
+                    <a:lnR w="720">
+                      <a:solidFill>
+                        <a:srgbClr val="ffffff"/>
+                      </a:solidFill>
+                    </a:lnR>
+                    <a:lnT w="720">
+                      <a:solidFill>
+                        <a:srgbClr val="ffffff"/>
+                      </a:solidFill>
+                    </a:lnT>
+                    <a:lnB w="720">
+                      <a:solidFill>
+                        <a:srgbClr val="ffffff"/>
+                      </a:solidFill>
+                    </a:lnB>
+                    <a:solidFill>
+                      <a:srgbClr val="99ccff"/>
+                    </a:solidFill>
+                  </a:tcPr>
+                </a:tc>
+                <a:tc>
+                  <a:txBody>
+                    <a:bodyPr lIns="90000" rIns="90000" tIns="46800" bIns="46800"/>
+                    <a:p>
+                      <a:r>
+                        <a:rPr b="1" lang="en-US" sz="1800" spc="-1" strike="noStrike">
+                          <a:solidFill>
+                            <a:srgbClr val="000000"/>
+                          </a:solidFill>
+                          <a:uFill>
+                            <a:solidFill>
+                              <a:srgbClr val="ffffff"/>
+                            </a:solidFill>
+                          </a:uFill>
+                          <a:latin typeface="Arial"/>
+                        </a:rPr>
+                        <a:t>Faiblesses :</a:t>
+                      </a:r>
+                      <a:endParaRPr b="1" lang="en-US" sz="1800" spc="-1" strike="noStrike">
+                        <a:solidFill>
+                          <a:srgbClr val="000000"/>
+                        </a:solidFill>
+                        <a:uFill>
+                          <a:solidFill>
+                            <a:srgbClr val="ffffff"/>
+                          </a:solidFill>
+                        </a:uFill>
+                        <a:latin typeface="Arial"/>
+                      </a:endParaRPr>
+                    </a:p>
+                    <a:p>
+                      <a:r>
+                        <a:rPr lang="en-US" sz="1800" spc="-1" strike="noStrike">
+                          <a:solidFill>
+                            <a:srgbClr val="000000"/>
+                          </a:solidFill>
+                          <a:uFill>
+                            <a:solidFill>
+                              <a:srgbClr val="ffffff"/>
+                            </a:solidFill>
+                          </a:uFill>
+                          <a:latin typeface="Arial"/>
+                        </a:rPr>
+                        <a:t>Faible effectif (travail plus lent)</a:t>
+                      </a:r>
+                      <a:endParaRPr lang="en-US" sz="1800" spc="-1" strike="noStrike">
+                        <a:solidFill>
+                          <a:srgbClr val="000000"/>
+                        </a:solidFill>
+                        <a:uFill>
+                          <a:solidFill>
+                            <a:srgbClr val="ffffff"/>
+                          </a:solidFill>
+                        </a:uFill>
+                        <a:latin typeface="Arial"/>
+                      </a:endParaRPr>
+                    </a:p>
+                  </a:txBody>
+                  <a:tcPr marL="90000" marR="90000">
+                    <a:lnL w="720">
+                      <a:solidFill>
+                        <a:srgbClr val="ffffff"/>
+                      </a:solidFill>
+                    </a:lnL>
+                    <a:lnR w="720">
+                      <a:solidFill>
+                        <a:srgbClr val="ffffff"/>
+                      </a:solidFill>
+                    </a:lnR>
+                    <a:lnT w="720">
+                      <a:solidFill>
+                        <a:srgbClr val="ffffff"/>
+                      </a:solidFill>
+                    </a:lnT>
+                    <a:lnB w="720">
+                      <a:solidFill>
+                        <a:srgbClr val="ffffff"/>
+                      </a:solidFill>
+                    </a:lnB>
+                    <a:solidFill>
+                      <a:srgbClr val="99ccff"/>
+                    </a:solidFill>
+                  </a:tcPr>
+                </a:tc>
+              </a:tr>
+              <a:tr h="1555200">
+                <a:tc>
+                  <a:txBody>
+                    <a:bodyPr lIns="90000" rIns="90000" tIns="46800" bIns="46800"/>
+                    <a:p>
+                      <a:r>
+                        <a:rPr lang="en-US" sz="1800" spc="-1" strike="noStrike">
+                          <a:solidFill>
+                            <a:srgbClr val="000000"/>
+                          </a:solidFill>
+                          <a:uFill>
+                            <a:solidFill>
+                              <a:srgbClr val="ffffff"/>
+                            </a:solidFill>
+                          </a:uFill>
+                          <a:latin typeface="Arial"/>
+                        </a:rPr>
+                        <a:t>Externe</a:t>
+                      </a:r>
+                      <a:endParaRPr lang="en-US" sz="1800" spc="-1" strike="noStrike">
+                        <a:solidFill>
+                          <a:srgbClr val="000000"/>
+                        </a:solidFill>
+                        <a:uFill>
+                          <a:solidFill>
+                            <a:srgbClr val="ffffff"/>
+                          </a:solidFill>
+                        </a:uFill>
+                        <a:latin typeface="Arial"/>
+                      </a:endParaRPr>
+                    </a:p>
+                  </a:txBody>
+                  <a:tcPr marL="90000" marR="90000">
+                    <a:lnL w="720">
+                      <a:solidFill>
+                        <a:srgbClr val="ffffff"/>
+                      </a:solidFill>
+                    </a:lnL>
+                    <a:lnR w="720">
+                      <a:solidFill>
+                        <a:srgbClr val="ffffff"/>
+                      </a:solidFill>
+                    </a:lnR>
+                    <a:lnT w="720">
+                      <a:solidFill>
+                        <a:srgbClr val="ffffff"/>
+                      </a:solidFill>
+                    </a:lnT>
+                    <a:lnB w="720">
+                      <a:solidFill>
+                        <a:srgbClr val="ffffff"/>
+                      </a:solidFill>
+                    </a:lnB>
+                    <a:solidFill>
+                      <a:srgbClr val="0066cc"/>
+                    </a:solidFill>
+                  </a:tcPr>
+                </a:tc>
+                <a:tc>
+                  <a:txBody>
+                    <a:bodyPr lIns="90000" rIns="90000" tIns="46800" bIns="46800"/>
+                    <a:p>
+                      <a:r>
+                        <a:rPr b="1" lang="en-US" sz="1800" spc="-1" strike="noStrike">
+                          <a:solidFill>
+                            <a:srgbClr val="000000"/>
+                          </a:solidFill>
+                          <a:uFill>
+                            <a:solidFill>
+                              <a:srgbClr val="ffffff"/>
+                            </a:solidFill>
+                          </a:uFill>
+                          <a:latin typeface="Arial"/>
+                        </a:rPr>
+                        <a:t>Opportunités :</a:t>
+                      </a:r>
+                      <a:endParaRPr b="1" lang="en-US" sz="1800" spc="-1" strike="noStrike">
+                        <a:solidFill>
+                          <a:srgbClr val="000000"/>
+                        </a:solidFill>
+                        <a:uFill>
+                          <a:solidFill>
+                            <a:srgbClr val="ffffff"/>
+                          </a:solidFill>
+                        </a:uFill>
+                        <a:latin typeface="Arial"/>
+                      </a:endParaRPr>
+                    </a:p>
+                    <a:p>
+                      <a:r>
+                        <a:rPr lang="en-US" sz="1800" spc="-1" strike="noStrike">
+                          <a:solidFill>
+                            <a:srgbClr val="000000"/>
+                          </a:solidFill>
+                          <a:uFill>
+                            <a:solidFill>
+                              <a:srgbClr val="ffffff"/>
+                            </a:solidFill>
+                          </a:uFill>
+                          <a:latin typeface="Arial"/>
+                        </a:rPr>
+                        <a:t>Outils open-source</a:t>
+                      </a:r>
+                      <a:endParaRPr lang="en-US" sz="1800" spc="-1" strike="noStrike">
+                        <a:solidFill>
+                          <a:srgbClr val="000000"/>
+                        </a:solidFill>
+                        <a:uFill>
+                          <a:solidFill>
+                            <a:srgbClr val="ffffff"/>
+                          </a:solidFill>
+                        </a:uFill>
+                        <a:latin typeface="Arial"/>
+                      </a:endParaRPr>
+                    </a:p>
+                  </a:txBody>
+                  <a:tcPr marL="90000" marR="90000">
+                    <a:lnL w="720">
+                      <a:solidFill>
+                        <a:srgbClr val="ffffff"/>
+                      </a:solidFill>
+                    </a:lnL>
+                    <a:lnR w="720">
+                      <a:solidFill>
+                        <a:srgbClr val="ffffff"/>
+                      </a:solidFill>
+                    </a:lnR>
+                    <a:lnT w="720">
+                      <a:solidFill>
+                        <a:srgbClr val="ffffff"/>
+                      </a:solidFill>
+                    </a:lnT>
+                    <a:lnB w="720">
+                      <a:solidFill>
+                        <a:srgbClr val="ffffff"/>
+                      </a:solidFill>
+                    </a:lnB>
+                    <a:solidFill>
+                      <a:srgbClr val="99ccff"/>
+                    </a:solidFill>
+                  </a:tcPr>
+                </a:tc>
+                <a:tc>
+                  <a:txBody>
+                    <a:bodyPr lIns="90000" rIns="90000" tIns="46800" bIns="46800"/>
+                    <a:p>
+                      <a:r>
+                        <a:rPr b="1" lang="en-US" sz="1800" spc="-1" strike="noStrike">
+                          <a:solidFill>
+                            <a:srgbClr val="000000"/>
+                          </a:solidFill>
+                          <a:uFill>
+                            <a:solidFill>
+                              <a:srgbClr val="ffffff"/>
+                            </a:solidFill>
+                          </a:uFill>
+                          <a:latin typeface="Arial"/>
+                        </a:rPr>
+                        <a:t>Menaces :</a:t>
+                      </a:r>
+                      <a:endParaRPr b="1" lang="en-US" sz="1800" spc="-1" strike="noStrike">
+                        <a:solidFill>
+                          <a:srgbClr val="000000"/>
+                        </a:solidFill>
+                        <a:uFill>
+                          <a:solidFill>
+                            <a:srgbClr val="ffffff"/>
+                          </a:solidFill>
+                        </a:uFill>
+                        <a:latin typeface="Arial"/>
+                      </a:endParaRPr>
+                    </a:p>
+                    <a:p>
+                      <a:r>
+                        <a:rPr lang="en-US" sz="1800" spc="-1" strike="noStrike">
+                          <a:solidFill>
+                            <a:srgbClr val="000000"/>
+                          </a:solidFill>
+                          <a:uFill>
+                            <a:solidFill>
+                              <a:srgbClr val="ffffff"/>
+                            </a:solidFill>
+                          </a:uFill>
+                          <a:latin typeface="Arial"/>
+                        </a:rPr>
+                        <a:t>Charge de travail élevée</a:t>
+                      </a:r>
+                      <a:endParaRPr lang="en-US" sz="1800" spc="-1" strike="noStrike">
+                        <a:solidFill>
+                          <a:srgbClr val="000000"/>
+                        </a:solidFill>
+                        <a:uFill>
+                          <a:solidFill>
+                            <a:srgbClr val="ffffff"/>
+                          </a:solidFill>
+                        </a:uFill>
+                        <a:latin typeface="Arial"/>
+                      </a:endParaRPr>
+                    </a:p>
+                    <a:p>
+                      <a:r>
+                        <a:rPr lang="en-US" sz="1800" spc="-1" strike="noStrike">
+                          <a:solidFill>
+                            <a:srgbClr val="000000"/>
+                          </a:solidFill>
+                          <a:uFill>
+                            <a:solidFill>
+                              <a:srgbClr val="ffffff"/>
+                            </a:solidFill>
+                          </a:uFill>
+                          <a:latin typeface="Arial"/>
+                        </a:rPr>
+                        <a:t>Beaucoup d'objectifs</a:t>
+                      </a:r>
+                      <a:endParaRPr lang="en-US" sz="1800" spc="-1" strike="noStrike">
+                        <a:solidFill>
+                          <a:srgbClr val="000000"/>
+                        </a:solidFill>
+                        <a:uFill>
+                          <a:solidFill>
+                            <a:srgbClr val="ffffff"/>
+                          </a:solidFill>
+                        </a:uFill>
+                        <a:latin typeface="Arial"/>
+                      </a:endParaRPr>
+                    </a:p>
+                  </a:txBody>
+                  <a:tcPr marL="90000" marR="90000">
+                    <a:lnL w="720">
+                      <a:solidFill>
+                        <a:srgbClr val="ffffff"/>
+                      </a:solidFill>
+                    </a:lnL>
+                    <a:lnR w="720">
+                      <a:solidFill>
+                        <a:srgbClr val="ffffff"/>
+                      </a:solidFill>
+                    </a:lnR>
+                    <a:lnT w="720">
+                      <a:solidFill>
+                        <a:srgbClr val="ffffff"/>
+                      </a:solidFill>
+                    </a:lnT>
+                    <a:lnB w="720">
+                      <a:solidFill>
+                        <a:srgbClr val="ffffff"/>
+                      </a:solidFill>
+                    </a:lnB>
+                    <a:solidFill>
+                      <a:srgbClr val="99ccff"/>
+                    </a:solidFill>
+                  </a:tcPr>
+                </a:tc>
+              </a:tr>
+            </a:tbl>
+          </a:graphicData>
+        </a:graphic>
+      </p:graphicFrame>
+    </p:spTree>
+  </p:cSld>
+</p:sld>
+</file>
+
+<file path=ppt/slides/slide8.xml><?xml version="1.0" encoding="utf-8"?>
+<p:sld xmlns:a="http://schemas.openxmlformats.org/drawingml/2006/main" xmlns:p="http://schemas.openxmlformats.org/presentationml/2006/main" xmlns:r="http://schemas.openxmlformats.org/officeDocument/2006/relationships">
+  <p:cSld>
+    <p:spTree>
+      <p:nvGrpSpPr>
+        <p:cNvPr id="1" name=""/>
+        <p:cNvGrpSpPr/>
+        <p:nvPr/>
+      </p:nvGrpSpPr>
+      <p:grpSpPr>
+        <a:xfrm>
+          <a:off x="0" y="0"/>
+          <a:ext cx="0" cy="0"/>
+          <a:chOff x="0" y="0"/>
+          <a:chExt cx="0" cy="0"/>
+        </a:xfrm>
+      </p:grpSpPr>
+      <p:sp>
+        <p:nvSpPr>
+          <p:cNvPr id="122" name="TextShape 1"/>
+          <p:cNvSpPr txBox="1"/>
+          <p:nvPr/>
+        </p:nvSpPr>
+        <p:spPr>
+          <a:xfrm>
+            <a:off x="504000" y="301320"/>
+            <a:ext cx="9070920" cy="1261440"/>
+          </a:xfrm>
+          <a:prstGeom prst="rect">
+            <a:avLst/>
+          </a:prstGeom>
+          <a:noFill/>
+          <a:ln>
+            <a:noFill/>
+          </a:ln>
+        </p:spPr>
+        <p:txBody>
+          <a:bodyPr lIns="0" rIns="0" tIns="0" bIns="0" anchor="ctr"/>
+          <a:p>
+            <a:pPr algn="ctr"/>
+            <a:r>
+              <a:rPr lang="en-US" sz="4400" spc="-1" strike="noStrike">
+                <a:solidFill>
+                  <a:srgbClr val="000000"/>
+                </a:solidFill>
+                <a:uFill>
+                  <a:solidFill>
+                    <a:srgbClr val="ffffff"/>
+                  </a:solidFill>
+                </a:uFill>
+                <a:latin typeface="Arial"/>
+              </a:rPr>
+              <a:t>Risques techniques</a:t>
+            </a:r>
+            <a:endParaRPr lang="en-US" sz="4400" spc="-1" strike="noStrike">
+              <a:solidFill>
+                <a:srgbClr val="000000"/>
+              </a:solidFill>
+              <a:uFill>
+                <a:solidFill>
+                  <a:srgbClr val="ffffff"/>
+                </a:solidFill>
+              </a:uFill>
+              <a:latin typeface="Arial"/>
+            </a:endParaRPr>
+          </a:p>
+        </p:txBody>
+      </p:sp>
+      <p:sp>
+        <p:nvSpPr>
+          <p:cNvPr id="123" name="TextShape 2"/>
+          <p:cNvSpPr txBox="1"/>
+          <p:nvPr/>
+        </p:nvSpPr>
+        <p:spPr>
+          <a:xfrm>
+            <a:off x="504000" y="1769040"/>
+            <a:ext cx="9070920" cy="4383720"/>
+          </a:xfrm>
+          <a:prstGeom prst="rect">
+            <a:avLst/>
+          </a:prstGeom>
+          <a:noFill/>
+          <a:ln>
+            <a:noFill/>
+          </a:ln>
+        </p:spPr>
+        <p:txBody>
+          <a:bodyPr lIns="0" rIns="0" tIns="0" bIns="0"/>
+          <a:p>
+            <a:pPr marL="432000" indent="-324000">
+              <a:buClr>
+                <a:srgbClr val="000000"/>
+              </a:buClr>
+              <a:buSzPct val="45000"/>
+              <a:buFont typeface="Wingdings" charset="2"/>
+              <a:buChar char=""/>
+            </a:pPr>
+            <a:r>
+              <a:rPr lang="en-US" sz="3200" spc="-1" strike="noStrike">
+                <a:solidFill>
+                  <a:srgbClr val="000000"/>
+                </a:solidFill>
+                <a:uFill>
+                  <a:solidFill>
+                    <a:srgbClr val="ffffff"/>
+                  </a:solidFill>
+                </a:uFill>
+                <a:latin typeface="Arial"/>
+              </a:rPr>
+              <a:t>Nous allons rencontrer des risques techniques, en effet nous souhaitons réaliser une application de A à Z. C’est-à-dire partir d'une idée jusqu’à arriver à une application déployer en production.</a:t>
             </a:r>
             <a:endParaRPr lang="en-US" sz="3200" spc="-1" strike="noStrike">
               <a:solidFill>
@@ -4604,8 +9791,1819 @@
               <a:latin typeface="Arial"/>
             </a:endParaRPr>
           </a:p>
-        </p:txBody>
-      </p:sp>
+          <a:p>
+            <a:pPr marL="432000" indent="-324000">
+              <a:buClr>
+                <a:srgbClr val="000000"/>
+              </a:buClr>
+              <a:buSzPct val="45000"/>
+              <a:buFont typeface="Wingdings" charset="2"/>
+              <a:buChar char=""/>
+            </a:pPr>
+            <a:r>
+              <a:rPr lang="en-US" sz="3200" spc="-1" strike="noStrike">
+                <a:solidFill>
+                  <a:srgbClr val="000000"/>
+                </a:solidFill>
+                <a:uFill>
+                  <a:solidFill>
+                    <a:srgbClr val="ffffff"/>
+                  </a:solidFill>
+                </a:uFill>
+                <a:latin typeface="Arial"/>
+              </a:rPr>
+              <a:t>Il s'agit donc pour notre projet d'avoir une application ayant des fonctionnalités avancées et performante. Ainsi si nous avons une fonctionnalité permettant de gérer les images (ce que nous allons avoir) il ne s'agit pas que de gérer 10 à 15 images mais plutôt des dizaines voir centaines de milliers d'images. </a:t>
+            </a:r>
+            <a:endParaRPr lang="en-US" sz="3200" spc="-1" strike="noStrike">
+              <a:solidFill>
+                <a:srgbClr val="000000"/>
+              </a:solidFill>
+              <a:uFill>
+                <a:solidFill>
+                  <a:srgbClr val="ffffff"/>
+                </a:solidFill>
+              </a:uFill>
+              <a:latin typeface="Arial"/>
+            </a:endParaRPr>
+          </a:p>
+        </p:txBody>
+      </p:sp>
+    </p:spTree>
+  </p:cSld>
+  <p:timing>
+    <p:tnLst>
+      <p:par>
+        <p:cTn id="13" dur="indefinite" restart="never" nodeType="tmRoot">
+          <p:childTnLst>
+            <p:seq>
+              <p:cTn id="14" nodeType="mainSeq"/>
+              <p:prevCondLst>
+                <p:cond delay="0" evt="onPrev">
+                  <p:tgtEl>
+                    <p:sldTgt/>
+                  </p:tgtEl>
+                </p:cond>
+              </p:prevCondLst>
+              <p:nextCondLst>
+                <p:cond delay="0" evt="onNext">
+                  <p:tgtEl>
+                    <p:sldTgt/>
+                  </p:tgtEl>
+                </p:cond>
+              </p:nextCondLst>
+            </p:seq>
+          </p:childTnLst>
+        </p:cTn>
+      </p:par>
+    </p:tnLst>
+  </p:timing>
+</p:sld>
+</file>
+
+<file path=ppt/slides/slide9.xml><?xml version="1.0" encoding="utf-8"?>
+<p:sld xmlns:a="http://schemas.openxmlformats.org/drawingml/2006/main" xmlns:p="http://schemas.openxmlformats.org/presentationml/2006/main" xmlns:r="http://schemas.openxmlformats.org/officeDocument/2006/relationships">
+  <p:cSld>
+    <p:spTree>
+      <p:nvGrpSpPr>
+        <p:cNvPr id="1" name=""/>
+        <p:cNvGrpSpPr/>
+        <p:nvPr/>
+      </p:nvGrpSpPr>
+      <p:grpSpPr>
+        <a:xfrm>
+          <a:off x="0" y="0"/>
+          <a:ext cx="0" cy="0"/>
+          <a:chOff x="0" y="0"/>
+          <a:chExt cx="0" cy="0"/>
+        </a:xfrm>
+      </p:grpSpPr>
+      <p:sp>
+        <p:nvSpPr>
+          <p:cNvPr id="124" name="TextShape 1"/>
+          <p:cNvSpPr txBox="1"/>
+          <p:nvPr/>
+        </p:nvSpPr>
+        <p:spPr>
+          <a:xfrm>
+            <a:off x="504000" y="301320"/>
+            <a:ext cx="9070920" cy="1261440"/>
+          </a:xfrm>
+          <a:prstGeom prst="rect">
+            <a:avLst/>
+          </a:prstGeom>
+          <a:noFill/>
+          <a:ln>
+            <a:noFill/>
+          </a:ln>
+        </p:spPr>
+        <p:txBody>
+          <a:bodyPr lIns="0" rIns="0" tIns="0" bIns="0" anchor="ctr"/>
+          <a:p>
+            <a:pPr algn="ctr"/>
+            <a:r>
+              <a:rPr lang="en-US" sz="4400" spc="-1" strike="noStrike">
+                <a:solidFill>
+                  <a:srgbClr val="000000"/>
+                </a:solidFill>
+                <a:uFill>
+                  <a:solidFill>
+                    <a:srgbClr val="ffffff"/>
+                  </a:solidFill>
+                </a:uFill>
+                <a:latin typeface="Arial"/>
+              </a:rPr>
+              <a:t>Cas d'utilisation</a:t>
+            </a:r>
+            <a:endParaRPr lang="en-US" sz="4400" spc="-1" strike="noStrike">
+              <a:solidFill>
+                <a:srgbClr val="000000"/>
+              </a:solidFill>
+              <a:uFill>
+                <a:solidFill>
+                  <a:srgbClr val="ffffff"/>
+                </a:solidFill>
+              </a:uFill>
+              <a:latin typeface="Arial"/>
+            </a:endParaRPr>
+          </a:p>
+        </p:txBody>
+      </p:sp>
+      <p:graphicFrame>
+        <p:nvGraphicFramePr>
+          <p:cNvPr id="125" name="Table 2"/>
+          <p:cNvGraphicFramePr/>
+          <p:nvPr/>
+        </p:nvGraphicFramePr>
+        <p:xfrm>
+          <a:off x="819360" y="1416240"/>
+          <a:ext cx="8412480" cy="5577840"/>
+        </p:xfrm>
+        <a:graphic>
+          <a:graphicData uri="http://schemas.openxmlformats.org/drawingml/2006/table">
+            <a:tbl>
+              <a:tblPr/>
+              <a:tblGrid>
+                <a:gridCol w="4723920"/>
+                <a:gridCol w="1278000"/>
+                <a:gridCol w="1042560"/>
+                <a:gridCol w="1368000"/>
+              </a:tblGrid>
+              <a:tr h="796320">
+                <a:tc>
+                  <a:txBody>
+                    <a:bodyPr lIns="90000" rIns="90000" tIns="46800" bIns="46800"/>
+                    <a:p>
+                      <a:pPr algn="just"/>
+                      <a:r>
+                        <a:rPr b="1" lang="en-US" sz="1800" spc="-1" strike="noStrike">
+                          <a:solidFill>
+                            <a:srgbClr val="000000"/>
+                          </a:solidFill>
+                          <a:uFill>
+                            <a:solidFill>
+                              <a:srgbClr val="ffffff"/>
+                            </a:solidFill>
+                          </a:uFill>
+                          <a:latin typeface="Arial"/>
+                        </a:rPr>
+                        <a:t>Nom du cas d’utilisation</a:t>
+                      </a:r>
+                      <a:endParaRPr b="1" lang="en-US" sz="1800" spc="-1" strike="noStrike">
+                        <a:solidFill>
+                          <a:srgbClr val="000000"/>
+                        </a:solidFill>
+                        <a:uFill>
+                          <a:solidFill>
+                            <a:srgbClr val="ffffff"/>
+                          </a:solidFill>
+                        </a:uFill>
+                        <a:latin typeface="Arial"/>
+                      </a:endParaRPr>
+                    </a:p>
+                  </a:txBody>
+                  <a:tcPr marL="90000" marR="90000">
+                    <a:lnL w="720">
+                      <a:solidFill>
+                        <a:srgbClr val="ffffff"/>
+                      </a:solidFill>
+                    </a:lnL>
+                    <a:lnR w="720">
+                      <a:solidFill>
+                        <a:srgbClr val="ffffff"/>
+                      </a:solidFill>
+                    </a:lnR>
+                    <a:lnT w="720">
+                      <a:solidFill>
+                        <a:srgbClr val="ffffff"/>
+                      </a:solidFill>
+                    </a:lnT>
+                    <a:lnB w="720">
+                      <a:solidFill>
+                        <a:srgbClr val="ffffff"/>
+                      </a:solidFill>
+                    </a:lnB>
+                    <a:solidFill>
+                      <a:srgbClr val="0066cc"/>
+                    </a:solidFill>
+                  </a:tcPr>
+                </a:tc>
+                <a:tc>
+                  <a:txBody>
+                    <a:bodyPr lIns="90000" rIns="90000" tIns="46800" bIns="46800"/>
+                    <a:p>
+                      <a:pPr algn="just"/>
+                      <a:r>
+                        <a:rPr b="1" lang="en-US" sz="1800" spc="-1" strike="noStrike">
+                          <a:solidFill>
+                            <a:srgbClr val="000000"/>
+                          </a:solidFill>
+                          <a:uFill>
+                            <a:solidFill>
+                              <a:srgbClr val="ffffff"/>
+                            </a:solidFill>
+                          </a:uFill>
+                          <a:latin typeface="Arial"/>
+                        </a:rPr>
+                        <a:t>Acteur(s)</a:t>
+                      </a:r>
+                      <a:endParaRPr b="1" lang="en-US" sz="1800" spc="-1" strike="noStrike">
+                        <a:solidFill>
+                          <a:srgbClr val="000000"/>
+                        </a:solidFill>
+                        <a:uFill>
+                          <a:solidFill>
+                            <a:srgbClr val="ffffff"/>
+                          </a:solidFill>
+                        </a:uFill>
+                        <a:latin typeface="Arial"/>
+                      </a:endParaRPr>
+                    </a:p>
+                  </a:txBody>
+                  <a:tcPr marL="90000" marR="90000">
+                    <a:lnL w="720">
+                      <a:solidFill>
+                        <a:srgbClr val="ffffff"/>
+                      </a:solidFill>
+                    </a:lnL>
+                    <a:lnR w="720">
+                      <a:solidFill>
+                        <a:srgbClr val="ffffff"/>
+                      </a:solidFill>
+                    </a:lnR>
+                    <a:lnT w="720">
+                      <a:solidFill>
+                        <a:srgbClr val="ffffff"/>
+                      </a:solidFill>
+                    </a:lnT>
+                    <a:lnB w="720">
+                      <a:solidFill>
+                        <a:srgbClr val="ffffff"/>
+                      </a:solidFill>
+                    </a:lnB>
+                    <a:solidFill>
+                      <a:srgbClr val="0066cc"/>
+                    </a:solidFill>
+                  </a:tcPr>
+                </a:tc>
+                <a:tc>
+                  <a:txBody>
+                    <a:bodyPr lIns="90000" rIns="90000" tIns="46800" bIns="46800"/>
+                    <a:p>
+                      <a:pPr algn="just"/>
+                      <a:r>
+                        <a:rPr b="1" lang="en-US" sz="1800" spc="-1" strike="noStrike">
+                          <a:solidFill>
+                            <a:srgbClr val="000000"/>
+                          </a:solidFill>
+                          <a:uFill>
+                            <a:solidFill>
+                              <a:srgbClr val="ffffff"/>
+                            </a:solidFill>
+                          </a:uFill>
+                          <a:latin typeface="Arial"/>
+                        </a:rPr>
+                        <a:t>Priorité</a:t>
+                      </a:r>
+                      <a:endParaRPr b="1" lang="en-US" sz="1800" spc="-1" strike="noStrike">
+                        <a:solidFill>
+                          <a:srgbClr val="000000"/>
+                        </a:solidFill>
+                        <a:uFill>
+                          <a:solidFill>
+                            <a:srgbClr val="ffffff"/>
+                          </a:solidFill>
+                        </a:uFill>
+                        <a:latin typeface="Arial"/>
+                      </a:endParaRPr>
+                    </a:p>
+                  </a:txBody>
+                  <a:tcPr marL="90000" marR="90000">
+                    <a:lnL w="720">
+                      <a:solidFill>
+                        <a:srgbClr val="ffffff"/>
+                      </a:solidFill>
+                    </a:lnL>
+                    <a:lnR w="720">
+                      <a:solidFill>
+                        <a:srgbClr val="ffffff"/>
+                      </a:solidFill>
+                    </a:lnR>
+                    <a:lnT w="720">
+                      <a:solidFill>
+                        <a:srgbClr val="ffffff"/>
+                      </a:solidFill>
+                    </a:lnT>
+                    <a:lnB w="720">
+                      <a:solidFill>
+                        <a:srgbClr val="ffffff"/>
+                      </a:solidFill>
+                    </a:lnB>
+                    <a:solidFill>
+                      <a:srgbClr val="0066cc"/>
+                    </a:solidFill>
+                  </a:tcPr>
+                </a:tc>
+                <a:tc>
+                  <a:txBody>
+                    <a:bodyPr lIns="90000" rIns="90000" tIns="46800" bIns="46800"/>
+                    <a:p>
+                      <a:pPr algn="just"/>
+                      <a:r>
+                        <a:rPr b="1" lang="en-US" sz="1800" spc="-1" strike="noStrike">
+                          <a:solidFill>
+                            <a:srgbClr val="000000"/>
+                          </a:solidFill>
+                          <a:uFill>
+                            <a:solidFill>
+                              <a:srgbClr val="ffffff"/>
+                            </a:solidFill>
+                          </a:uFill>
+                          <a:latin typeface="Arial"/>
+                        </a:rPr>
+                        <a:t>Risques</a:t>
+                      </a:r>
+                      <a:endParaRPr b="1" lang="en-US" sz="1800" spc="-1" strike="noStrike">
+                        <a:solidFill>
+                          <a:srgbClr val="000000"/>
+                        </a:solidFill>
+                        <a:uFill>
+                          <a:solidFill>
+                            <a:srgbClr val="ffffff"/>
+                          </a:solidFill>
+                        </a:uFill>
+                        <a:latin typeface="Arial"/>
+                      </a:endParaRPr>
+                    </a:p>
+                  </a:txBody>
+                  <a:tcPr marL="90000" marR="90000">
+                    <a:lnL w="720">
+                      <a:solidFill>
+                        <a:srgbClr val="ffffff"/>
+                      </a:solidFill>
+                    </a:lnL>
+                    <a:lnR w="720">
+                      <a:solidFill>
+                        <a:srgbClr val="ffffff"/>
+                      </a:solidFill>
+                    </a:lnR>
+                    <a:lnT w="720">
+                      <a:solidFill>
+                        <a:srgbClr val="ffffff"/>
+                      </a:solidFill>
+                    </a:lnT>
+                    <a:lnB w="720">
+                      <a:solidFill>
+                        <a:srgbClr val="ffffff"/>
+                      </a:solidFill>
+                    </a:lnB>
+                    <a:solidFill>
+                      <a:srgbClr val="0066cc"/>
+                    </a:solidFill>
+                  </a:tcPr>
+                </a:tc>
+              </a:tr>
+              <a:tr h="796320">
+                <a:tc>
+                  <a:txBody>
+                    <a:bodyPr lIns="90000" rIns="90000" tIns="46800" bIns="46800"/>
+                    <a:p>
+                      <a:pPr algn="just"/>
+                      <a:r>
+                        <a:rPr lang="en-US" sz="1800" spc="-1" strike="noStrike">
+                          <a:solidFill>
+                            <a:srgbClr val="000000"/>
+                          </a:solidFill>
+                          <a:uFill>
+                            <a:solidFill>
+                              <a:srgbClr val="ffffff"/>
+                            </a:solidFill>
+                          </a:uFill>
+                          <a:latin typeface="Arial"/>
+                        </a:rPr>
+                        <a:t>Créer un exercice</a:t>
+                      </a:r>
+                      <a:endParaRPr lang="en-US" sz="1800" spc="-1" strike="noStrike">
+                        <a:solidFill>
+                          <a:srgbClr val="000000"/>
+                        </a:solidFill>
+                        <a:uFill>
+                          <a:solidFill>
+                            <a:srgbClr val="ffffff"/>
+                          </a:solidFill>
+                        </a:uFill>
+                        <a:latin typeface="Arial"/>
+                      </a:endParaRPr>
+                    </a:p>
+                  </a:txBody>
+                  <a:tcPr marL="90000" marR="90000">
+                    <a:lnL w="720">
+                      <a:solidFill>
+                        <a:srgbClr val="ffffff"/>
+                      </a:solidFill>
+                    </a:lnL>
+                    <a:lnR w="720">
+                      <a:solidFill>
+                        <a:srgbClr val="ffffff"/>
+                      </a:solidFill>
+                    </a:lnR>
+                    <a:lnT w="720">
+                      <a:solidFill>
+                        <a:srgbClr val="ffffff"/>
+                      </a:solidFill>
+                    </a:lnT>
+                    <a:lnB w="720">
+                      <a:solidFill>
+                        <a:srgbClr val="ffffff"/>
+                      </a:solidFill>
+                    </a:lnB>
+                    <a:solidFill>
+                      <a:srgbClr val="0099ff"/>
+                    </a:solidFill>
+                  </a:tcPr>
+                </a:tc>
+                <a:tc>
+                  <a:txBody>
+                    <a:bodyPr lIns="90000" rIns="90000" tIns="46800" bIns="46800"/>
+                    <a:p>
+                      <a:pPr algn="just"/>
+                      <a:r>
+                        <a:rPr lang="en-US" sz="1800" spc="-1" strike="noStrike">
+                          <a:solidFill>
+                            <a:srgbClr val="000000"/>
+                          </a:solidFill>
+                          <a:uFill>
+                            <a:solidFill>
+                              <a:srgbClr val="ffffff"/>
+                            </a:solidFill>
+                          </a:uFill>
+                          <a:latin typeface="Arial"/>
+                        </a:rPr>
+                        <a:t>Utilisateur</a:t>
+                      </a:r>
+                      <a:endParaRPr lang="en-US" sz="1800" spc="-1" strike="noStrike">
+                        <a:solidFill>
+                          <a:srgbClr val="000000"/>
+                        </a:solidFill>
+                        <a:uFill>
+                          <a:solidFill>
+                            <a:srgbClr val="ffffff"/>
+                          </a:solidFill>
+                        </a:uFill>
+                        <a:latin typeface="Arial"/>
+                      </a:endParaRPr>
+                    </a:p>
+                  </a:txBody>
+                  <a:tcPr marL="90000" marR="90000">
+                    <a:lnL w="720">
+                      <a:solidFill>
+                        <a:srgbClr val="ffffff"/>
+                      </a:solidFill>
+                    </a:lnL>
+                    <a:lnR w="720">
+                      <a:solidFill>
+                        <a:srgbClr val="ffffff"/>
+                      </a:solidFill>
+                    </a:lnR>
+                    <a:lnT w="720">
+                      <a:solidFill>
+                        <a:srgbClr val="ffffff"/>
+                      </a:solidFill>
+                    </a:lnT>
+                    <a:lnB w="720">
+                      <a:solidFill>
+                        <a:srgbClr val="ffffff"/>
+                      </a:solidFill>
+                    </a:lnB>
+                    <a:solidFill>
+                      <a:srgbClr val="0099ff"/>
+                    </a:solidFill>
+                  </a:tcPr>
+                </a:tc>
+                <a:tc>
+                  <a:txBody>
+                    <a:bodyPr lIns="90000" rIns="90000" tIns="46800" bIns="46800"/>
+                    <a:p>
+                      <a:pPr algn="just"/>
+                      <a:r>
+                        <a:rPr lang="en-US" sz="1800" spc="-1" strike="noStrike">
+                          <a:solidFill>
+                            <a:srgbClr val="000000"/>
+                          </a:solidFill>
+                          <a:uFill>
+                            <a:solidFill>
+                              <a:srgbClr val="ffffff"/>
+                            </a:solidFill>
+                          </a:uFill>
+                          <a:latin typeface="Arial"/>
+                        </a:rPr>
+                        <a:t>Haute</a:t>
+                      </a:r>
+                      <a:endParaRPr lang="en-US" sz="1800" spc="-1" strike="noStrike">
+                        <a:solidFill>
+                          <a:srgbClr val="000000"/>
+                        </a:solidFill>
+                        <a:uFill>
+                          <a:solidFill>
+                            <a:srgbClr val="ffffff"/>
+                          </a:solidFill>
+                        </a:uFill>
+                        <a:latin typeface="Arial"/>
+                      </a:endParaRPr>
+                    </a:p>
+                  </a:txBody>
+                  <a:tcPr marL="90000" marR="90000">
+                    <a:lnL w="720">
+                      <a:solidFill>
+                        <a:srgbClr val="ffffff"/>
+                      </a:solidFill>
+                    </a:lnL>
+                    <a:lnR w="720">
+                      <a:solidFill>
+                        <a:srgbClr val="ffffff"/>
+                      </a:solidFill>
+                    </a:lnR>
+                    <a:lnT w="720">
+                      <a:solidFill>
+                        <a:srgbClr val="ffffff"/>
+                      </a:solidFill>
+                    </a:lnT>
+                    <a:lnB w="720">
+                      <a:solidFill>
+                        <a:srgbClr val="ffffff"/>
+                      </a:solidFill>
+                    </a:lnB>
+                    <a:solidFill>
+                      <a:srgbClr val="0099ff"/>
+                    </a:solidFill>
+                  </a:tcPr>
+                </a:tc>
+                <a:tc>
+                  <a:txBody>
+                    <a:bodyPr lIns="90000" rIns="90000" tIns="46800" bIns="46800"/>
+                    <a:p>
+                      <a:pPr algn="just"/>
+                      <a:r>
+                        <a:rPr lang="en-US" sz="1800" spc="-1" strike="noStrike">
+                          <a:solidFill>
+                            <a:srgbClr val="000000"/>
+                          </a:solidFill>
+                          <a:uFill>
+                            <a:solidFill>
+                              <a:srgbClr val="ffffff"/>
+                            </a:solidFill>
+                          </a:uFill>
+                          <a:latin typeface="Arial"/>
+                        </a:rPr>
+                        <a:t>Haut</a:t>
+                      </a:r>
+                      <a:endParaRPr lang="en-US" sz="1800" spc="-1" strike="noStrike">
+                        <a:solidFill>
+                          <a:srgbClr val="000000"/>
+                        </a:solidFill>
+                        <a:uFill>
+                          <a:solidFill>
+                            <a:srgbClr val="ffffff"/>
+                          </a:solidFill>
+                        </a:uFill>
+                        <a:latin typeface="Arial"/>
+                      </a:endParaRPr>
+                    </a:p>
+                  </a:txBody>
+                  <a:tcPr marL="90000" marR="90000">
+                    <a:lnL w="720">
+                      <a:solidFill>
+                        <a:srgbClr val="ffffff"/>
+                      </a:solidFill>
+                    </a:lnL>
+                    <a:lnR w="720">
+                      <a:solidFill>
+                        <a:srgbClr val="ffffff"/>
+                      </a:solidFill>
+                    </a:lnR>
+                    <a:lnT w="720">
+                      <a:solidFill>
+                        <a:srgbClr val="ffffff"/>
+                      </a:solidFill>
+                    </a:lnT>
+                    <a:lnB w="720">
+                      <a:solidFill>
+                        <a:srgbClr val="ffffff"/>
+                      </a:solidFill>
+                    </a:lnB>
+                    <a:solidFill>
+                      <a:srgbClr val="0099ff"/>
+                    </a:solidFill>
+                  </a:tcPr>
+                </a:tc>
+              </a:tr>
+              <a:tr h="796320">
+                <a:tc>
+                  <a:txBody>
+                    <a:bodyPr lIns="90000" rIns="90000" tIns="46800" bIns="46800"/>
+                    <a:p>
+                      <a:pPr algn="just"/>
+                      <a:r>
+                        <a:rPr lang="en-US" sz="1800" spc="-1" strike="noStrike">
+                          <a:solidFill>
+                            <a:srgbClr val="000000"/>
+                          </a:solidFill>
+                          <a:uFill>
+                            <a:solidFill>
+                              <a:srgbClr val="ffffff"/>
+                            </a:solidFill>
+                          </a:uFill>
+                          <a:latin typeface="Arial"/>
+                        </a:rPr>
+                        <a:t>Réviser un exercice / Gagner des points et niveaux</a:t>
+                      </a:r>
+                      <a:endParaRPr lang="en-US" sz="1800" spc="-1" strike="noStrike">
+                        <a:solidFill>
+                          <a:srgbClr val="000000"/>
+                        </a:solidFill>
+                        <a:uFill>
+                          <a:solidFill>
+                            <a:srgbClr val="ffffff"/>
+                          </a:solidFill>
+                        </a:uFill>
+                        <a:latin typeface="Arial"/>
+                      </a:endParaRPr>
+                    </a:p>
+                  </a:txBody>
+                  <a:tcPr marL="90000" marR="90000">
+                    <a:lnL w="720">
+                      <a:solidFill>
+                        <a:srgbClr val="ffffff"/>
+                      </a:solidFill>
+                    </a:lnL>
+                    <a:lnR w="720">
+                      <a:solidFill>
+                        <a:srgbClr val="ffffff"/>
+                      </a:solidFill>
+                    </a:lnR>
+                    <a:lnT w="720">
+                      <a:solidFill>
+                        <a:srgbClr val="ffffff"/>
+                      </a:solidFill>
+                    </a:lnT>
+                    <a:lnB w="720">
+                      <a:solidFill>
+                        <a:srgbClr val="ffffff"/>
+                      </a:solidFill>
+                    </a:lnB>
+                    <a:solidFill>
+                      <a:srgbClr val="99ccff"/>
+                    </a:solidFill>
+                  </a:tcPr>
+                </a:tc>
+                <a:tc>
+                  <a:txBody>
+                    <a:bodyPr lIns="90000" rIns="90000" tIns="46800" bIns="46800"/>
+                    <a:p>
+                      <a:pPr algn="just"/>
+                      <a:r>
+                        <a:rPr lang="en-US" sz="1800" spc="-1" strike="noStrike">
+                          <a:solidFill>
+                            <a:srgbClr val="000000"/>
+                          </a:solidFill>
+                          <a:uFill>
+                            <a:solidFill>
+                              <a:srgbClr val="ffffff"/>
+                            </a:solidFill>
+                          </a:uFill>
+                          <a:latin typeface="Arial"/>
+                        </a:rPr>
+                        <a:t>Utilisateur</a:t>
+                      </a:r>
+                      <a:endParaRPr lang="en-US" sz="1800" spc="-1" strike="noStrike">
+                        <a:solidFill>
+                          <a:srgbClr val="000000"/>
+                        </a:solidFill>
+                        <a:uFill>
+                          <a:solidFill>
+                            <a:srgbClr val="ffffff"/>
+                          </a:solidFill>
+                        </a:uFill>
+                        <a:latin typeface="Arial"/>
+                      </a:endParaRPr>
+                    </a:p>
+                  </a:txBody>
+                  <a:tcPr marL="90000" marR="90000">
+                    <a:lnL w="720">
+                      <a:solidFill>
+                        <a:srgbClr val="ffffff"/>
+                      </a:solidFill>
+                    </a:lnL>
+                    <a:lnR w="720">
+                      <a:solidFill>
+                        <a:srgbClr val="ffffff"/>
+                      </a:solidFill>
+                    </a:lnR>
+                    <a:lnT w="720">
+                      <a:solidFill>
+                        <a:srgbClr val="ffffff"/>
+                      </a:solidFill>
+                    </a:lnT>
+                    <a:lnB w="720">
+                      <a:solidFill>
+                        <a:srgbClr val="ffffff"/>
+                      </a:solidFill>
+                    </a:lnB>
+                    <a:solidFill>
+                      <a:srgbClr val="99ccff"/>
+                    </a:solidFill>
+                  </a:tcPr>
+                </a:tc>
+                <a:tc>
+                  <a:txBody>
+                    <a:bodyPr lIns="90000" rIns="90000" tIns="46800" bIns="46800"/>
+                    <a:p>
+                      <a:pPr algn="just"/>
+                      <a:r>
+                        <a:rPr lang="en-US" sz="1800" spc="-1" strike="noStrike">
+                          <a:solidFill>
+                            <a:srgbClr val="000000"/>
+                          </a:solidFill>
+                          <a:uFill>
+                            <a:solidFill>
+                              <a:srgbClr val="ffffff"/>
+                            </a:solidFill>
+                          </a:uFill>
+                          <a:latin typeface="Arial"/>
+                        </a:rPr>
+                        <a:t>Haute</a:t>
+                      </a:r>
+                      <a:endParaRPr lang="en-US" sz="1800" spc="-1" strike="noStrike">
+                        <a:solidFill>
+                          <a:srgbClr val="000000"/>
+                        </a:solidFill>
+                        <a:uFill>
+                          <a:solidFill>
+                            <a:srgbClr val="ffffff"/>
+                          </a:solidFill>
+                        </a:uFill>
+                        <a:latin typeface="Arial"/>
+                      </a:endParaRPr>
+                    </a:p>
+                  </a:txBody>
+                  <a:tcPr marL="90000" marR="90000">
+                    <a:lnL w="720">
+                      <a:solidFill>
+                        <a:srgbClr val="ffffff"/>
+                      </a:solidFill>
+                    </a:lnL>
+                    <a:lnR w="720">
+                      <a:solidFill>
+                        <a:srgbClr val="ffffff"/>
+                      </a:solidFill>
+                    </a:lnR>
+                    <a:lnT w="720">
+                      <a:solidFill>
+                        <a:srgbClr val="ffffff"/>
+                      </a:solidFill>
+                    </a:lnT>
+                    <a:lnB w="720">
+                      <a:solidFill>
+                        <a:srgbClr val="ffffff"/>
+                      </a:solidFill>
+                    </a:lnB>
+                    <a:solidFill>
+                      <a:srgbClr val="99ccff"/>
+                    </a:solidFill>
+                  </a:tcPr>
+                </a:tc>
+                <a:tc>
+                  <a:txBody>
+                    <a:bodyPr lIns="90000" rIns="90000" tIns="46800" bIns="46800"/>
+                    <a:p>
+                      <a:pPr algn="just"/>
+                      <a:r>
+                        <a:rPr lang="en-US" sz="1800" spc="-1" strike="noStrike">
+                          <a:solidFill>
+                            <a:srgbClr val="000000"/>
+                          </a:solidFill>
+                          <a:uFill>
+                            <a:solidFill>
+                              <a:srgbClr val="ffffff"/>
+                            </a:solidFill>
+                          </a:uFill>
+                          <a:latin typeface="Arial"/>
+                        </a:rPr>
+                        <a:t>Haut</a:t>
+                      </a:r>
+                      <a:endParaRPr lang="en-US" sz="1800" spc="-1" strike="noStrike">
+                        <a:solidFill>
+                          <a:srgbClr val="000000"/>
+                        </a:solidFill>
+                        <a:uFill>
+                          <a:solidFill>
+                            <a:srgbClr val="ffffff"/>
+                          </a:solidFill>
+                        </a:uFill>
+                        <a:latin typeface="Arial"/>
+                      </a:endParaRPr>
+                    </a:p>
+                  </a:txBody>
+                  <a:tcPr marL="90000" marR="90000">
+                    <a:lnL w="720">
+                      <a:solidFill>
+                        <a:srgbClr val="ffffff"/>
+                      </a:solidFill>
+                    </a:lnL>
+                    <a:lnR w="720">
+                      <a:solidFill>
+                        <a:srgbClr val="ffffff"/>
+                      </a:solidFill>
+                    </a:lnR>
+                    <a:lnT w="720">
+                      <a:solidFill>
+                        <a:srgbClr val="ffffff"/>
+                      </a:solidFill>
+                    </a:lnT>
+                    <a:lnB w="720">
+                      <a:solidFill>
+                        <a:srgbClr val="ffffff"/>
+                      </a:solidFill>
+                    </a:lnB>
+                    <a:solidFill>
+                      <a:srgbClr val="99ccff"/>
+                    </a:solidFill>
+                  </a:tcPr>
+                </a:tc>
+              </a:tr>
+              <a:tr h="794880">
+                <a:tc>
+                  <a:txBody>
+                    <a:bodyPr lIns="90000" rIns="90000" tIns="46800" bIns="46800"/>
+                    <a:p>
+                      <a:pPr algn="just"/>
+                      <a:r>
+                        <a:rPr lang="en-US" sz="1800" spc="-1" strike="noStrike">
+                          <a:solidFill>
+                            <a:srgbClr val="000000"/>
+                          </a:solidFill>
+                          <a:uFill>
+                            <a:solidFill>
+                              <a:srgbClr val="ffffff"/>
+                            </a:solidFill>
+                          </a:uFill>
+                          <a:latin typeface="Arial"/>
+                        </a:rPr>
+                        <a:t>Recherche un exercice existant</a:t>
+                      </a:r>
+                      <a:endParaRPr lang="en-US" sz="1800" spc="-1" strike="noStrike">
+                        <a:solidFill>
+                          <a:srgbClr val="000000"/>
+                        </a:solidFill>
+                        <a:uFill>
+                          <a:solidFill>
+                            <a:srgbClr val="ffffff"/>
+                          </a:solidFill>
+                        </a:uFill>
+                        <a:latin typeface="Arial"/>
+                      </a:endParaRPr>
+                    </a:p>
+                  </a:txBody>
+                  <a:tcPr marL="90000" marR="90000">
+                    <a:lnL w="720">
+                      <a:solidFill>
+                        <a:srgbClr val="ffffff"/>
+                      </a:solidFill>
+                    </a:lnL>
+                    <a:lnR w="720">
+                      <a:solidFill>
+                        <a:srgbClr val="ffffff"/>
+                      </a:solidFill>
+                    </a:lnR>
+                    <a:lnT w="720">
+                      <a:solidFill>
+                        <a:srgbClr val="ffffff"/>
+                      </a:solidFill>
+                    </a:lnT>
+                    <a:lnB w="720">
+                      <a:solidFill>
+                        <a:srgbClr val="ffffff"/>
+                      </a:solidFill>
+                    </a:lnB>
+                    <a:solidFill>
+                      <a:srgbClr val="0099ff"/>
+                    </a:solidFill>
+                  </a:tcPr>
+                </a:tc>
+                <a:tc>
+                  <a:txBody>
+                    <a:bodyPr lIns="90000" rIns="90000" tIns="46800" bIns="46800"/>
+                    <a:p>
+                      <a:pPr algn="just"/>
+                      <a:r>
+                        <a:rPr lang="en-US" sz="1800" spc="-1" strike="noStrike">
+                          <a:solidFill>
+                            <a:srgbClr val="000000"/>
+                          </a:solidFill>
+                          <a:uFill>
+                            <a:solidFill>
+                              <a:srgbClr val="ffffff"/>
+                            </a:solidFill>
+                          </a:uFill>
+                          <a:latin typeface="Arial"/>
+                        </a:rPr>
+                        <a:t>Utilisateur</a:t>
+                      </a:r>
+                      <a:endParaRPr lang="en-US" sz="1800" spc="-1" strike="noStrike">
+                        <a:solidFill>
+                          <a:srgbClr val="000000"/>
+                        </a:solidFill>
+                        <a:uFill>
+                          <a:solidFill>
+                            <a:srgbClr val="ffffff"/>
+                          </a:solidFill>
+                        </a:uFill>
+                        <a:latin typeface="Arial"/>
+                      </a:endParaRPr>
+                    </a:p>
+                  </a:txBody>
+                  <a:tcPr marL="90000" marR="90000">
+                    <a:lnL w="720">
+                      <a:solidFill>
+                        <a:srgbClr val="ffffff"/>
+                      </a:solidFill>
+                    </a:lnL>
+                    <a:lnR w="720">
+                      <a:solidFill>
+                        <a:srgbClr val="ffffff"/>
+                      </a:solidFill>
+                    </a:lnR>
+                    <a:lnT w="720">
+                      <a:solidFill>
+                        <a:srgbClr val="ffffff"/>
+                      </a:solidFill>
+                    </a:lnT>
+                    <a:lnB w="720">
+                      <a:solidFill>
+                        <a:srgbClr val="ffffff"/>
+                      </a:solidFill>
+                    </a:lnB>
+                    <a:solidFill>
+                      <a:srgbClr val="0099ff"/>
+                    </a:solidFill>
+                  </a:tcPr>
+                </a:tc>
+                <a:tc>
+                  <a:txBody>
+                    <a:bodyPr lIns="90000" rIns="90000" tIns="46800" bIns="46800"/>
+                    <a:p>
+                      <a:pPr algn="just"/>
+                      <a:r>
+                        <a:rPr lang="en-US" sz="1800" spc="-1" strike="noStrike">
+                          <a:solidFill>
+                            <a:srgbClr val="000000"/>
+                          </a:solidFill>
+                          <a:uFill>
+                            <a:solidFill>
+                              <a:srgbClr val="ffffff"/>
+                            </a:solidFill>
+                          </a:uFill>
+                          <a:latin typeface="Arial"/>
+                        </a:rPr>
+                        <a:t>Haute</a:t>
+                      </a:r>
+                      <a:endParaRPr lang="en-US" sz="1800" spc="-1" strike="noStrike">
+                        <a:solidFill>
+                          <a:srgbClr val="000000"/>
+                        </a:solidFill>
+                        <a:uFill>
+                          <a:solidFill>
+                            <a:srgbClr val="ffffff"/>
+                          </a:solidFill>
+                        </a:uFill>
+                        <a:latin typeface="Arial"/>
+                      </a:endParaRPr>
+                    </a:p>
+                  </a:txBody>
+                  <a:tcPr marL="90000" marR="90000">
+                    <a:lnL w="720">
+                      <a:solidFill>
+                        <a:srgbClr val="ffffff"/>
+                      </a:solidFill>
+                    </a:lnL>
+                    <a:lnR w="720">
+                      <a:solidFill>
+                        <a:srgbClr val="ffffff"/>
+                      </a:solidFill>
+                    </a:lnR>
+                    <a:lnT w="720">
+                      <a:solidFill>
+                        <a:srgbClr val="ffffff"/>
+                      </a:solidFill>
+                    </a:lnT>
+                    <a:lnB w="720">
+                      <a:solidFill>
+                        <a:srgbClr val="ffffff"/>
+                      </a:solidFill>
+                    </a:lnB>
+                    <a:solidFill>
+                      <a:srgbClr val="0099ff"/>
+                    </a:solidFill>
+                  </a:tcPr>
+                </a:tc>
+                <a:tc>
+                  <a:txBody>
+                    <a:bodyPr lIns="90000" rIns="90000" tIns="46800" bIns="46800"/>
+                    <a:p>
+                      <a:pPr algn="just"/>
+                      <a:r>
+                        <a:rPr lang="en-US" sz="1800" spc="-1" strike="noStrike">
+                          <a:solidFill>
+                            <a:srgbClr val="000000"/>
+                          </a:solidFill>
+                          <a:uFill>
+                            <a:solidFill>
+                              <a:srgbClr val="ffffff"/>
+                            </a:solidFill>
+                          </a:uFill>
+                          <a:latin typeface="Arial"/>
+                        </a:rPr>
+                        <a:t> </a:t>
+                      </a:r>
+                      <a:r>
+                        <a:rPr lang="en-US" sz="1800" spc="-1" strike="noStrike">
+                          <a:solidFill>
+                            <a:srgbClr val="000000"/>
+                          </a:solidFill>
+                          <a:uFill>
+                            <a:solidFill>
+                              <a:srgbClr val="ffffff"/>
+                            </a:solidFill>
+                          </a:uFill>
+                          <a:latin typeface="Arial"/>
+                        </a:rPr>
+                        <a:t>Moyen</a:t>
+                      </a:r>
+                      <a:endParaRPr lang="en-US" sz="1800" spc="-1" strike="noStrike">
+                        <a:solidFill>
+                          <a:srgbClr val="000000"/>
+                        </a:solidFill>
+                        <a:uFill>
+                          <a:solidFill>
+                            <a:srgbClr val="ffffff"/>
+                          </a:solidFill>
+                        </a:uFill>
+                        <a:latin typeface="Arial"/>
+                      </a:endParaRPr>
+                    </a:p>
+                  </a:txBody>
+                  <a:tcPr marL="90000" marR="90000">
+                    <a:lnL w="720">
+                      <a:solidFill>
+                        <a:srgbClr val="ffffff"/>
+                      </a:solidFill>
+                    </a:lnL>
+                    <a:lnR w="720">
+                      <a:solidFill>
+                        <a:srgbClr val="ffffff"/>
+                      </a:solidFill>
+                    </a:lnR>
+                    <a:lnT w="720">
+                      <a:solidFill>
+                        <a:srgbClr val="ffffff"/>
+                      </a:solidFill>
+                    </a:lnT>
+                    <a:lnB w="720">
+                      <a:solidFill>
+                        <a:srgbClr val="ffffff"/>
+                      </a:solidFill>
+                    </a:lnB>
+                    <a:solidFill>
+                      <a:srgbClr val="0099ff"/>
+                    </a:solidFill>
+                  </a:tcPr>
+                </a:tc>
+              </a:tr>
+              <a:tr h="796320">
+                <a:tc>
+                  <a:txBody>
+                    <a:bodyPr lIns="90000" rIns="90000" tIns="46800" bIns="46800"/>
+                    <a:p>
+                      <a:pPr algn="just"/>
+                      <a:r>
+                        <a:rPr lang="en-US" sz="1800" spc="-1" strike="noStrike">
+                          <a:solidFill>
+                            <a:srgbClr val="000000"/>
+                          </a:solidFill>
+                          <a:uFill>
+                            <a:solidFill>
+                              <a:srgbClr val="ffffff"/>
+                            </a:solidFill>
+                          </a:uFill>
+                          <a:latin typeface="Arial"/>
+                        </a:rPr>
+                        <a:t>Inviter un ami</a:t>
+                      </a:r>
+                      <a:endParaRPr lang="en-US" sz="1800" spc="-1" strike="noStrike">
+                        <a:solidFill>
+                          <a:srgbClr val="000000"/>
+                        </a:solidFill>
+                        <a:uFill>
+                          <a:solidFill>
+                            <a:srgbClr val="ffffff"/>
+                          </a:solidFill>
+                        </a:uFill>
+                        <a:latin typeface="Arial"/>
+                      </a:endParaRPr>
+                    </a:p>
+                  </a:txBody>
+                  <a:tcPr marL="90000" marR="90000">
+                    <a:lnL w="720">
+                      <a:solidFill>
+                        <a:srgbClr val="ffffff"/>
+                      </a:solidFill>
+                    </a:lnL>
+                    <a:lnR w="720">
+                      <a:solidFill>
+                        <a:srgbClr val="ffffff"/>
+                      </a:solidFill>
+                    </a:lnR>
+                    <a:lnT w="720">
+                      <a:solidFill>
+                        <a:srgbClr val="ffffff"/>
+                      </a:solidFill>
+                    </a:lnT>
+                    <a:lnB w="720">
+                      <a:solidFill>
+                        <a:srgbClr val="ffffff"/>
+                      </a:solidFill>
+                    </a:lnB>
+                    <a:solidFill>
+                      <a:srgbClr val="99ccff"/>
+                    </a:solidFill>
+                  </a:tcPr>
+                </a:tc>
+                <a:tc>
+                  <a:txBody>
+                    <a:bodyPr lIns="90000" rIns="90000" tIns="46800" bIns="46800"/>
+                    <a:p>
+                      <a:pPr algn="just"/>
+                      <a:r>
+                        <a:rPr lang="en-US" sz="1800" spc="-1" strike="noStrike">
+                          <a:solidFill>
+                            <a:srgbClr val="000000"/>
+                          </a:solidFill>
+                          <a:uFill>
+                            <a:solidFill>
+                              <a:srgbClr val="ffffff"/>
+                            </a:solidFill>
+                          </a:uFill>
+                          <a:latin typeface="Arial"/>
+                        </a:rPr>
+                        <a:t>Utilisateur</a:t>
+                      </a:r>
+                      <a:endParaRPr lang="en-US" sz="1800" spc="-1" strike="noStrike">
+                        <a:solidFill>
+                          <a:srgbClr val="000000"/>
+                        </a:solidFill>
+                        <a:uFill>
+                          <a:solidFill>
+                            <a:srgbClr val="ffffff"/>
+                          </a:solidFill>
+                        </a:uFill>
+                        <a:latin typeface="Arial"/>
+                      </a:endParaRPr>
+                    </a:p>
+                  </a:txBody>
+                  <a:tcPr marL="90000" marR="90000">
+                    <a:lnL w="720">
+                      <a:solidFill>
+                        <a:srgbClr val="ffffff"/>
+                      </a:solidFill>
+                    </a:lnL>
+                    <a:lnR w="720">
+                      <a:solidFill>
+                        <a:srgbClr val="ffffff"/>
+                      </a:solidFill>
+                    </a:lnR>
+                    <a:lnT w="720">
+                      <a:solidFill>
+                        <a:srgbClr val="ffffff"/>
+                      </a:solidFill>
+                    </a:lnT>
+                    <a:lnB w="720">
+                      <a:solidFill>
+                        <a:srgbClr val="ffffff"/>
+                      </a:solidFill>
+                    </a:lnB>
+                    <a:solidFill>
+                      <a:srgbClr val="99ccff"/>
+                    </a:solidFill>
+                  </a:tcPr>
+                </a:tc>
+                <a:tc>
+                  <a:txBody>
+                    <a:bodyPr lIns="90000" rIns="90000" tIns="46800" bIns="46800"/>
+                    <a:p>
+                      <a:pPr algn="just"/>
+                      <a:r>
+                        <a:rPr lang="en-US" sz="1800" spc="-1" strike="noStrike">
+                          <a:solidFill>
+                            <a:srgbClr val="000000"/>
+                          </a:solidFill>
+                          <a:uFill>
+                            <a:solidFill>
+                              <a:srgbClr val="ffffff"/>
+                            </a:solidFill>
+                          </a:uFill>
+                          <a:latin typeface="Arial"/>
+                        </a:rPr>
+                        <a:t>Moyenne</a:t>
+                      </a:r>
+                      <a:endParaRPr lang="en-US" sz="1800" spc="-1" strike="noStrike">
+                        <a:solidFill>
+                          <a:srgbClr val="000000"/>
+                        </a:solidFill>
+                        <a:uFill>
+                          <a:solidFill>
+                            <a:srgbClr val="ffffff"/>
+                          </a:solidFill>
+                        </a:uFill>
+                        <a:latin typeface="Arial"/>
+                      </a:endParaRPr>
+                    </a:p>
+                  </a:txBody>
+                  <a:tcPr marL="90000" marR="90000">
+                    <a:lnL w="720">
+                      <a:solidFill>
+                        <a:srgbClr val="ffffff"/>
+                      </a:solidFill>
+                    </a:lnL>
+                    <a:lnR w="720">
+                      <a:solidFill>
+                        <a:srgbClr val="ffffff"/>
+                      </a:solidFill>
+                    </a:lnR>
+                    <a:lnT w="720">
+                      <a:solidFill>
+                        <a:srgbClr val="ffffff"/>
+                      </a:solidFill>
+                    </a:lnT>
+                    <a:lnB w="720">
+                      <a:solidFill>
+                        <a:srgbClr val="ffffff"/>
+                      </a:solidFill>
+                    </a:lnB>
+                    <a:solidFill>
+                      <a:srgbClr val="99ccff"/>
+                    </a:solidFill>
+                  </a:tcPr>
+                </a:tc>
+                <a:tc>
+                  <a:txBody>
+                    <a:bodyPr lIns="90000" rIns="90000" tIns="46800" bIns="46800"/>
+                    <a:p>
+                      <a:pPr algn="just"/>
+                      <a:r>
+                        <a:rPr lang="en-US" sz="1800" spc="-1" strike="noStrike">
+                          <a:solidFill>
+                            <a:srgbClr val="000000"/>
+                          </a:solidFill>
+                          <a:uFill>
+                            <a:solidFill>
+                              <a:srgbClr val="ffffff"/>
+                            </a:solidFill>
+                          </a:uFill>
+                          <a:latin typeface="Arial"/>
+                        </a:rPr>
+                        <a:t>Moyen</a:t>
+                      </a:r>
+                      <a:endParaRPr lang="en-US" sz="1800" spc="-1" strike="noStrike">
+                        <a:solidFill>
+                          <a:srgbClr val="000000"/>
+                        </a:solidFill>
+                        <a:uFill>
+                          <a:solidFill>
+                            <a:srgbClr val="ffffff"/>
+                          </a:solidFill>
+                        </a:uFill>
+                        <a:latin typeface="Arial"/>
+                      </a:endParaRPr>
+                    </a:p>
+                  </a:txBody>
+                  <a:tcPr marL="90000" marR="90000">
+                    <a:lnL w="720">
+                      <a:solidFill>
+                        <a:srgbClr val="ffffff"/>
+                      </a:solidFill>
+                    </a:lnL>
+                    <a:lnR w="720">
+                      <a:solidFill>
+                        <a:srgbClr val="ffffff"/>
+                      </a:solidFill>
+                    </a:lnR>
+                    <a:lnT w="720">
+                      <a:solidFill>
+                        <a:srgbClr val="ffffff"/>
+                      </a:solidFill>
+                    </a:lnT>
+                    <a:lnB w="720">
+                      <a:solidFill>
+                        <a:srgbClr val="ffffff"/>
+                      </a:solidFill>
+                    </a:lnB>
+                    <a:solidFill>
+                      <a:srgbClr val="99ccff"/>
+                    </a:solidFill>
+                  </a:tcPr>
+                </a:tc>
+              </a:tr>
+              <a:tr h="796320">
+                <a:tc>
+                  <a:txBody>
+                    <a:bodyPr lIns="90000" rIns="90000" tIns="46800" bIns="46800"/>
+                    <a:p>
+                      <a:pPr algn="just"/>
+                      <a:r>
+                        <a:rPr lang="en-US" sz="1800" spc="-1" strike="noStrike">
+                          <a:solidFill>
+                            <a:srgbClr val="000000"/>
+                          </a:solidFill>
+                          <a:uFill>
+                            <a:solidFill>
+                              <a:srgbClr val="ffffff"/>
+                            </a:solidFill>
+                          </a:uFill>
+                          <a:latin typeface="Arial"/>
+                        </a:rPr>
+                        <a:t>Configurer son compte</a:t>
+                      </a:r>
+                      <a:endParaRPr lang="en-US" sz="1800" spc="-1" strike="noStrike">
+                        <a:solidFill>
+                          <a:srgbClr val="000000"/>
+                        </a:solidFill>
+                        <a:uFill>
+                          <a:solidFill>
+                            <a:srgbClr val="ffffff"/>
+                          </a:solidFill>
+                        </a:uFill>
+                        <a:latin typeface="Arial"/>
+                      </a:endParaRPr>
+                    </a:p>
+                  </a:txBody>
+                  <a:tcPr marL="90000" marR="90000">
+                    <a:lnL w="720">
+                      <a:solidFill>
+                        <a:srgbClr val="ffffff"/>
+                      </a:solidFill>
+                    </a:lnL>
+                    <a:lnR w="720">
+                      <a:solidFill>
+                        <a:srgbClr val="ffffff"/>
+                      </a:solidFill>
+                    </a:lnR>
+                    <a:lnT w="720">
+                      <a:solidFill>
+                        <a:srgbClr val="ffffff"/>
+                      </a:solidFill>
+                    </a:lnT>
+                    <a:lnB w="720">
+                      <a:solidFill>
+                        <a:srgbClr val="ffffff"/>
+                      </a:solidFill>
+                    </a:lnB>
+                    <a:solidFill>
+                      <a:srgbClr val="0099ff"/>
+                    </a:solidFill>
+                  </a:tcPr>
+                </a:tc>
+                <a:tc>
+                  <a:txBody>
+                    <a:bodyPr lIns="90000" rIns="90000" tIns="46800" bIns="46800"/>
+                    <a:p>
+                      <a:pPr algn="just"/>
+                      <a:r>
+                        <a:rPr lang="en-US" sz="1800" spc="-1" strike="noStrike">
+                          <a:solidFill>
+                            <a:srgbClr val="000000"/>
+                          </a:solidFill>
+                          <a:uFill>
+                            <a:solidFill>
+                              <a:srgbClr val="ffffff"/>
+                            </a:solidFill>
+                          </a:uFill>
+                          <a:latin typeface="Arial"/>
+                        </a:rPr>
+                        <a:t>Utilisateur</a:t>
+                      </a:r>
+                      <a:endParaRPr lang="en-US" sz="1800" spc="-1" strike="noStrike">
+                        <a:solidFill>
+                          <a:srgbClr val="000000"/>
+                        </a:solidFill>
+                        <a:uFill>
+                          <a:solidFill>
+                            <a:srgbClr val="ffffff"/>
+                          </a:solidFill>
+                        </a:uFill>
+                        <a:latin typeface="Arial"/>
+                      </a:endParaRPr>
+                    </a:p>
+                  </a:txBody>
+                  <a:tcPr marL="90000" marR="90000">
+                    <a:lnL w="720">
+                      <a:solidFill>
+                        <a:srgbClr val="ffffff"/>
+                      </a:solidFill>
+                    </a:lnL>
+                    <a:lnR w="720">
+                      <a:solidFill>
+                        <a:srgbClr val="ffffff"/>
+                      </a:solidFill>
+                    </a:lnR>
+                    <a:lnT w="720">
+                      <a:solidFill>
+                        <a:srgbClr val="ffffff"/>
+                      </a:solidFill>
+                    </a:lnT>
+                    <a:lnB w="720">
+                      <a:solidFill>
+                        <a:srgbClr val="ffffff"/>
+                      </a:solidFill>
+                    </a:lnB>
+                    <a:solidFill>
+                      <a:srgbClr val="0099ff"/>
+                    </a:solidFill>
+                  </a:tcPr>
+                </a:tc>
+                <a:tc>
+                  <a:txBody>
+                    <a:bodyPr lIns="90000" rIns="90000" tIns="46800" bIns="46800"/>
+                    <a:p>
+                      <a:pPr algn="just"/>
+                      <a:r>
+                        <a:rPr lang="en-US" sz="1800" spc="-1" strike="noStrike">
+                          <a:solidFill>
+                            <a:srgbClr val="000000"/>
+                          </a:solidFill>
+                          <a:uFill>
+                            <a:solidFill>
+                              <a:srgbClr val="ffffff"/>
+                            </a:solidFill>
+                          </a:uFill>
+                          <a:latin typeface="Arial"/>
+                        </a:rPr>
+                        <a:t>Moyenne</a:t>
+                      </a:r>
+                      <a:endParaRPr lang="en-US" sz="1800" spc="-1" strike="noStrike">
+                        <a:solidFill>
+                          <a:srgbClr val="000000"/>
+                        </a:solidFill>
+                        <a:uFill>
+                          <a:solidFill>
+                            <a:srgbClr val="ffffff"/>
+                          </a:solidFill>
+                        </a:uFill>
+                        <a:latin typeface="Arial"/>
+                      </a:endParaRPr>
+                    </a:p>
+                  </a:txBody>
+                  <a:tcPr marL="90000" marR="90000">
+                    <a:lnL w="720">
+                      <a:solidFill>
+                        <a:srgbClr val="ffffff"/>
+                      </a:solidFill>
+                    </a:lnL>
+                    <a:lnR w="720">
+                      <a:solidFill>
+                        <a:srgbClr val="ffffff"/>
+                      </a:solidFill>
+                    </a:lnR>
+                    <a:lnT w="720">
+                      <a:solidFill>
+                        <a:srgbClr val="ffffff"/>
+                      </a:solidFill>
+                    </a:lnT>
+                    <a:lnB w="720">
+                      <a:solidFill>
+                        <a:srgbClr val="ffffff"/>
+                      </a:solidFill>
+                    </a:lnB>
+                    <a:solidFill>
+                      <a:srgbClr val="0099ff"/>
+                    </a:solidFill>
+                  </a:tcPr>
+                </a:tc>
+                <a:tc>
+                  <a:txBody>
+                    <a:bodyPr lIns="90000" rIns="90000" tIns="46800" bIns="46800"/>
+                    <a:p>
+                      <a:pPr algn="just"/>
+                      <a:r>
+                        <a:rPr lang="en-US" sz="1800" spc="-1" strike="noStrike">
+                          <a:solidFill>
+                            <a:srgbClr val="000000"/>
+                          </a:solidFill>
+                          <a:uFill>
+                            <a:solidFill>
+                              <a:srgbClr val="ffffff"/>
+                            </a:solidFill>
+                          </a:uFill>
+                          <a:latin typeface="Arial"/>
+                        </a:rPr>
+                        <a:t>Moyen</a:t>
+                      </a:r>
+                      <a:endParaRPr lang="en-US" sz="1800" spc="-1" strike="noStrike">
+                        <a:solidFill>
+                          <a:srgbClr val="000000"/>
+                        </a:solidFill>
+                        <a:uFill>
+                          <a:solidFill>
+                            <a:srgbClr val="ffffff"/>
+                          </a:solidFill>
+                        </a:uFill>
+                        <a:latin typeface="Arial"/>
+                      </a:endParaRPr>
+                    </a:p>
+                  </a:txBody>
+                  <a:tcPr marL="90000" marR="90000">
+                    <a:lnL w="720">
+                      <a:solidFill>
+                        <a:srgbClr val="ffffff"/>
+                      </a:solidFill>
+                    </a:lnL>
+                    <a:lnR w="720">
+                      <a:solidFill>
+                        <a:srgbClr val="ffffff"/>
+                      </a:solidFill>
+                    </a:lnR>
+                    <a:lnT w="720">
+                      <a:solidFill>
+                        <a:srgbClr val="ffffff"/>
+                      </a:solidFill>
+                    </a:lnT>
+                    <a:lnB w="720">
+                      <a:solidFill>
+                        <a:srgbClr val="ffffff"/>
+                      </a:solidFill>
+                    </a:lnB>
+                    <a:solidFill>
+                      <a:srgbClr val="0099ff"/>
+                    </a:solidFill>
+                  </a:tcPr>
+                </a:tc>
+              </a:tr>
+              <a:tr h="799920">
+                <a:tc>
+                  <a:txBody>
+                    <a:bodyPr lIns="90000" rIns="90000" tIns="46800" bIns="46800"/>
+                    <a:p>
+                      <a:pPr algn="just"/>
+                      <a:r>
+                        <a:rPr lang="en-US" sz="1800" spc="-1" strike="noStrike">
+                          <a:solidFill>
+                            <a:srgbClr val="000000"/>
+                          </a:solidFill>
+                          <a:uFill>
+                            <a:solidFill>
+                              <a:srgbClr val="ffffff"/>
+                            </a:solidFill>
+                          </a:uFill>
+                          <a:latin typeface="Arial"/>
+                        </a:rPr>
+                        <a:t>Accès à une aide en ligne (faq)</a:t>
+                      </a:r>
+                      <a:endParaRPr lang="en-US" sz="1800" spc="-1" strike="noStrike">
+                        <a:solidFill>
+                          <a:srgbClr val="000000"/>
+                        </a:solidFill>
+                        <a:uFill>
+                          <a:solidFill>
+                            <a:srgbClr val="ffffff"/>
+                          </a:solidFill>
+                        </a:uFill>
+                        <a:latin typeface="Arial"/>
+                      </a:endParaRPr>
+                    </a:p>
+                  </a:txBody>
+                  <a:tcPr marL="90000" marR="90000">
+                    <a:lnL w="720">
+                      <a:solidFill>
+                        <a:srgbClr val="ffffff"/>
+                      </a:solidFill>
+                    </a:lnL>
+                    <a:lnR w="720">
+                      <a:solidFill>
+                        <a:srgbClr val="ffffff"/>
+                      </a:solidFill>
+                    </a:lnR>
+                    <a:lnT w="720">
+                      <a:solidFill>
+                        <a:srgbClr val="ffffff"/>
+                      </a:solidFill>
+                    </a:lnT>
+                    <a:lnB w="720">
+                      <a:solidFill>
+                        <a:srgbClr val="ffffff"/>
+                      </a:solidFill>
+                    </a:lnB>
+                    <a:solidFill>
+                      <a:srgbClr val="99ccff"/>
+                    </a:solidFill>
+                  </a:tcPr>
+                </a:tc>
+                <a:tc>
+                  <a:txBody>
+                    <a:bodyPr lIns="90000" rIns="90000" tIns="46800" bIns="46800"/>
+                    <a:p>
+                      <a:pPr algn="just"/>
+                      <a:r>
+                        <a:rPr lang="en-US" sz="1800" spc="-1" strike="noStrike">
+                          <a:solidFill>
+                            <a:srgbClr val="000000"/>
+                          </a:solidFill>
+                          <a:uFill>
+                            <a:solidFill>
+                              <a:srgbClr val="ffffff"/>
+                            </a:solidFill>
+                          </a:uFill>
+                          <a:latin typeface="Arial"/>
+                        </a:rPr>
+                        <a:t>Utilisateur</a:t>
+                      </a:r>
+                      <a:endParaRPr lang="en-US" sz="1800" spc="-1" strike="noStrike">
+                        <a:solidFill>
+                          <a:srgbClr val="000000"/>
+                        </a:solidFill>
+                        <a:uFill>
+                          <a:solidFill>
+                            <a:srgbClr val="ffffff"/>
+                          </a:solidFill>
+                        </a:uFill>
+                        <a:latin typeface="Arial"/>
+                      </a:endParaRPr>
+                    </a:p>
+                  </a:txBody>
+                  <a:tcPr marL="90000" marR="90000">
+                    <a:lnL w="720">
+                      <a:solidFill>
+                        <a:srgbClr val="ffffff"/>
+                      </a:solidFill>
+                    </a:lnL>
+                    <a:lnR w="720">
+                      <a:solidFill>
+                        <a:srgbClr val="ffffff"/>
+                      </a:solidFill>
+                    </a:lnR>
+                    <a:lnT w="720">
+                      <a:solidFill>
+                        <a:srgbClr val="ffffff"/>
+                      </a:solidFill>
+                    </a:lnT>
+                    <a:lnB w="720">
+                      <a:solidFill>
+                        <a:srgbClr val="ffffff"/>
+                      </a:solidFill>
+                    </a:lnB>
+                    <a:solidFill>
+                      <a:srgbClr val="99ccff"/>
+                    </a:solidFill>
+                  </a:tcPr>
+                </a:tc>
+                <a:tc>
+                  <a:txBody>
+                    <a:bodyPr lIns="90000" rIns="90000" tIns="46800" bIns="46800"/>
+                    <a:p>
+                      <a:pPr algn="just"/>
+                      <a:r>
+                        <a:rPr lang="en-US" sz="1800" spc="-1" strike="noStrike">
+                          <a:solidFill>
+                            <a:srgbClr val="000000"/>
+                          </a:solidFill>
+                          <a:uFill>
+                            <a:solidFill>
+                              <a:srgbClr val="ffffff"/>
+                            </a:solidFill>
+                          </a:uFill>
+                          <a:latin typeface="Arial"/>
+                        </a:rPr>
+                        <a:t>Faible</a:t>
+                      </a:r>
+                      <a:endParaRPr lang="en-US" sz="1800" spc="-1" strike="noStrike">
+                        <a:solidFill>
+                          <a:srgbClr val="000000"/>
+                        </a:solidFill>
+                        <a:uFill>
+                          <a:solidFill>
+                            <a:srgbClr val="ffffff"/>
+                          </a:solidFill>
+                        </a:uFill>
+                        <a:latin typeface="Arial"/>
+                      </a:endParaRPr>
+                    </a:p>
+                  </a:txBody>
+                  <a:tcPr marL="90000" marR="90000">
+                    <a:lnL w="720">
+                      <a:solidFill>
+                        <a:srgbClr val="ffffff"/>
+                      </a:solidFill>
+                    </a:lnL>
+                    <a:lnR w="720">
+                      <a:solidFill>
+                        <a:srgbClr val="ffffff"/>
+                      </a:solidFill>
+                    </a:lnR>
+                    <a:lnT w="720">
+                      <a:solidFill>
+                        <a:srgbClr val="ffffff"/>
+                      </a:solidFill>
+                    </a:lnT>
+                    <a:lnB w="720">
+                      <a:solidFill>
+                        <a:srgbClr val="ffffff"/>
+                      </a:solidFill>
+                    </a:lnB>
+                    <a:solidFill>
+                      <a:srgbClr val="99ccff"/>
+                    </a:solidFill>
+                  </a:tcPr>
+                </a:tc>
+                <a:tc>
+                  <a:txBody>
+                    <a:bodyPr lIns="90000" rIns="90000" tIns="46800" bIns="46800"/>
+                    <a:p>
+                      <a:pPr algn="just"/>
+                      <a:r>
+                        <a:rPr lang="en-US" sz="1800" spc="-1" strike="noStrike">
+                          <a:solidFill>
+                            <a:srgbClr val="000000"/>
+                          </a:solidFill>
+                          <a:uFill>
+                            <a:solidFill>
+                              <a:srgbClr val="ffffff"/>
+                            </a:solidFill>
+                          </a:uFill>
+                          <a:latin typeface="Arial"/>
+                        </a:rPr>
+                        <a:t>Faible</a:t>
+                      </a:r>
+                      <a:endParaRPr lang="en-US" sz="1800" spc="-1" strike="noStrike">
+                        <a:solidFill>
+                          <a:srgbClr val="000000"/>
+                        </a:solidFill>
+                        <a:uFill>
+                          <a:solidFill>
+                            <a:srgbClr val="ffffff"/>
+                          </a:solidFill>
+                        </a:uFill>
+                        <a:latin typeface="Arial"/>
+                      </a:endParaRPr>
+                    </a:p>
+                  </a:txBody>
+                  <a:tcPr marL="90000" marR="90000">
+                    <a:lnL w="720">
+                      <a:solidFill>
+                        <a:srgbClr val="ffffff"/>
+                      </a:solidFill>
+                    </a:lnL>
+                    <a:lnR w="720">
+                      <a:solidFill>
+                        <a:srgbClr val="ffffff"/>
+                      </a:solidFill>
+                    </a:lnR>
+                    <a:lnT w="720">
+                      <a:solidFill>
+                        <a:srgbClr val="ffffff"/>
+                      </a:solidFill>
+                    </a:lnT>
+                    <a:lnB w="720">
+                      <a:solidFill>
+                        <a:srgbClr val="ffffff"/>
+                      </a:solidFill>
+                    </a:lnB>
+                    <a:solidFill>
+                      <a:srgbClr val="99ccff"/>
+                    </a:solidFill>
+                  </a:tcPr>
+                </a:tc>
+              </a:tr>
+            </a:tbl>
+          </a:graphicData>
+        </a:graphic>
+      </p:graphicFrame>
     </p:spTree>
   </p:cSld>
 </p:sld>
@@ -5055,4 +12053,227 @@
     </a:fmtScheme>
   </a:themeElements>
 </a:theme>
+</file>
+
+<file path=ppt/theme/theme3.xml><?xml version="1.0" encoding="utf-8"?>
+<a:theme xmlns:a="http://schemas.openxmlformats.org/drawingml/2006/main" name="Office Theme">
+  <a:themeElements>
+    <a:clrScheme name="Office">
+      <a:dk1>
+        <a:sysClr val="windowText" lastClr="000000"/>
+      </a:dk1>
+      <a:lt1>
+        <a:sysClr val="window" lastClr="FFFFFF"/>
+      </a:lt1>
+      <a:dk2>
+        <a:srgbClr val="1F497D"/>
+      </a:dk2>
+      <a:lt2>
+        <a:srgbClr val="EEECE1"/>
+      </a:lt2>
+      <a:accent1>
+        <a:srgbClr val="4F81BD"/>
+      </a:accent1>
+      <a:accent2>
+        <a:srgbClr val="C0504D"/>
+      </a:accent2>
+      <a:accent3>
+        <a:srgbClr val="9BBB59"/>
+      </a:accent3>
+      <a:accent4>
+        <a:srgbClr val="8064A2"/>
+      </a:accent4>
+      <a:accent5>
+        <a:srgbClr val="4BACC6"/>
+      </a:accent5>
+      <a:accent6>
+        <a:srgbClr val="F79646"/>
+      </a:accent6>
+      <a:hlink>
+        <a:srgbClr val="0000FF"/>
+      </a:hlink>
+      <a:folHlink>
+        <a:srgbClr val="800080"/>
+      </a:folHlink>
+    </a:clrScheme>
+    <a:fontScheme name="Office">
+      <a:majorFont>
+        <a:latin typeface="Arial"/>
+        <a:ea typeface="DejaVu Sans"/>
+        <a:cs typeface="DejaVu Sans"/>
+      </a:majorFont>
+      <a:minorFont>
+        <a:latin typeface="Arial"/>
+        <a:ea typeface="DejaVu Sans"/>
+        <a:cs typeface="DejaVu Sans"/>
+      </a:minorFont>
+    </a:fontScheme>
+    <a:fmtScheme name="Office">
+      <a:fillStyleLst>
+        <a:solidFill>
+          <a:schemeClr val="phClr"/>
+        </a:solidFill>
+        <a:gradFill rotWithShape="1">
+          <a:gsLst>
+            <a:gs pos="0">
+              <a:schemeClr val="phClr">
+                <a:tint val="50000"/>
+                <a:satMod val="300000"/>
+              </a:schemeClr>
+            </a:gs>
+            <a:gs pos="35000">
+              <a:schemeClr val="phClr">
+                <a:tint val="37000"/>
+                <a:satMod val="300000"/>
+              </a:schemeClr>
+            </a:gs>
+            <a:gs pos="100000">
+              <a:schemeClr val="phClr">
+                <a:tint val="15000"/>
+                <a:satMod val="350000"/>
+              </a:schemeClr>
+            </a:gs>
+          </a:gsLst>
+          <a:lin ang="16200000" scaled="1"/>
+        </a:gradFill>
+        <a:gradFill rotWithShape="1">
+          <a:gsLst>
+            <a:gs pos="0">
+              <a:schemeClr val="phClr">
+                <a:shade val="51000"/>
+                <a:satMod val="130000"/>
+              </a:schemeClr>
+            </a:gs>
+            <a:gs pos="80000">
+              <a:schemeClr val="phClr">
+                <a:shade val="93000"/>
+                <a:satMod val="130000"/>
+              </a:schemeClr>
+            </a:gs>
+            <a:gs pos="100000">
+              <a:schemeClr val="phClr">
+                <a:shade val="94000"/>
+                <a:satMod val="135000"/>
+              </a:schemeClr>
+            </a:gs>
+          </a:gsLst>
+          <a:lin ang="16200000" scaled="0"/>
+        </a:gradFill>
+      </a:fillStyleLst>
+      <a:lnStyleLst>
+        <a:ln w="9525" cap="flat" cmpd="sng" algn="ctr">
+          <a:solidFill>
+            <a:schemeClr val="phClr">
+              <a:shade val="95000"/>
+              <a:satMod val="105000"/>
+            </a:schemeClr>
+          </a:solidFill>
+          <a:prstDash val="solid"/>
+        </a:ln>
+        <a:ln w="25400" cap="flat" cmpd="sng" algn="ctr">
+          <a:solidFill>
+            <a:schemeClr val="phClr"/>
+          </a:solidFill>
+          <a:prstDash val="solid"/>
+        </a:ln>
+        <a:ln w="38100" cap="flat" cmpd="sng" algn="ctr">
+          <a:solidFill>
+            <a:schemeClr val="phClr"/>
+          </a:solidFill>
+          <a:prstDash val="solid"/>
+        </a:ln>
+      </a:lnStyleLst>
+      <a:effectStyleLst>
+        <a:effectStyle>
+          <a:effectLst>
+            <a:outerShdw blurRad="40000" dist="20000" dir="5400000" rotWithShape="0">
+              <a:srgbClr val="000000">
+                <a:alpha val="38000"/>
+              </a:srgbClr>
+            </a:outerShdw>
+          </a:effectLst>
+        </a:effectStyle>
+        <a:effectStyle>
+          <a:effectLst>
+            <a:outerShdw blurRad="40000" dist="23000" dir="5400000" rotWithShape="0">
+              <a:srgbClr val="000000">
+                <a:alpha val="35000"/>
+              </a:srgbClr>
+            </a:outerShdw>
+          </a:effectLst>
+        </a:effectStyle>
+        <a:effectStyle>
+          <a:effectLst>
+            <a:outerShdw blurRad="40000" dist="23000" dir="5400000" rotWithShape="0">
+              <a:srgbClr val="000000">
+                <a:alpha val="35000"/>
+              </a:srgbClr>
+            </a:outerShdw>
+          </a:effectLst>
+          <a:scene3d>
+            <a:camera prst="orthographicFront">
+              <a:rot lat="0" lon="0" rev="0"/>
+            </a:camera>
+            <a:lightRig rig="threePt" dir="t">
+              <a:rot lat="0" lon="0" rev="1200000"/>
+            </a:lightRig>
+          </a:scene3d>
+          <a:sp3d>
+            <a:bevelT w="63500" h="25400"/>
+          </a:sp3d>
+        </a:effectStyle>
+      </a:effectStyleLst>
+      <a:bgFillStyleLst>
+        <a:solidFill>
+          <a:schemeClr val="phClr"/>
+        </a:solidFill>
+        <a:gradFill rotWithShape="1">
+          <a:gsLst>
+            <a:gs pos="0">
+              <a:schemeClr val="phClr">
+                <a:tint val="40000"/>
+                <a:satMod val="350000"/>
+              </a:schemeClr>
+            </a:gs>
+            <a:gs pos="40000">
+              <a:schemeClr val="phClr">
+                <a:tint val="45000"/>
+                <a:shade val="99000"/>
+                <a:satMod val="350000"/>
+              </a:schemeClr>
+            </a:gs>
+            <a:gs pos="100000">
+              <a:schemeClr val="phClr">
+                <a:shade val="20000"/>
+                <a:satMod val="255000"/>
+              </a:schemeClr>
+            </a:gs>
+          </a:gsLst>
+          <a:path path="circle">
+            <a:fillToRect l="50000" t="-80000" r="50000" b="180000"/>
+          </a:path>
+        </a:gradFill>
+        <a:gradFill rotWithShape="1">
+          <a:gsLst>
+            <a:gs pos="0">
+              <a:schemeClr val="phClr">
+                <a:tint val="80000"/>
+                <a:satMod val="300000"/>
+              </a:schemeClr>
+            </a:gs>
+            <a:gs pos="100000">
+              <a:schemeClr val="phClr">
+                <a:shade val="30000"/>
+                <a:satMod val="200000"/>
+              </a:schemeClr>
+            </a:gs>
+          </a:gsLst>
+          <a:path path="circle">
+            <a:fillToRect l="50000" t="50000" r="50000" b="50000"/>
+          </a:path>
+        </a:gradFill>
+      </a:bgFillStyleLst>
+    </a:fmtScheme>
+  </a:themeElements>
+</a:theme>
 </file>